--- a/Issledovatelskaya_rabota.pptx
+++ b/Issledovatelskaya_rabota.pptx
@@ -5,7 +5,7 @@
     <p:sldMasterId id="2147483648" r:id="rId1"/>
   </p:sldMasterIdLst>
   <p:notesMasterIdLst>
-    <p:notesMasterId r:id="rId19"/>
+    <p:notesMasterId r:id="rId26"/>
   </p:notesMasterIdLst>
   <p:sldIdLst>
     <p:sldId id="256" r:id="rId2"/>
@@ -18,13 +18,20 @@
     <p:sldId id="261" r:id="rId9"/>
     <p:sldId id="259" r:id="rId10"/>
     <p:sldId id="265" r:id="rId11"/>
-    <p:sldId id="266" r:id="rId12"/>
-    <p:sldId id="270" r:id="rId13"/>
-    <p:sldId id="271" r:id="rId14"/>
-    <p:sldId id="272" r:id="rId15"/>
-    <p:sldId id="260" r:id="rId16"/>
-    <p:sldId id="276" r:id="rId17"/>
-    <p:sldId id="273" r:id="rId18"/>
+    <p:sldId id="277" r:id="rId12"/>
+    <p:sldId id="266" r:id="rId13"/>
+    <p:sldId id="270" r:id="rId14"/>
+    <p:sldId id="271" r:id="rId15"/>
+    <p:sldId id="272" r:id="rId16"/>
+    <p:sldId id="260" r:id="rId17"/>
+    <p:sldId id="278" r:id="rId18"/>
+    <p:sldId id="279" r:id="rId19"/>
+    <p:sldId id="280" r:id="rId20"/>
+    <p:sldId id="281" r:id="rId21"/>
+    <p:sldId id="282" r:id="rId22"/>
+    <p:sldId id="283" r:id="rId23"/>
+    <p:sldId id="276" r:id="rId24"/>
+    <p:sldId id="273" r:id="rId25"/>
   </p:sldIdLst>
   <p:sldSz cx="12192000" cy="6858000"/>
   <p:notesSz cx="6858000" cy="9144000"/>
@@ -156,6 +163,1136 @@
     </mc:Fallback>
   </mc:AlternateContent>
   <c:chart>
+    <c:title>
+      <c:tx>
+        <c:rich>
+          <a:bodyPr rot="0" spcFirstLastPara="1" vertOverflow="ellipsis" vert="horz" wrap="square" anchor="ctr" anchorCtr="1"/>
+          <a:lstStyle/>
+          <a:p>
+            <a:pPr>
+              <a:defRPr sz="1862" b="0" i="0" u="none" strike="noStrike" kern="1200" spc="0" baseline="0">
+                <a:solidFill>
+                  <a:schemeClr val="tx1">
+                    <a:lumMod val="65000"/>
+                    <a:lumOff val="35000"/>
+                  </a:schemeClr>
+                </a:solidFill>
+                <a:latin typeface="+mn-lt"/>
+                <a:ea typeface="+mn-ea"/>
+                <a:cs typeface="+mn-cs"/>
+              </a:defRPr>
+            </a:pPr>
+            <a:r>
+              <a:rPr lang="en-US" dirty="0" smtClean="0"/>
+              <a:t>O(f(n))</a:t>
+            </a:r>
+            <a:endParaRPr lang="ru-RU" dirty="0"/>
+          </a:p>
+        </c:rich>
+      </c:tx>
+      <c:overlay val="0"/>
+      <c:spPr>
+        <a:noFill/>
+        <a:ln>
+          <a:noFill/>
+        </a:ln>
+        <a:effectLst/>
+      </c:spPr>
+      <c:txPr>
+        <a:bodyPr rot="0" spcFirstLastPara="1" vertOverflow="ellipsis" vert="horz" wrap="square" anchor="ctr" anchorCtr="1"/>
+        <a:lstStyle/>
+        <a:p>
+          <a:pPr>
+            <a:defRPr sz="1862" b="0" i="0" u="none" strike="noStrike" kern="1200" spc="0" baseline="0">
+              <a:solidFill>
+                <a:schemeClr val="tx1">
+                  <a:lumMod val="65000"/>
+                  <a:lumOff val="35000"/>
+                </a:schemeClr>
+              </a:solidFill>
+              <a:latin typeface="+mn-lt"/>
+              <a:ea typeface="+mn-ea"/>
+              <a:cs typeface="+mn-cs"/>
+            </a:defRPr>
+          </a:pPr>
+          <a:endParaRPr lang="ru-RU"/>
+        </a:p>
+      </c:txPr>
+    </c:title>
+    <c:autoTitleDeleted val="0"/>
+    <c:plotArea>
+      <c:layout/>
+      <c:lineChart>
+        <c:grouping val="standard"/>
+        <c:varyColors val="0"/>
+        <c:ser>
+          <c:idx val="0"/>
+          <c:order val="0"/>
+          <c:tx>
+            <c:strRef>
+              <c:f>Лист1!$B$1</c:f>
+              <c:strCache>
+                <c:ptCount val="1"/>
+                <c:pt idx="0">
+                  <c:v>O(1)</c:v>
+                </c:pt>
+              </c:strCache>
+            </c:strRef>
+          </c:tx>
+          <c:spPr>
+            <a:ln w="28575" cap="rnd">
+              <a:solidFill>
+                <a:schemeClr val="accent1"/>
+              </a:solidFill>
+              <a:round/>
+            </a:ln>
+            <a:effectLst/>
+          </c:spPr>
+          <c:marker>
+            <c:symbol val="none"/>
+          </c:marker>
+          <c:cat>
+            <c:numRef>
+              <c:f>Лист1!$A$2:$A$9</c:f>
+              <c:numCache>
+                <c:formatCode>General</c:formatCode>
+                <c:ptCount val="8"/>
+                <c:pt idx="0">
+                  <c:v>1</c:v>
+                </c:pt>
+                <c:pt idx="1">
+                  <c:v>2</c:v>
+                </c:pt>
+                <c:pt idx="2">
+                  <c:v>3</c:v>
+                </c:pt>
+                <c:pt idx="3">
+                  <c:v>4</c:v>
+                </c:pt>
+                <c:pt idx="4">
+                  <c:v>5</c:v>
+                </c:pt>
+                <c:pt idx="5">
+                  <c:v>6</c:v>
+                </c:pt>
+                <c:pt idx="6">
+                  <c:v>7</c:v>
+                </c:pt>
+                <c:pt idx="7">
+                  <c:v>8</c:v>
+                </c:pt>
+              </c:numCache>
+            </c:numRef>
+          </c:cat>
+          <c:val>
+            <c:numRef>
+              <c:f>Лист1!$B$2:$B$9</c:f>
+              <c:numCache>
+                <c:formatCode>General</c:formatCode>
+                <c:ptCount val="8"/>
+                <c:pt idx="0">
+                  <c:v>1</c:v>
+                </c:pt>
+                <c:pt idx="1">
+                  <c:v>1</c:v>
+                </c:pt>
+                <c:pt idx="2">
+                  <c:v>1</c:v>
+                </c:pt>
+                <c:pt idx="3">
+                  <c:v>1</c:v>
+                </c:pt>
+                <c:pt idx="4">
+                  <c:v>1</c:v>
+                </c:pt>
+                <c:pt idx="5">
+                  <c:v>1</c:v>
+                </c:pt>
+                <c:pt idx="6">
+                  <c:v>1</c:v>
+                </c:pt>
+                <c:pt idx="7">
+                  <c:v>1</c:v>
+                </c:pt>
+              </c:numCache>
+            </c:numRef>
+          </c:val>
+          <c:smooth val="0"/>
+        </c:ser>
+        <c:ser>
+          <c:idx val="1"/>
+          <c:order val="1"/>
+          <c:tx>
+            <c:strRef>
+              <c:f>Лист1!$C$1</c:f>
+              <c:strCache>
+                <c:ptCount val="1"/>
+                <c:pt idx="0">
+                  <c:v>O(log n)</c:v>
+                </c:pt>
+              </c:strCache>
+            </c:strRef>
+          </c:tx>
+          <c:spPr>
+            <a:ln w="28575" cap="rnd">
+              <a:solidFill>
+                <a:schemeClr val="accent2"/>
+              </a:solidFill>
+              <a:round/>
+            </a:ln>
+            <a:effectLst/>
+          </c:spPr>
+          <c:marker>
+            <c:symbol val="none"/>
+          </c:marker>
+          <c:cat>
+            <c:numRef>
+              <c:f>Лист1!$A$2:$A$9</c:f>
+              <c:numCache>
+                <c:formatCode>General</c:formatCode>
+                <c:ptCount val="8"/>
+                <c:pt idx="0">
+                  <c:v>1</c:v>
+                </c:pt>
+                <c:pt idx="1">
+                  <c:v>2</c:v>
+                </c:pt>
+                <c:pt idx="2">
+                  <c:v>3</c:v>
+                </c:pt>
+                <c:pt idx="3">
+                  <c:v>4</c:v>
+                </c:pt>
+                <c:pt idx="4">
+                  <c:v>5</c:v>
+                </c:pt>
+                <c:pt idx="5">
+                  <c:v>6</c:v>
+                </c:pt>
+                <c:pt idx="6">
+                  <c:v>7</c:v>
+                </c:pt>
+                <c:pt idx="7">
+                  <c:v>8</c:v>
+                </c:pt>
+              </c:numCache>
+            </c:numRef>
+          </c:cat>
+          <c:val>
+            <c:numRef>
+              <c:f>Лист1!$C$2:$C$9</c:f>
+              <c:numCache>
+                <c:formatCode>General</c:formatCode>
+                <c:ptCount val="8"/>
+                <c:pt idx="0">
+                  <c:v>0</c:v>
+                </c:pt>
+                <c:pt idx="1">
+                  <c:v>0.3010299956639812</c:v>
+                </c:pt>
+                <c:pt idx="2">
+                  <c:v>0.47712125471966244</c:v>
+                </c:pt>
+                <c:pt idx="3">
+                  <c:v>0.6020599913279624</c:v>
+                </c:pt>
+                <c:pt idx="4">
+                  <c:v>0.69897000433601886</c:v>
+                </c:pt>
+                <c:pt idx="5">
+                  <c:v>0.77815125038364363</c:v>
+                </c:pt>
+                <c:pt idx="6">
+                  <c:v>0.84509804001425681</c:v>
+                </c:pt>
+                <c:pt idx="7">
+                  <c:v>0.90308998699194354</c:v>
+                </c:pt>
+              </c:numCache>
+            </c:numRef>
+          </c:val>
+          <c:smooth val="0"/>
+        </c:ser>
+        <c:ser>
+          <c:idx val="2"/>
+          <c:order val="2"/>
+          <c:tx>
+            <c:strRef>
+              <c:f>Лист1!$D$1</c:f>
+              <c:strCache>
+                <c:ptCount val="1"/>
+                <c:pt idx="0">
+                  <c:v>O(n)</c:v>
+                </c:pt>
+              </c:strCache>
+            </c:strRef>
+          </c:tx>
+          <c:spPr>
+            <a:ln w="28575" cap="rnd">
+              <a:solidFill>
+                <a:schemeClr val="accent3"/>
+              </a:solidFill>
+              <a:round/>
+            </a:ln>
+            <a:effectLst/>
+          </c:spPr>
+          <c:marker>
+            <c:symbol val="none"/>
+          </c:marker>
+          <c:cat>
+            <c:numRef>
+              <c:f>Лист1!$A$2:$A$9</c:f>
+              <c:numCache>
+                <c:formatCode>General</c:formatCode>
+                <c:ptCount val="8"/>
+                <c:pt idx="0">
+                  <c:v>1</c:v>
+                </c:pt>
+                <c:pt idx="1">
+                  <c:v>2</c:v>
+                </c:pt>
+                <c:pt idx="2">
+                  <c:v>3</c:v>
+                </c:pt>
+                <c:pt idx="3">
+                  <c:v>4</c:v>
+                </c:pt>
+                <c:pt idx="4">
+                  <c:v>5</c:v>
+                </c:pt>
+                <c:pt idx="5">
+                  <c:v>6</c:v>
+                </c:pt>
+                <c:pt idx="6">
+                  <c:v>7</c:v>
+                </c:pt>
+                <c:pt idx="7">
+                  <c:v>8</c:v>
+                </c:pt>
+              </c:numCache>
+            </c:numRef>
+          </c:cat>
+          <c:val>
+            <c:numRef>
+              <c:f>Лист1!$D$2:$D$9</c:f>
+              <c:numCache>
+                <c:formatCode>General</c:formatCode>
+                <c:ptCount val="8"/>
+                <c:pt idx="0">
+                  <c:v>1</c:v>
+                </c:pt>
+                <c:pt idx="1">
+                  <c:v>2</c:v>
+                </c:pt>
+                <c:pt idx="2">
+                  <c:v>3</c:v>
+                </c:pt>
+                <c:pt idx="3">
+                  <c:v>4</c:v>
+                </c:pt>
+                <c:pt idx="4">
+                  <c:v>5</c:v>
+                </c:pt>
+                <c:pt idx="5">
+                  <c:v>6</c:v>
+                </c:pt>
+                <c:pt idx="6">
+                  <c:v>7</c:v>
+                </c:pt>
+                <c:pt idx="7">
+                  <c:v>8</c:v>
+                </c:pt>
+              </c:numCache>
+            </c:numRef>
+          </c:val>
+          <c:smooth val="0"/>
+        </c:ser>
+        <c:ser>
+          <c:idx val="3"/>
+          <c:order val="3"/>
+          <c:tx>
+            <c:strRef>
+              <c:f>Лист1!$E$1</c:f>
+              <c:strCache>
+                <c:ptCount val="1"/>
+                <c:pt idx="0">
+                  <c:v>O(nlog n)</c:v>
+                </c:pt>
+              </c:strCache>
+            </c:strRef>
+          </c:tx>
+          <c:spPr>
+            <a:ln w="28575" cap="rnd">
+              <a:solidFill>
+                <a:schemeClr val="accent4"/>
+              </a:solidFill>
+              <a:round/>
+            </a:ln>
+            <a:effectLst/>
+          </c:spPr>
+          <c:marker>
+            <c:symbol val="none"/>
+          </c:marker>
+          <c:cat>
+            <c:numRef>
+              <c:f>Лист1!$A$2:$A$9</c:f>
+              <c:numCache>
+                <c:formatCode>General</c:formatCode>
+                <c:ptCount val="8"/>
+                <c:pt idx="0">
+                  <c:v>1</c:v>
+                </c:pt>
+                <c:pt idx="1">
+                  <c:v>2</c:v>
+                </c:pt>
+                <c:pt idx="2">
+                  <c:v>3</c:v>
+                </c:pt>
+                <c:pt idx="3">
+                  <c:v>4</c:v>
+                </c:pt>
+                <c:pt idx="4">
+                  <c:v>5</c:v>
+                </c:pt>
+                <c:pt idx="5">
+                  <c:v>6</c:v>
+                </c:pt>
+                <c:pt idx="6">
+                  <c:v>7</c:v>
+                </c:pt>
+                <c:pt idx="7">
+                  <c:v>8</c:v>
+                </c:pt>
+              </c:numCache>
+            </c:numRef>
+          </c:cat>
+          <c:val>
+            <c:numRef>
+              <c:f>Лист1!$E$2:$E$9</c:f>
+              <c:numCache>
+                <c:formatCode>General</c:formatCode>
+                <c:ptCount val="8"/>
+                <c:pt idx="0">
+                  <c:v>0</c:v>
+                </c:pt>
+                <c:pt idx="1">
+                  <c:v>0.6020599913279624</c:v>
+                </c:pt>
+                <c:pt idx="2">
+                  <c:v>1.4313637641589874</c:v>
+                </c:pt>
+                <c:pt idx="3">
+                  <c:v>2.4082399653118496</c:v>
+                </c:pt>
+                <c:pt idx="4">
+                  <c:v>3.4948500216800942</c:v>
+                </c:pt>
+                <c:pt idx="5">
+                  <c:v>4.6689075023018614</c:v>
+                </c:pt>
+                <c:pt idx="6">
+                  <c:v>5.9156862800997976</c:v>
+                </c:pt>
+                <c:pt idx="7">
+                  <c:v>7.2247198959355483</c:v>
+                </c:pt>
+              </c:numCache>
+            </c:numRef>
+          </c:val>
+          <c:smooth val="0"/>
+        </c:ser>
+        <c:ser>
+          <c:idx val="4"/>
+          <c:order val="4"/>
+          <c:tx>
+            <c:strRef>
+              <c:f>Лист1!$F$1</c:f>
+              <c:strCache>
+                <c:ptCount val="1"/>
+                <c:pt idx="0">
+                  <c:v>O(n^2)</c:v>
+                </c:pt>
+              </c:strCache>
+            </c:strRef>
+          </c:tx>
+          <c:spPr>
+            <a:ln w="28575" cap="rnd">
+              <a:solidFill>
+                <a:schemeClr val="accent5"/>
+              </a:solidFill>
+              <a:round/>
+            </a:ln>
+            <a:effectLst/>
+          </c:spPr>
+          <c:marker>
+            <c:symbol val="none"/>
+          </c:marker>
+          <c:cat>
+            <c:numRef>
+              <c:f>Лист1!$A$2:$A$9</c:f>
+              <c:numCache>
+                <c:formatCode>General</c:formatCode>
+                <c:ptCount val="8"/>
+                <c:pt idx="0">
+                  <c:v>1</c:v>
+                </c:pt>
+                <c:pt idx="1">
+                  <c:v>2</c:v>
+                </c:pt>
+                <c:pt idx="2">
+                  <c:v>3</c:v>
+                </c:pt>
+                <c:pt idx="3">
+                  <c:v>4</c:v>
+                </c:pt>
+                <c:pt idx="4">
+                  <c:v>5</c:v>
+                </c:pt>
+                <c:pt idx="5">
+                  <c:v>6</c:v>
+                </c:pt>
+                <c:pt idx="6">
+                  <c:v>7</c:v>
+                </c:pt>
+                <c:pt idx="7">
+                  <c:v>8</c:v>
+                </c:pt>
+              </c:numCache>
+            </c:numRef>
+          </c:cat>
+          <c:val>
+            <c:numRef>
+              <c:f>Лист1!$F$2:$F$9</c:f>
+              <c:numCache>
+                <c:formatCode>General</c:formatCode>
+                <c:ptCount val="8"/>
+                <c:pt idx="0">
+                  <c:v>1</c:v>
+                </c:pt>
+                <c:pt idx="1">
+                  <c:v>4</c:v>
+                </c:pt>
+                <c:pt idx="2">
+                  <c:v>9</c:v>
+                </c:pt>
+                <c:pt idx="3">
+                  <c:v>16</c:v>
+                </c:pt>
+                <c:pt idx="4">
+                  <c:v>25</c:v>
+                </c:pt>
+                <c:pt idx="5">
+                  <c:v>36</c:v>
+                </c:pt>
+                <c:pt idx="6">
+                  <c:v>49</c:v>
+                </c:pt>
+                <c:pt idx="7">
+                  <c:v>64</c:v>
+                </c:pt>
+              </c:numCache>
+            </c:numRef>
+          </c:val>
+          <c:smooth val="0"/>
+        </c:ser>
+        <c:ser>
+          <c:idx val="5"/>
+          <c:order val="5"/>
+          <c:tx>
+            <c:strRef>
+              <c:f>Лист1!$G$1</c:f>
+              <c:strCache>
+                <c:ptCount val="1"/>
+                <c:pt idx="0">
+                  <c:v>O(2^n)</c:v>
+                </c:pt>
+              </c:strCache>
+            </c:strRef>
+          </c:tx>
+          <c:spPr>
+            <a:ln w="28575" cap="rnd">
+              <a:solidFill>
+                <a:schemeClr val="accent6"/>
+              </a:solidFill>
+              <a:round/>
+            </a:ln>
+            <a:effectLst/>
+          </c:spPr>
+          <c:marker>
+            <c:symbol val="none"/>
+          </c:marker>
+          <c:cat>
+            <c:numRef>
+              <c:f>Лист1!$A$2:$A$9</c:f>
+              <c:numCache>
+                <c:formatCode>General</c:formatCode>
+                <c:ptCount val="8"/>
+                <c:pt idx="0">
+                  <c:v>1</c:v>
+                </c:pt>
+                <c:pt idx="1">
+                  <c:v>2</c:v>
+                </c:pt>
+                <c:pt idx="2">
+                  <c:v>3</c:v>
+                </c:pt>
+                <c:pt idx="3">
+                  <c:v>4</c:v>
+                </c:pt>
+                <c:pt idx="4">
+                  <c:v>5</c:v>
+                </c:pt>
+                <c:pt idx="5">
+                  <c:v>6</c:v>
+                </c:pt>
+                <c:pt idx="6">
+                  <c:v>7</c:v>
+                </c:pt>
+                <c:pt idx="7">
+                  <c:v>8</c:v>
+                </c:pt>
+              </c:numCache>
+            </c:numRef>
+          </c:cat>
+          <c:val>
+            <c:numRef>
+              <c:f>Лист1!$G$2:$G$9</c:f>
+              <c:numCache>
+                <c:formatCode>General</c:formatCode>
+                <c:ptCount val="8"/>
+                <c:pt idx="0">
+                  <c:v>2</c:v>
+                </c:pt>
+                <c:pt idx="1">
+                  <c:v>4</c:v>
+                </c:pt>
+                <c:pt idx="2">
+                  <c:v>8</c:v>
+                </c:pt>
+                <c:pt idx="3">
+                  <c:v>16</c:v>
+                </c:pt>
+                <c:pt idx="4">
+                  <c:v>32</c:v>
+                </c:pt>
+                <c:pt idx="5">
+                  <c:v>64</c:v>
+                </c:pt>
+                <c:pt idx="6">
+                  <c:v>128</c:v>
+                </c:pt>
+                <c:pt idx="7">
+                  <c:v>256</c:v>
+                </c:pt>
+              </c:numCache>
+            </c:numRef>
+          </c:val>
+          <c:smooth val="0"/>
+        </c:ser>
+        <c:dLbls>
+          <c:showLegendKey val="0"/>
+          <c:showVal val="0"/>
+          <c:showCatName val="0"/>
+          <c:showSerName val="0"/>
+          <c:showPercent val="0"/>
+          <c:showBubbleSize val="0"/>
+        </c:dLbls>
+        <c:smooth val="0"/>
+        <c:axId val="364191392"/>
+        <c:axId val="364193024"/>
+      </c:lineChart>
+      <c:catAx>
+        <c:axId val="364191392"/>
+        <c:scaling>
+          <c:orientation val="minMax"/>
+        </c:scaling>
+        <c:delete val="0"/>
+        <c:axPos val="b"/>
+        <c:numFmt formatCode="General" sourceLinked="1"/>
+        <c:majorTickMark val="none"/>
+        <c:minorTickMark val="none"/>
+        <c:tickLblPos val="nextTo"/>
+        <c:spPr>
+          <a:noFill/>
+          <a:ln w="9525" cap="flat" cmpd="sng" algn="ctr">
+            <a:solidFill>
+              <a:schemeClr val="tx1">
+                <a:lumMod val="15000"/>
+                <a:lumOff val="85000"/>
+              </a:schemeClr>
+            </a:solidFill>
+            <a:round/>
+          </a:ln>
+          <a:effectLst/>
+        </c:spPr>
+        <c:txPr>
+          <a:bodyPr rot="-60000000" spcFirstLastPara="1" vertOverflow="ellipsis" vert="horz" wrap="square" anchor="ctr" anchorCtr="1"/>
+          <a:lstStyle/>
+          <a:p>
+            <a:pPr>
+              <a:defRPr sz="1197" b="0" i="0" u="none" strike="noStrike" kern="1200" baseline="0">
+                <a:solidFill>
+                  <a:schemeClr val="tx1">
+                    <a:lumMod val="65000"/>
+                    <a:lumOff val="35000"/>
+                  </a:schemeClr>
+                </a:solidFill>
+                <a:latin typeface="+mn-lt"/>
+                <a:ea typeface="+mn-ea"/>
+                <a:cs typeface="+mn-cs"/>
+              </a:defRPr>
+            </a:pPr>
+            <a:endParaRPr lang="ru-RU"/>
+          </a:p>
+        </c:txPr>
+        <c:crossAx val="364193024"/>
+        <c:crosses val="autoZero"/>
+        <c:auto val="1"/>
+        <c:lblAlgn val="ctr"/>
+        <c:lblOffset val="100"/>
+        <c:noMultiLvlLbl val="0"/>
+      </c:catAx>
+      <c:valAx>
+        <c:axId val="364193024"/>
+        <c:scaling>
+          <c:orientation val="minMax"/>
+        </c:scaling>
+        <c:delete val="0"/>
+        <c:axPos val="l"/>
+        <c:majorGridlines>
+          <c:spPr>
+            <a:ln w="9525" cap="flat" cmpd="sng" algn="ctr">
+              <a:solidFill>
+                <a:schemeClr val="tx1">
+                  <a:lumMod val="15000"/>
+                  <a:lumOff val="85000"/>
+                </a:schemeClr>
+              </a:solidFill>
+              <a:round/>
+            </a:ln>
+            <a:effectLst/>
+          </c:spPr>
+        </c:majorGridlines>
+        <c:numFmt formatCode="General" sourceLinked="1"/>
+        <c:majorTickMark val="none"/>
+        <c:minorTickMark val="none"/>
+        <c:tickLblPos val="nextTo"/>
+        <c:spPr>
+          <a:noFill/>
+          <a:ln>
+            <a:noFill/>
+          </a:ln>
+          <a:effectLst/>
+        </c:spPr>
+        <c:txPr>
+          <a:bodyPr rot="-60000000" spcFirstLastPara="1" vertOverflow="ellipsis" vert="horz" wrap="square" anchor="ctr" anchorCtr="1"/>
+          <a:lstStyle/>
+          <a:p>
+            <a:pPr>
+              <a:defRPr sz="1197" b="0" i="0" u="none" strike="noStrike" kern="1200" baseline="0">
+                <a:solidFill>
+                  <a:schemeClr val="tx1">
+                    <a:lumMod val="65000"/>
+                    <a:lumOff val="35000"/>
+                  </a:schemeClr>
+                </a:solidFill>
+                <a:latin typeface="+mn-lt"/>
+                <a:ea typeface="+mn-ea"/>
+                <a:cs typeface="+mn-cs"/>
+              </a:defRPr>
+            </a:pPr>
+            <a:endParaRPr lang="ru-RU"/>
+          </a:p>
+        </c:txPr>
+        <c:crossAx val="364191392"/>
+        <c:crosses val="autoZero"/>
+        <c:crossBetween val="between"/>
+      </c:valAx>
+      <c:spPr>
+        <a:noFill/>
+        <a:ln>
+          <a:noFill/>
+        </a:ln>
+        <a:effectLst/>
+      </c:spPr>
+    </c:plotArea>
+    <c:legend>
+      <c:legendPos val="b"/>
+      <c:overlay val="0"/>
+      <c:spPr>
+        <a:noFill/>
+        <a:ln>
+          <a:noFill/>
+        </a:ln>
+        <a:effectLst/>
+      </c:spPr>
+      <c:txPr>
+        <a:bodyPr rot="0" spcFirstLastPara="1" vertOverflow="ellipsis" vert="horz" wrap="square" anchor="ctr" anchorCtr="1"/>
+        <a:lstStyle/>
+        <a:p>
+          <a:pPr>
+            <a:defRPr sz="1197" b="0" i="0" u="none" strike="noStrike" kern="1200" baseline="0">
+              <a:solidFill>
+                <a:schemeClr val="tx1">
+                  <a:lumMod val="65000"/>
+                  <a:lumOff val="35000"/>
+                </a:schemeClr>
+              </a:solidFill>
+              <a:latin typeface="+mn-lt"/>
+              <a:ea typeface="+mn-ea"/>
+              <a:cs typeface="+mn-cs"/>
+            </a:defRPr>
+          </a:pPr>
+          <a:endParaRPr lang="ru-RU"/>
+        </a:p>
+      </c:txPr>
+    </c:legend>
+    <c:plotVisOnly val="1"/>
+    <c:dispBlanksAs val="gap"/>
+    <c:showDLblsOverMax val="0"/>
+  </c:chart>
+  <c:spPr>
+    <a:noFill/>
+    <a:ln>
+      <a:noFill/>
+    </a:ln>
+    <a:effectLst/>
+  </c:spPr>
+  <c:txPr>
+    <a:bodyPr/>
+    <a:lstStyle/>
+    <a:p>
+      <a:pPr>
+        <a:defRPr/>
+      </a:pPr>
+      <a:endParaRPr lang="ru-RU"/>
+    </a:p>
+  </c:txPr>
+  <c:externalData r:id="rId3">
+    <c:autoUpdate val="0"/>
+  </c:externalData>
+</c:chartSpace>
+</file>
+
+<file path=ppt/charts/chart10.xml><?xml version="1.0" encoding="utf-8"?>
+<c:chartSpace xmlns:c="http://schemas.openxmlformats.org/drawingml/2006/chart" xmlns:a="http://schemas.openxmlformats.org/drawingml/2006/main" xmlns:r="http://schemas.openxmlformats.org/officeDocument/2006/relationships">
+  <c:date1904 val="0"/>
+  <c:lang val="ru-RU"/>
+  <c:roundedCorners val="0"/>
+  <mc:AlternateContent xmlns:mc="http://schemas.openxmlformats.org/markup-compatibility/2006">
+    <mc:Choice xmlns:c14="http://schemas.microsoft.com/office/drawing/2007/8/2/chart" Requires="c14">
+      <c14:style val="102"/>
+    </mc:Choice>
+    <mc:Fallback>
+      <c:style val="2"/>
+    </mc:Fallback>
+  </mc:AlternateContent>
+  <c:chart>
+    <c:title>
+      <c:layout/>
+      <c:overlay val="0"/>
+      <c:spPr>
+        <a:noFill/>
+        <a:ln>
+          <a:noFill/>
+        </a:ln>
+        <a:effectLst/>
+      </c:spPr>
+      <c:txPr>
+        <a:bodyPr rot="0" spcFirstLastPara="1" vertOverflow="ellipsis" vert="horz" wrap="square" anchor="ctr" anchorCtr="1"/>
+        <a:lstStyle/>
+        <a:p>
+          <a:pPr>
+            <a:defRPr sz="1862" b="0" i="0" u="none" strike="noStrike" kern="1200" spc="0" baseline="0">
+              <a:solidFill>
+                <a:schemeClr val="tx1">
+                  <a:lumMod val="65000"/>
+                  <a:lumOff val="35000"/>
+                </a:schemeClr>
+              </a:solidFill>
+              <a:latin typeface="+mn-lt"/>
+              <a:ea typeface="+mn-ea"/>
+              <a:cs typeface="+mn-cs"/>
+            </a:defRPr>
+          </a:pPr>
+          <a:endParaRPr lang="ru-RU"/>
+        </a:p>
+      </c:txPr>
+    </c:title>
+    <c:autoTitleDeleted val="0"/>
+    <c:plotArea>
+      <c:layout/>
+      <c:barChart>
+        <c:barDir val="col"/>
+        <c:grouping val="clustered"/>
+        <c:varyColors val="0"/>
+        <c:ser>
+          <c:idx val="0"/>
+          <c:order val="0"/>
+          <c:tx>
+            <c:strRef>
+              <c:f>Лист1!$B$1</c:f>
+              <c:strCache>
+                <c:ptCount val="1"/>
+                <c:pt idx="0">
+                  <c:v>Общее количество баллов</c:v>
+                </c:pt>
+              </c:strCache>
+            </c:strRef>
+          </c:tx>
+          <c:spPr>
+            <a:solidFill>
+              <a:schemeClr val="accent1"/>
+            </a:solidFill>
+            <a:ln>
+              <a:noFill/>
+            </a:ln>
+            <a:effectLst/>
+          </c:spPr>
+          <c:invertIfNegative val="0"/>
+          <c:cat>
+            <c:strRef>
+              <c:f>Лист1!$A$2:$A$5</c:f>
+              <c:strCache>
+                <c:ptCount val="4"/>
+                <c:pt idx="0">
+                  <c:v>Алгоритм Дейкстры</c:v>
+                </c:pt>
+                <c:pt idx="1">
+                  <c:v>Алгоритм Флойда - Уоршелла </c:v>
+                </c:pt>
+                <c:pt idx="2">
+                  <c:v>Алгоритм Джонсона</c:v>
+                </c:pt>
+                <c:pt idx="3">
+                  <c:v>Алгоритм Беллмана - Форда</c:v>
+                </c:pt>
+              </c:strCache>
+            </c:strRef>
+          </c:cat>
+          <c:val>
+            <c:numRef>
+              <c:f>Лист1!$B$2:$B$5</c:f>
+              <c:numCache>
+                <c:formatCode>General</c:formatCode>
+                <c:ptCount val="4"/>
+                <c:pt idx="0">
+                  <c:v>31</c:v>
+                </c:pt>
+                <c:pt idx="1">
+                  <c:v>34</c:v>
+                </c:pt>
+                <c:pt idx="2">
+                  <c:v>30</c:v>
+                </c:pt>
+                <c:pt idx="3">
+                  <c:v>34</c:v>
+                </c:pt>
+              </c:numCache>
+            </c:numRef>
+          </c:val>
+        </c:ser>
+        <c:dLbls>
+          <c:showLegendKey val="0"/>
+          <c:showVal val="0"/>
+          <c:showCatName val="0"/>
+          <c:showSerName val="0"/>
+          <c:showPercent val="0"/>
+          <c:showBubbleSize val="0"/>
+        </c:dLbls>
+        <c:gapWidth val="219"/>
+        <c:overlap val="-27"/>
+        <c:axId val="185556560"/>
+        <c:axId val="185557104"/>
+      </c:barChart>
+      <c:catAx>
+        <c:axId val="185556560"/>
+        <c:scaling>
+          <c:orientation val="minMax"/>
+        </c:scaling>
+        <c:delete val="0"/>
+        <c:axPos val="b"/>
+        <c:numFmt formatCode="General" sourceLinked="1"/>
+        <c:majorTickMark val="none"/>
+        <c:minorTickMark val="none"/>
+        <c:tickLblPos val="nextTo"/>
+        <c:spPr>
+          <a:noFill/>
+          <a:ln w="9525" cap="flat" cmpd="sng" algn="ctr">
+            <a:solidFill>
+              <a:schemeClr val="tx1">
+                <a:lumMod val="15000"/>
+                <a:lumOff val="85000"/>
+              </a:schemeClr>
+            </a:solidFill>
+            <a:round/>
+          </a:ln>
+          <a:effectLst/>
+        </c:spPr>
+        <c:txPr>
+          <a:bodyPr rot="-60000000" spcFirstLastPara="1" vertOverflow="ellipsis" vert="horz" wrap="square" anchor="ctr" anchorCtr="1"/>
+          <a:lstStyle/>
+          <a:p>
+            <a:pPr>
+              <a:defRPr sz="1197" b="0" i="0" u="none" strike="noStrike" kern="1200" baseline="0">
+                <a:solidFill>
+                  <a:schemeClr val="tx1">
+                    <a:lumMod val="65000"/>
+                    <a:lumOff val="35000"/>
+                  </a:schemeClr>
+                </a:solidFill>
+                <a:latin typeface="+mn-lt"/>
+                <a:ea typeface="+mn-ea"/>
+                <a:cs typeface="+mn-cs"/>
+              </a:defRPr>
+            </a:pPr>
+            <a:endParaRPr lang="ru-RU"/>
+          </a:p>
+        </c:txPr>
+        <c:crossAx val="185557104"/>
+        <c:crosses val="autoZero"/>
+        <c:auto val="1"/>
+        <c:lblAlgn val="ctr"/>
+        <c:lblOffset val="100"/>
+        <c:noMultiLvlLbl val="0"/>
+      </c:catAx>
+      <c:valAx>
+        <c:axId val="185557104"/>
+        <c:scaling>
+          <c:orientation val="minMax"/>
+        </c:scaling>
+        <c:delete val="0"/>
+        <c:axPos val="l"/>
+        <c:majorGridlines>
+          <c:spPr>
+            <a:ln w="9525" cap="flat" cmpd="sng" algn="ctr">
+              <a:solidFill>
+                <a:schemeClr val="tx1">
+                  <a:lumMod val="15000"/>
+                  <a:lumOff val="85000"/>
+                </a:schemeClr>
+              </a:solidFill>
+              <a:round/>
+            </a:ln>
+            <a:effectLst/>
+          </c:spPr>
+        </c:majorGridlines>
+        <c:numFmt formatCode="General" sourceLinked="1"/>
+        <c:majorTickMark val="none"/>
+        <c:minorTickMark val="none"/>
+        <c:tickLblPos val="nextTo"/>
+        <c:spPr>
+          <a:noFill/>
+          <a:ln>
+            <a:noFill/>
+          </a:ln>
+          <a:effectLst/>
+        </c:spPr>
+        <c:txPr>
+          <a:bodyPr rot="-60000000" spcFirstLastPara="1" vertOverflow="ellipsis" vert="horz" wrap="square" anchor="ctr" anchorCtr="1"/>
+          <a:lstStyle/>
+          <a:p>
+            <a:pPr>
+              <a:defRPr sz="1197" b="0" i="0" u="none" strike="noStrike" kern="1200" baseline="0">
+                <a:solidFill>
+                  <a:schemeClr val="tx1">
+                    <a:lumMod val="65000"/>
+                    <a:lumOff val="35000"/>
+                  </a:schemeClr>
+                </a:solidFill>
+                <a:latin typeface="+mn-lt"/>
+                <a:ea typeface="+mn-ea"/>
+                <a:cs typeface="+mn-cs"/>
+              </a:defRPr>
+            </a:pPr>
+            <a:endParaRPr lang="ru-RU"/>
+          </a:p>
+        </c:txPr>
+        <c:crossAx val="185556560"/>
+        <c:crosses val="autoZero"/>
+        <c:crossBetween val="between"/>
+      </c:valAx>
+      <c:spPr>
+        <a:noFill/>
+        <a:ln>
+          <a:noFill/>
+        </a:ln>
+        <a:effectLst/>
+      </c:spPr>
+    </c:plotArea>
+    <c:legend>
+      <c:legendPos val="b"/>
+      <c:layout/>
+      <c:overlay val="0"/>
+      <c:spPr>
+        <a:noFill/>
+        <a:ln>
+          <a:noFill/>
+        </a:ln>
+        <a:effectLst/>
+      </c:spPr>
+      <c:txPr>
+        <a:bodyPr rot="0" spcFirstLastPara="1" vertOverflow="ellipsis" vert="horz" wrap="square" anchor="ctr" anchorCtr="1"/>
+        <a:lstStyle/>
+        <a:p>
+          <a:pPr>
+            <a:defRPr sz="1197" b="0" i="0" u="none" strike="noStrike" kern="1200" baseline="0">
+              <a:solidFill>
+                <a:schemeClr val="tx1">
+                  <a:lumMod val="65000"/>
+                  <a:lumOff val="35000"/>
+                </a:schemeClr>
+              </a:solidFill>
+              <a:latin typeface="+mn-lt"/>
+              <a:ea typeface="+mn-ea"/>
+              <a:cs typeface="+mn-cs"/>
+            </a:defRPr>
+          </a:pPr>
+          <a:endParaRPr lang="ru-RU"/>
+        </a:p>
+      </c:txPr>
+    </c:legend>
+    <c:plotVisOnly val="1"/>
+    <c:dispBlanksAs val="gap"/>
+    <c:showDLblsOverMax val="0"/>
+  </c:chart>
+  <c:spPr>
+    <a:noFill/>
+    <a:ln>
+      <a:noFill/>
+    </a:ln>
+    <a:effectLst/>
+  </c:spPr>
+  <c:txPr>
+    <a:bodyPr/>
+    <a:lstStyle/>
+    <a:p>
+      <a:pPr>
+        <a:defRPr/>
+      </a:pPr>
+      <a:endParaRPr lang="ru-RU"/>
+    </a:p>
+  </c:txPr>
+  <c:externalData r:id="rId3">
+    <c:autoUpdate val="0"/>
+  </c:externalData>
+</c:chartSpace>
+</file>
+
+<file path=ppt/charts/chart2.xml><?xml version="1.0" encoding="utf-8"?>
+<c:chartSpace xmlns:c="http://schemas.openxmlformats.org/drawingml/2006/chart" xmlns:a="http://schemas.openxmlformats.org/drawingml/2006/main" xmlns:r="http://schemas.openxmlformats.org/officeDocument/2006/relationships">
+  <c:date1904 val="0"/>
+  <c:lang val="ru-RU"/>
+  <c:roundedCorners val="0"/>
+  <mc:AlternateContent xmlns:mc="http://schemas.openxmlformats.org/markup-compatibility/2006">
+    <mc:Choice xmlns:c14="http://schemas.microsoft.com/office/drawing/2007/8/2/chart" Requires="c14">
+      <c14:style val="102"/>
+    </mc:Choice>
+    <mc:Fallback>
+      <c:style val="2"/>
+    </mc:Fallback>
+  </mc:AlternateContent>
+  <c:chart>
     <c:autoTitleDeleted val="0"/>
     <c:plotArea>
       <c:layout/>
@@ -216,11 +1353,11 @@
           <c:showBubbleSize val="0"/>
         </c:dLbls>
         <c:gapWidth val="150"/>
-        <c:axId val="-727939104"/>
-        <c:axId val="-731388944"/>
+        <c:axId val="3874528"/>
+        <c:axId val="3865824"/>
       </c:barChart>
       <c:catAx>
-        <c:axId val="-727939104"/>
+        <c:axId val="3874528"/>
         <c:scaling>
           <c:orientation val="minMax"/>
         </c:scaling>
@@ -240,7 +1377,7 @@
             <a:endParaRPr lang="ru-RU"/>
           </a:p>
         </c:txPr>
-        <c:crossAx val="-731388944"/>
+        <c:crossAx val="3865824"/>
         <c:crosses val="autoZero"/>
         <c:auto val="1"/>
         <c:lblAlgn val="ctr"/>
@@ -248,7 +1385,7 @@
         <c:noMultiLvlLbl val="0"/>
       </c:catAx>
       <c:valAx>
-        <c:axId val="-731388944"/>
+        <c:axId val="3865824"/>
         <c:scaling>
           <c:orientation val="minMax"/>
         </c:scaling>
@@ -259,7 +1396,7 @@
         <c:majorTickMark val="out"/>
         <c:minorTickMark val="none"/>
         <c:tickLblPos val="nextTo"/>
-        <c:crossAx val="-727939104"/>
+        <c:crossAx val="3874528"/>
         <c:crosses val="autoZero"/>
         <c:crossBetween val="between"/>
       </c:valAx>
@@ -296,7 +1433,7 @@
 </c:chartSpace>
 </file>
 
-<file path=ppt/charts/chart2.xml><?xml version="1.0" encoding="utf-8"?>
+<file path=ppt/charts/chart3.xml><?xml version="1.0" encoding="utf-8"?>
 <c:chartSpace xmlns:c="http://schemas.openxmlformats.org/drawingml/2006/chart" xmlns:a="http://schemas.openxmlformats.org/drawingml/2006/main" xmlns:r="http://schemas.openxmlformats.org/officeDocument/2006/relationships">
   <c:date1904 val="0"/>
   <c:lang val="ru-RU"/>
@@ -670,11 +1807,11 @@
           <c:showBubbleSize val="0"/>
         </c:dLbls>
         <c:smooth val="0"/>
-        <c:axId val="-999778800"/>
-        <c:axId val="-999771184"/>
+        <c:axId val="271431776"/>
+        <c:axId val="271436128"/>
       </c:lineChart>
       <c:catAx>
-        <c:axId val="-999778800"/>
+        <c:axId val="271431776"/>
         <c:scaling>
           <c:orientation val="minMax"/>
         </c:scaling>
@@ -696,13 +1833,14 @@
               </a:p>
             </c:rich>
           </c:tx>
+          <c:layout/>
           <c:overlay val="0"/>
         </c:title>
         <c:numFmt formatCode="General" sourceLinked="1"/>
         <c:majorTickMark val="none"/>
         <c:minorTickMark val="none"/>
         <c:tickLblPos val="nextTo"/>
-        <c:crossAx val="-999771184"/>
+        <c:crossAx val="271436128"/>
         <c:crosses val="autoZero"/>
         <c:auto val="1"/>
         <c:lblAlgn val="ctr"/>
@@ -710,7 +1848,7 @@
         <c:noMultiLvlLbl val="0"/>
       </c:catAx>
       <c:valAx>
-        <c:axId val="-999771184"/>
+        <c:axId val="271436128"/>
         <c:scaling>
           <c:orientation val="minMax"/>
         </c:scaling>
@@ -738,19 +1876,21 @@
               </a:p>
             </c:rich>
           </c:tx>
+          <c:layout/>
           <c:overlay val="0"/>
         </c:title>
         <c:numFmt formatCode="General" sourceLinked="1"/>
         <c:majorTickMark val="none"/>
         <c:minorTickMark val="none"/>
         <c:tickLblPos val="nextTo"/>
-        <c:crossAx val="-999778800"/>
+        <c:crossAx val="271431776"/>
         <c:crosses val="autoZero"/>
         <c:crossBetween val="between"/>
       </c:valAx>
     </c:plotArea>
     <c:legend>
       <c:legendPos val="b"/>
+      <c:layout/>
       <c:overlay val="0"/>
       <c:txPr>
         <a:bodyPr/>
@@ -773,7 +1913,7 @@
 </c:chartSpace>
 </file>
 
-<file path=ppt/charts/chart3.xml><?xml version="1.0" encoding="utf-8"?>
+<file path=ppt/charts/chart4.xml><?xml version="1.0" encoding="utf-8"?>
 <c:chartSpace xmlns:c="http://schemas.openxmlformats.org/drawingml/2006/chart" xmlns:a="http://schemas.openxmlformats.org/drawingml/2006/main" xmlns:r="http://schemas.openxmlformats.org/officeDocument/2006/relationships">
   <c:date1904 val="0"/>
   <c:lang val="ru-RU"/>
@@ -1157,11 +2297,11 @@
           <c:showBubbleSize val="0"/>
         </c:dLbls>
         <c:smooth val="0"/>
-        <c:axId val="-999771728"/>
-        <c:axId val="-999774448"/>
+        <c:axId val="364194112"/>
+        <c:axId val="364198464"/>
       </c:lineChart>
       <c:catAx>
-        <c:axId val="-999771728"/>
+        <c:axId val="364194112"/>
         <c:scaling>
           <c:orientation val="minMax"/>
         </c:scaling>
@@ -1183,13 +2323,14 @@
               </a:p>
             </c:rich>
           </c:tx>
+          <c:layout/>
           <c:overlay val="0"/>
         </c:title>
         <c:numFmt formatCode="General" sourceLinked="1"/>
         <c:majorTickMark val="none"/>
         <c:minorTickMark val="none"/>
         <c:tickLblPos val="nextTo"/>
-        <c:crossAx val="-999774448"/>
+        <c:crossAx val="364198464"/>
         <c:crosses val="autoZero"/>
         <c:auto val="1"/>
         <c:lblAlgn val="ctr"/>
@@ -1197,7 +2338,7 @@
         <c:noMultiLvlLbl val="0"/>
       </c:catAx>
       <c:valAx>
-        <c:axId val="-999774448"/>
+        <c:axId val="364198464"/>
         <c:scaling>
           <c:orientation val="minMax"/>
         </c:scaling>
@@ -1225,13 +2366,14 @@
               </a:p>
             </c:rich>
           </c:tx>
+          <c:layout/>
           <c:overlay val="0"/>
         </c:title>
         <c:numFmt formatCode="General" sourceLinked="1"/>
         <c:majorTickMark val="none"/>
         <c:minorTickMark val="none"/>
         <c:tickLblPos val="nextTo"/>
-        <c:crossAx val="-999771728"/>
+        <c:crossAx val="364194112"/>
         <c:crosses val="autoZero"/>
         <c:crossBetween val="between"/>
       </c:valAx>
@@ -1297,6 +2439,5490 @@
     <c:autoUpdate val="0"/>
   </c:externalData>
 </c:chartSpace>
+</file>
+
+<file path=ppt/charts/chart5.xml><?xml version="1.0" encoding="utf-8"?>
+<c:chartSpace xmlns:c="http://schemas.openxmlformats.org/drawingml/2006/chart" xmlns:a="http://schemas.openxmlformats.org/drawingml/2006/main" xmlns:r="http://schemas.openxmlformats.org/officeDocument/2006/relationships">
+  <c:date1904 val="0"/>
+  <c:lang val="ru-RU"/>
+  <c:roundedCorners val="0"/>
+  <mc:AlternateContent xmlns:mc="http://schemas.openxmlformats.org/markup-compatibility/2006">
+    <mc:Choice xmlns:c14="http://schemas.microsoft.com/office/drawing/2007/8/2/chart" Requires="c14">
+      <c14:style val="102"/>
+    </mc:Choice>
+    <mc:Fallback>
+      <c:style val="2"/>
+    </mc:Fallback>
+  </mc:AlternateContent>
+  <c:chart>
+    <c:title>
+      <c:tx>
+        <c:rich>
+          <a:bodyPr rot="0" spcFirstLastPara="1" vertOverflow="ellipsis" vert="horz" wrap="square" anchor="ctr" anchorCtr="1"/>
+          <a:lstStyle/>
+          <a:p>
+            <a:pPr>
+              <a:defRPr sz="1862" b="0" i="0" u="none" strike="noStrike" kern="1200" spc="0" baseline="0">
+                <a:solidFill>
+                  <a:schemeClr val="tx1">
+                    <a:lumMod val="65000"/>
+                    <a:lumOff val="35000"/>
+                  </a:schemeClr>
+                </a:solidFill>
+                <a:latin typeface="+mn-lt"/>
+                <a:ea typeface="+mn-ea"/>
+                <a:cs typeface="+mn-cs"/>
+              </a:defRPr>
+            </a:pPr>
+            <a:r>
+              <a:rPr lang="ru-RU" sz="2800" dirty="0"/>
+              <a:t>Простота исполнения</a:t>
+            </a:r>
+          </a:p>
+        </c:rich>
+      </c:tx>
+      <c:layout/>
+      <c:overlay val="0"/>
+      <c:spPr>
+        <a:noFill/>
+        <a:ln>
+          <a:noFill/>
+        </a:ln>
+        <a:effectLst/>
+      </c:spPr>
+      <c:txPr>
+        <a:bodyPr rot="0" spcFirstLastPara="1" vertOverflow="ellipsis" vert="horz" wrap="square" anchor="ctr" anchorCtr="1"/>
+        <a:lstStyle/>
+        <a:p>
+          <a:pPr>
+            <a:defRPr sz="1862" b="0" i="0" u="none" strike="noStrike" kern="1200" spc="0" baseline="0">
+              <a:solidFill>
+                <a:schemeClr val="tx1">
+                  <a:lumMod val="65000"/>
+                  <a:lumOff val="35000"/>
+                </a:schemeClr>
+              </a:solidFill>
+              <a:latin typeface="+mn-lt"/>
+              <a:ea typeface="+mn-ea"/>
+              <a:cs typeface="+mn-cs"/>
+            </a:defRPr>
+          </a:pPr>
+          <a:endParaRPr lang="ru-RU"/>
+        </a:p>
+      </c:txPr>
+    </c:title>
+    <c:autoTitleDeleted val="0"/>
+    <c:plotArea>
+      <c:layout/>
+      <c:barChart>
+        <c:barDir val="col"/>
+        <c:grouping val="clustered"/>
+        <c:varyColors val="0"/>
+        <c:ser>
+          <c:idx val="0"/>
+          <c:order val="0"/>
+          <c:tx>
+            <c:strRef>
+              <c:f>Лист1!$B$1</c:f>
+              <c:strCache>
+                <c:ptCount val="1"/>
+                <c:pt idx="0">
+                  <c:v>Простота исполнения</c:v>
+                </c:pt>
+              </c:strCache>
+            </c:strRef>
+          </c:tx>
+          <c:spPr>
+            <a:solidFill>
+              <a:schemeClr val="accent1"/>
+            </a:solidFill>
+            <a:ln>
+              <a:noFill/>
+            </a:ln>
+            <a:effectLst/>
+          </c:spPr>
+          <c:invertIfNegative val="0"/>
+          <c:cat>
+            <c:strRef>
+              <c:f>Лист1!$A$2:$A$5</c:f>
+              <c:strCache>
+                <c:ptCount val="4"/>
+                <c:pt idx="0">
+                  <c:v>Алгоритм Дейкстры</c:v>
+                </c:pt>
+                <c:pt idx="1">
+                  <c:v>Алгоритм Флойда - Уоршелла </c:v>
+                </c:pt>
+                <c:pt idx="2">
+                  <c:v>Алгоритм Джонсона</c:v>
+                </c:pt>
+                <c:pt idx="3">
+                  <c:v>Алгоритм Беллмана - Форда</c:v>
+                </c:pt>
+              </c:strCache>
+            </c:strRef>
+          </c:cat>
+          <c:val>
+            <c:numRef>
+              <c:f>Лист1!$B$2:$B$5</c:f>
+              <c:numCache>
+                <c:formatCode>General</c:formatCode>
+                <c:ptCount val="4"/>
+                <c:pt idx="0">
+                  <c:v>6</c:v>
+                </c:pt>
+                <c:pt idx="1">
+                  <c:v>4</c:v>
+                </c:pt>
+                <c:pt idx="2">
+                  <c:v>6</c:v>
+                </c:pt>
+                <c:pt idx="3">
+                  <c:v>9</c:v>
+                </c:pt>
+              </c:numCache>
+            </c:numRef>
+          </c:val>
+        </c:ser>
+        <c:dLbls>
+          <c:showLegendKey val="0"/>
+          <c:showVal val="0"/>
+          <c:showCatName val="0"/>
+          <c:showSerName val="0"/>
+          <c:showPercent val="0"/>
+          <c:showBubbleSize val="0"/>
+        </c:dLbls>
+        <c:gapWidth val="219"/>
+        <c:overlap val="-27"/>
+        <c:axId val="272663360"/>
+        <c:axId val="272650848"/>
+      </c:barChart>
+      <c:catAx>
+        <c:axId val="272663360"/>
+        <c:scaling>
+          <c:orientation val="minMax"/>
+        </c:scaling>
+        <c:delete val="0"/>
+        <c:axPos val="b"/>
+        <c:numFmt formatCode="General" sourceLinked="1"/>
+        <c:majorTickMark val="none"/>
+        <c:minorTickMark val="none"/>
+        <c:tickLblPos val="nextTo"/>
+        <c:spPr>
+          <a:noFill/>
+          <a:ln w="9525" cap="flat" cmpd="sng" algn="ctr">
+            <a:solidFill>
+              <a:schemeClr val="tx1">
+                <a:lumMod val="15000"/>
+                <a:lumOff val="85000"/>
+              </a:schemeClr>
+            </a:solidFill>
+            <a:round/>
+          </a:ln>
+          <a:effectLst/>
+        </c:spPr>
+        <c:txPr>
+          <a:bodyPr rot="-60000000" spcFirstLastPara="1" vertOverflow="ellipsis" vert="horz" wrap="square" anchor="ctr" anchorCtr="1"/>
+          <a:lstStyle/>
+          <a:p>
+            <a:pPr>
+              <a:defRPr sz="1197" b="0" i="0" u="none" strike="noStrike" kern="1200" baseline="0">
+                <a:solidFill>
+                  <a:schemeClr val="tx1">
+                    <a:lumMod val="65000"/>
+                    <a:lumOff val="35000"/>
+                  </a:schemeClr>
+                </a:solidFill>
+                <a:latin typeface="+mn-lt"/>
+                <a:ea typeface="+mn-ea"/>
+                <a:cs typeface="+mn-cs"/>
+              </a:defRPr>
+            </a:pPr>
+            <a:endParaRPr lang="ru-RU"/>
+          </a:p>
+        </c:txPr>
+        <c:crossAx val="272650848"/>
+        <c:crosses val="autoZero"/>
+        <c:auto val="1"/>
+        <c:lblAlgn val="ctr"/>
+        <c:lblOffset val="100"/>
+        <c:noMultiLvlLbl val="0"/>
+      </c:catAx>
+      <c:valAx>
+        <c:axId val="272650848"/>
+        <c:scaling>
+          <c:orientation val="minMax"/>
+        </c:scaling>
+        <c:delete val="0"/>
+        <c:axPos val="l"/>
+        <c:majorGridlines>
+          <c:spPr>
+            <a:ln w="9525" cap="flat" cmpd="sng" algn="ctr">
+              <a:solidFill>
+                <a:schemeClr val="tx1">
+                  <a:lumMod val="15000"/>
+                  <a:lumOff val="85000"/>
+                </a:schemeClr>
+              </a:solidFill>
+              <a:round/>
+            </a:ln>
+            <a:effectLst/>
+          </c:spPr>
+        </c:majorGridlines>
+        <c:numFmt formatCode="General" sourceLinked="1"/>
+        <c:majorTickMark val="none"/>
+        <c:minorTickMark val="none"/>
+        <c:tickLblPos val="nextTo"/>
+        <c:spPr>
+          <a:noFill/>
+          <a:ln>
+            <a:noFill/>
+          </a:ln>
+          <a:effectLst/>
+        </c:spPr>
+        <c:txPr>
+          <a:bodyPr rot="-60000000" spcFirstLastPara="1" vertOverflow="ellipsis" vert="horz" wrap="square" anchor="ctr" anchorCtr="1"/>
+          <a:lstStyle/>
+          <a:p>
+            <a:pPr>
+              <a:defRPr sz="1197" b="0" i="0" u="none" strike="noStrike" kern="1200" baseline="0">
+                <a:solidFill>
+                  <a:schemeClr val="tx1">
+                    <a:lumMod val="65000"/>
+                    <a:lumOff val="35000"/>
+                  </a:schemeClr>
+                </a:solidFill>
+                <a:latin typeface="+mn-lt"/>
+                <a:ea typeface="+mn-ea"/>
+                <a:cs typeface="+mn-cs"/>
+              </a:defRPr>
+            </a:pPr>
+            <a:endParaRPr lang="ru-RU"/>
+          </a:p>
+        </c:txPr>
+        <c:crossAx val="272663360"/>
+        <c:crosses val="autoZero"/>
+        <c:crossBetween val="between"/>
+      </c:valAx>
+      <c:spPr>
+        <a:noFill/>
+        <a:ln>
+          <a:noFill/>
+        </a:ln>
+        <a:effectLst/>
+      </c:spPr>
+    </c:plotArea>
+    <c:legend>
+      <c:legendPos val="b"/>
+      <c:layout/>
+      <c:overlay val="0"/>
+      <c:spPr>
+        <a:noFill/>
+        <a:ln>
+          <a:noFill/>
+        </a:ln>
+        <a:effectLst/>
+      </c:spPr>
+      <c:txPr>
+        <a:bodyPr rot="0" spcFirstLastPara="1" vertOverflow="ellipsis" vert="horz" wrap="square" anchor="ctr" anchorCtr="1"/>
+        <a:lstStyle/>
+        <a:p>
+          <a:pPr>
+            <a:defRPr sz="1197" b="0" i="0" u="none" strike="noStrike" kern="1200" baseline="0">
+              <a:solidFill>
+                <a:schemeClr val="tx1">
+                  <a:lumMod val="65000"/>
+                  <a:lumOff val="35000"/>
+                </a:schemeClr>
+              </a:solidFill>
+              <a:latin typeface="+mn-lt"/>
+              <a:ea typeface="+mn-ea"/>
+              <a:cs typeface="+mn-cs"/>
+            </a:defRPr>
+          </a:pPr>
+          <a:endParaRPr lang="ru-RU"/>
+        </a:p>
+      </c:txPr>
+    </c:legend>
+    <c:plotVisOnly val="1"/>
+    <c:dispBlanksAs val="gap"/>
+    <c:showDLblsOverMax val="0"/>
+  </c:chart>
+  <c:spPr>
+    <a:noFill/>
+    <a:ln>
+      <a:noFill/>
+    </a:ln>
+    <a:effectLst/>
+  </c:spPr>
+  <c:txPr>
+    <a:bodyPr/>
+    <a:lstStyle/>
+    <a:p>
+      <a:pPr>
+        <a:defRPr/>
+      </a:pPr>
+      <a:endParaRPr lang="ru-RU"/>
+    </a:p>
+  </c:txPr>
+  <c:externalData r:id="rId3">
+    <c:autoUpdate val="0"/>
+  </c:externalData>
+</c:chartSpace>
+</file>
+
+<file path=ppt/charts/chart6.xml><?xml version="1.0" encoding="utf-8"?>
+<c:chartSpace xmlns:c="http://schemas.openxmlformats.org/drawingml/2006/chart" xmlns:a="http://schemas.openxmlformats.org/drawingml/2006/main" xmlns:r="http://schemas.openxmlformats.org/officeDocument/2006/relationships">
+  <c:date1904 val="0"/>
+  <c:lang val="ru-RU"/>
+  <c:roundedCorners val="0"/>
+  <mc:AlternateContent xmlns:mc="http://schemas.openxmlformats.org/markup-compatibility/2006">
+    <mc:Choice xmlns:c14="http://schemas.microsoft.com/office/drawing/2007/8/2/chart" Requires="c14">
+      <c14:style val="102"/>
+    </mc:Choice>
+    <mc:Fallback>
+      <c:style val="2"/>
+    </mc:Fallback>
+  </mc:AlternateContent>
+  <c:chart>
+    <c:title>
+      <c:tx>
+        <c:rich>
+          <a:bodyPr rot="0" spcFirstLastPara="1" vertOverflow="ellipsis" vert="horz" wrap="square" anchor="ctr" anchorCtr="1"/>
+          <a:lstStyle/>
+          <a:p>
+            <a:pPr>
+              <a:defRPr sz="1862" b="0" i="0" u="none" strike="noStrike" kern="1200" spc="0" baseline="0">
+                <a:solidFill>
+                  <a:schemeClr val="tx1">
+                    <a:lumMod val="65000"/>
+                    <a:lumOff val="35000"/>
+                  </a:schemeClr>
+                </a:solidFill>
+                <a:latin typeface="+mn-lt"/>
+                <a:ea typeface="+mn-ea"/>
+                <a:cs typeface="+mn-cs"/>
+              </a:defRPr>
+            </a:pPr>
+            <a:r>
+              <a:rPr lang="ru-RU" sz="1800" dirty="0" smtClean="0">
+                <a:effectLst/>
+              </a:rPr>
+              <a:t>Лучшее время работы алгоритма</a:t>
+            </a:r>
+            <a:endParaRPr lang="ru-RU" sz="1800" dirty="0">
+              <a:effectLst/>
+            </a:endParaRPr>
+          </a:p>
+        </c:rich>
+      </c:tx>
+      <c:layout/>
+      <c:overlay val="0"/>
+      <c:spPr>
+        <a:noFill/>
+        <a:ln>
+          <a:noFill/>
+        </a:ln>
+        <a:effectLst/>
+      </c:spPr>
+      <c:txPr>
+        <a:bodyPr rot="0" spcFirstLastPara="1" vertOverflow="ellipsis" vert="horz" wrap="square" anchor="ctr" anchorCtr="1"/>
+        <a:lstStyle/>
+        <a:p>
+          <a:pPr>
+            <a:defRPr sz="1862" b="0" i="0" u="none" strike="noStrike" kern="1200" spc="0" baseline="0">
+              <a:solidFill>
+                <a:schemeClr val="tx1">
+                  <a:lumMod val="65000"/>
+                  <a:lumOff val="35000"/>
+                </a:schemeClr>
+              </a:solidFill>
+              <a:latin typeface="+mn-lt"/>
+              <a:ea typeface="+mn-ea"/>
+              <a:cs typeface="+mn-cs"/>
+            </a:defRPr>
+          </a:pPr>
+          <a:endParaRPr lang="ru-RU"/>
+        </a:p>
+      </c:txPr>
+    </c:title>
+    <c:autoTitleDeleted val="0"/>
+    <c:plotArea>
+      <c:layout/>
+      <c:barChart>
+        <c:barDir val="col"/>
+        <c:grouping val="clustered"/>
+        <c:varyColors val="0"/>
+        <c:ser>
+          <c:idx val="0"/>
+          <c:order val="0"/>
+          <c:tx>
+            <c:strRef>
+              <c:f>Лист1!$B$1</c:f>
+              <c:strCache>
+                <c:ptCount val="1"/>
+                <c:pt idx="0">
+                  <c:v>Лучшее время работы алгоритма</c:v>
+                </c:pt>
+              </c:strCache>
+            </c:strRef>
+          </c:tx>
+          <c:spPr>
+            <a:solidFill>
+              <a:schemeClr val="accent1"/>
+            </a:solidFill>
+            <a:ln>
+              <a:noFill/>
+            </a:ln>
+            <a:effectLst/>
+          </c:spPr>
+          <c:invertIfNegative val="0"/>
+          <c:cat>
+            <c:strRef>
+              <c:f>Лист1!$A$2:$A$5</c:f>
+              <c:strCache>
+                <c:ptCount val="4"/>
+                <c:pt idx="0">
+                  <c:v>Алгоритм Дейкстры</c:v>
+                </c:pt>
+                <c:pt idx="1">
+                  <c:v>Алгоритм Флойда - Уоршелла </c:v>
+                </c:pt>
+                <c:pt idx="2">
+                  <c:v>Алгоритм Джонсона</c:v>
+                </c:pt>
+                <c:pt idx="3">
+                  <c:v>Алгоритм Беллмана - Форда</c:v>
+                </c:pt>
+              </c:strCache>
+            </c:strRef>
+          </c:cat>
+          <c:val>
+            <c:numRef>
+              <c:f>Лист1!$B$2:$B$5</c:f>
+              <c:numCache>
+                <c:formatCode>General</c:formatCode>
+                <c:ptCount val="4"/>
+                <c:pt idx="0">
+                  <c:v>5</c:v>
+                </c:pt>
+                <c:pt idx="1">
+                  <c:v>7</c:v>
+                </c:pt>
+                <c:pt idx="2">
+                  <c:v>5</c:v>
+                </c:pt>
+                <c:pt idx="3">
+                  <c:v>6</c:v>
+                </c:pt>
+              </c:numCache>
+            </c:numRef>
+          </c:val>
+        </c:ser>
+        <c:dLbls>
+          <c:showLegendKey val="0"/>
+          <c:showVal val="0"/>
+          <c:showCatName val="0"/>
+          <c:showSerName val="0"/>
+          <c:showPercent val="0"/>
+          <c:showBubbleSize val="0"/>
+        </c:dLbls>
+        <c:gapWidth val="219"/>
+        <c:overlap val="-27"/>
+        <c:axId val="373359216"/>
+        <c:axId val="373359760"/>
+      </c:barChart>
+      <c:catAx>
+        <c:axId val="373359216"/>
+        <c:scaling>
+          <c:orientation val="minMax"/>
+        </c:scaling>
+        <c:delete val="0"/>
+        <c:axPos val="b"/>
+        <c:numFmt formatCode="General" sourceLinked="1"/>
+        <c:majorTickMark val="none"/>
+        <c:minorTickMark val="none"/>
+        <c:tickLblPos val="nextTo"/>
+        <c:spPr>
+          <a:noFill/>
+          <a:ln w="9525" cap="flat" cmpd="sng" algn="ctr">
+            <a:solidFill>
+              <a:schemeClr val="tx1">
+                <a:lumMod val="15000"/>
+                <a:lumOff val="85000"/>
+              </a:schemeClr>
+            </a:solidFill>
+            <a:round/>
+          </a:ln>
+          <a:effectLst/>
+        </c:spPr>
+        <c:txPr>
+          <a:bodyPr rot="-60000000" spcFirstLastPara="1" vertOverflow="ellipsis" vert="horz" wrap="square" anchor="ctr" anchorCtr="1"/>
+          <a:lstStyle/>
+          <a:p>
+            <a:pPr>
+              <a:defRPr sz="1197" b="0" i="0" u="none" strike="noStrike" kern="1200" baseline="0">
+                <a:solidFill>
+                  <a:schemeClr val="tx1">
+                    <a:lumMod val="65000"/>
+                    <a:lumOff val="35000"/>
+                  </a:schemeClr>
+                </a:solidFill>
+                <a:latin typeface="+mn-lt"/>
+                <a:ea typeface="+mn-ea"/>
+                <a:cs typeface="+mn-cs"/>
+              </a:defRPr>
+            </a:pPr>
+            <a:endParaRPr lang="ru-RU"/>
+          </a:p>
+        </c:txPr>
+        <c:crossAx val="373359760"/>
+        <c:crosses val="autoZero"/>
+        <c:auto val="1"/>
+        <c:lblAlgn val="ctr"/>
+        <c:lblOffset val="100"/>
+        <c:noMultiLvlLbl val="0"/>
+      </c:catAx>
+      <c:valAx>
+        <c:axId val="373359760"/>
+        <c:scaling>
+          <c:orientation val="minMax"/>
+        </c:scaling>
+        <c:delete val="0"/>
+        <c:axPos val="l"/>
+        <c:majorGridlines>
+          <c:spPr>
+            <a:ln w="9525" cap="flat" cmpd="sng" algn="ctr">
+              <a:solidFill>
+                <a:schemeClr val="tx1">
+                  <a:lumMod val="15000"/>
+                  <a:lumOff val="85000"/>
+                </a:schemeClr>
+              </a:solidFill>
+              <a:round/>
+            </a:ln>
+            <a:effectLst/>
+          </c:spPr>
+        </c:majorGridlines>
+        <c:numFmt formatCode="General" sourceLinked="1"/>
+        <c:majorTickMark val="none"/>
+        <c:minorTickMark val="none"/>
+        <c:tickLblPos val="nextTo"/>
+        <c:spPr>
+          <a:noFill/>
+          <a:ln>
+            <a:noFill/>
+          </a:ln>
+          <a:effectLst/>
+        </c:spPr>
+        <c:txPr>
+          <a:bodyPr rot="-60000000" spcFirstLastPara="1" vertOverflow="ellipsis" vert="horz" wrap="square" anchor="ctr" anchorCtr="1"/>
+          <a:lstStyle/>
+          <a:p>
+            <a:pPr>
+              <a:defRPr sz="1197" b="0" i="0" u="none" strike="noStrike" kern="1200" baseline="0">
+                <a:solidFill>
+                  <a:schemeClr val="tx1">
+                    <a:lumMod val="65000"/>
+                    <a:lumOff val="35000"/>
+                  </a:schemeClr>
+                </a:solidFill>
+                <a:latin typeface="+mn-lt"/>
+                <a:ea typeface="+mn-ea"/>
+                <a:cs typeface="+mn-cs"/>
+              </a:defRPr>
+            </a:pPr>
+            <a:endParaRPr lang="ru-RU"/>
+          </a:p>
+        </c:txPr>
+        <c:crossAx val="373359216"/>
+        <c:crosses val="autoZero"/>
+        <c:crossBetween val="between"/>
+      </c:valAx>
+      <c:spPr>
+        <a:noFill/>
+        <a:ln>
+          <a:noFill/>
+        </a:ln>
+        <a:effectLst/>
+      </c:spPr>
+    </c:plotArea>
+    <c:legend>
+      <c:legendPos val="b"/>
+      <c:layout/>
+      <c:overlay val="0"/>
+      <c:spPr>
+        <a:noFill/>
+        <a:ln>
+          <a:noFill/>
+        </a:ln>
+        <a:effectLst/>
+      </c:spPr>
+      <c:txPr>
+        <a:bodyPr rot="0" spcFirstLastPara="1" vertOverflow="ellipsis" vert="horz" wrap="square" anchor="ctr" anchorCtr="1"/>
+        <a:lstStyle/>
+        <a:p>
+          <a:pPr>
+            <a:defRPr sz="1197" b="0" i="0" u="none" strike="noStrike" kern="1200" baseline="0">
+              <a:solidFill>
+                <a:schemeClr val="tx1">
+                  <a:lumMod val="65000"/>
+                  <a:lumOff val="35000"/>
+                </a:schemeClr>
+              </a:solidFill>
+              <a:latin typeface="+mn-lt"/>
+              <a:ea typeface="+mn-ea"/>
+              <a:cs typeface="+mn-cs"/>
+            </a:defRPr>
+          </a:pPr>
+          <a:endParaRPr lang="ru-RU"/>
+        </a:p>
+      </c:txPr>
+    </c:legend>
+    <c:plotVisOnly val="1"/>
+    <c:dispBlanksAs val="gap"/>
+    <c:showDLblsOverMax val="0"/>
+  </c:chart>
+  <c:spPr>
+    <a:noFill/>
+    <a:ln>
+      <a:noFill/>
+    </a:ln>
+    <a:effectLst/>
+  </c:spPr>
+  <c:txPr>
+    <a:bodyPr/>
+    <a:lstStyle/>
+    <a:p>
+      <a:pPr>
+        <a:defRPr/>
+      </a:pPr>
+      <a:endParaRPr lang="ru-RU"/>
+    </a:p>
+  </c:txPr>
+  <c:externalData r:id="rId3">
+    <c:autoUpdate val="0"/>
+  </c:externalData>
+</c:chartSpace>
+</file>
+
+<file path=ppt/charts/chart7.xml><?xml version="1.0" encoding="utf-8"?>
+<c:chartSpace xmlns:c="http://schemas.openxmlformats.org/drawingml/2006/chart" xmlns:a="http://schemas.openxmlformats.org/drawingml/2006/main" xmlns:r="http://schemas.openxmlformats.org/officeDocument/2006/relationships">
+  <c:date1904 val="0"/>
+  <c:lang val="ru-RU"/>
+  <c:roundedCorners val="0"/>
+  <mc:AlternateContent xmlns:mc="http://schemas.openxmlformats.org/markup-compatibility/2006">
+    <mc:Choice xmlns:c14="http://schemas.microsoft.com/office/drawing/2007/8/2/chart" Requires="c14">
+      <c14:style val="102"/>
+    </mc:Choice>
+    <mc:Fallback>
+      <c:style val="2"/>
+    </mc:Fallback>
+  </mc:AlternateContent>
+  <c:chart>
+    <c:title>
+      <c:tx>
+        <c:rich>
+          <a:bodyPr rot="0" spcFirstLastPara="1" vertOverflow="ellipsis" vert="horz" wrap="square" anchor="ctr" anchorCtr="1"/>
+          <a:lstStyle/>
+          <a:p>
+            <a:pPr>
+              <a:defRPr sz="1862" b="0" i="0" u="none" strike="noStrike" kern="1200" spc="0" baseline="0">
+                <a:solidFill>
+                  <a:schemeClr val="tx1">
+                    <a:lumMod val="65000"/>
+                    <a:lumOff val="35000"/>
+                  </a:schemeClr>
+                </a:solidFill>
+                <a:latin typeface="+mn-lt"/>
+                <a:ea typeface="+mn-ea"/>
+                <a:cs typeface="+mn-cs"/>
+              </a:defRPr>
+            </a:pPr>
+            <a:r>
+              <a:rPr lang="ru-RU" sz="2400" dirty="0" smtClean="0">
+                <a:effectLst/>
+              </a:rPr>
+              <a:t>Универсальность алгоритма</a:t>
+            </a:r>
+            <a:endParaRPr lang="ru-RU" sz="2400" dirty="0">
+              <a:effectLst/>
+            </a:endParaRPr>
+          </a:p>
+        </c:rich>
+      </c:tx>
+      <c:layout/>
+      <c:overlay val="0"/>
+      <c:spPr>
+        <a:noFill/>
+        <a:ln>
+          <a:noFill/>
+        </a:ln>
+        <a:effectLst/>
+      </c:spPr>
+      <c:txPr>
+        <a:bodyPr rot="0" spcFirstLastPara="1" vertOverflow="ellipsis" vert="horz" wrap="square" anchor="ctr" anchorCtr="1"/>
+        <a:lstStyle/>
+        <a:p>
+          <a:pPr>
+            <a:defRPr sz="1862" b="0" i="0" u="none" strike="noStrike" kern="1200" spc="0" baseline="0">
+              <a:solidFill>
+                <a:schemeClr val="tx1">
+                  <a:lumMod val="65000"/>
+                  <a:lumOff val="35000"/>
+                </a:schemeClr>
+              </a:solidFill>
+              <a:latin typeface="+mn-lt"/>
+              <a:ea typeface="+mn-ea"/>
+              <a:cs typeface="+mn-cs"/>
+            </a:defRPr>
+          </a:pPr>
+          <a:endParaRPr lang="ru-RU"/>
+        </a:p>
+      </c:txPr>
+    </c:title>
+    <c:autoTitleDeleted val="0"/>
+    <c:plotArea>
+      <c:layout/>
+      <c:barChart>
+        <c:barDir val="col"/>
+        <c:grouping val="clustered"/>
+        <c:varyColors val="0"/>
+        <c:ser>
+          <c:idx val="0"/>
+          <c:order val="0"/>
+          <c:tx>
+            <c:strRef>
+              <c:f>Лист1!$B$1</c:f>
+              <c:strCache>
+                <c:ptCount val="1"/>
+                <c:pt idx="0">
+                  <c:v>3. Универсальность алгоритма</c:v>
+                </c:pt>
+              </c:strCache>
+            </c:strRef>
+          </c:tx>
+          <c:spPr>
+            <a:solidFill>
+              <a:schemeClr val="accent1"/>
+            </a:solidFill>
+            <a:ln>
+              <a:noFill/>
+            </a:ln>
+            <a:effectLst/>
+          </c:spPr>
+          <c:invertIfNegative val="0"/>
+          <c:cat>
+            <c:strRef>
+              <c:f>Лист1!$A$2:$A$5</c:f>
+              <c:strCache>
+                <c:ptCount val="4"/>
+                <c:pt idx="0">
+                  <c:v>Алгоритм Дейкстры</c:v>
+                </c:pt>
+                <c:pt idx="1">
+                  <c:v>Алгоритм Флойда - Уоршелла </c:v>
+                </c:pt>
+                <c:pt idx="2">
+                  <c:v>Алгоритм Джонсона</c:v>
+                </c:pt>
+                <c:pt idx="3">
+                  <c:v>Алгоритм Беллмана - Форда</c:v>
+                </c:pt>
+              </c:strCache>
+            </c:strRef>
+          </c:cat>
+          <c:val>
+            <c:numRef>
+              <c:f>Лист1!$B$2:$B$5</c:f>
+              <c:numCache>
+                <c:formatCode>General</c:formatCode>
+                <c:ptCount val="4"/>
+                <c:pt idx="0">
+                  <c:v>8</c:v>
+                </c:pt>
+                <c:pt idx="1">
+                  <c:v>7</c:v>
+                </c:pt>
+                <c:pt idx="2">
+                  <c:v>7</c:v>
+                </c:pt>
+                <c:pt idx="3">
+                  <c:v>8</c:v>
+                </c:pt>
+              </c:numCache>
+            </c:numRef>
+          </c:val>
+        </c:ser>
+        <c:dLbls>
+          <c:showLegendKey val="0"/>
+          <c:showVal val="0"/>
+          <c:showCatName val="0"/>
+          <c:showSerName val="0"/>
+          <c:showPercent val="0"/>
+          <c:showBubbleSize val="0"/>
+        </c:dLbls>
+        <c:gapWidth val="219"/>
+        <c:overlap val="-27"/>
+        <c:axId val="227106016"/>
+        <c:axId val="373358672"/>
+      </c:barChart>
+      <c:catAx>
+        <c:axId val="227106016"/>
+        <c:scaling>
+          <c:orientation val="minMax"/>
+        </c:scaling>
+        <c:delete val="0"/>
+        <c:axPos val="b"/>
+        <c:numFmt formatCode="General" sourceLinked="1"/>
+        <c:majorTickMark val="none"/>
+        <c:minorTickMark val="none"/>
+        <c:tickLblPos val="nextTo"/>
+        <c:spPr>
+          <a:noFill/>
+          <a:ln w="9525" cap="flat" cmpd="sng" algn="ctr">
+            <a:solidFill>
+              <a:schemeClr val="tx1">
+                <a:lumMod val="15000"/>
+                <a:lumOff val="85000"/>
+              </a:schemeClr>
+            </a:solidFill>
+            <a:round/>
+          </a:ln>
+          <a:effectLst/>
+        </c:spPr>
+        <c:txPr>
+          <a:bodyPr rot="-60000000" spcFirstLastPara="1" vertOverflow="ellipsis" vert="horz" wrap="square" anchor="ctr" anchorCtr="1"/>
+          <a:lstStyle/>
+          <a:p>
+            <a:pPr>
+              <a:defRPr sz="1197" b="0" i="0" u="none" strike="noStrike" kern="1200" baseline="0">
+                <a:solidFill>
+                  <a:schemeClr val="tx1">
+                    <a:lumMod val="65000"/>
+                    <a:lumOff val="35000"/>
+                  </a:schemeClr>
+                </a:solidFill>
+                <a:latin typeface="+mn-lt"/>
+                <a:ea typeface="+mn-ea"/>
+                <a:cs typeface="+mn-cs"/>
+              </a:defRPr>
+            </a:pPr>
+            <a:endParaRPr lang="ru-RU"/>
+          </a:p>
+        </c:txPr>
+        <c:crossAx val="373358672"/>
+        <c:crosses val="autoZero"/>
+        <c:auto val="1"/>
+        <c:lblAlgn val="ctr"/>
+        <c:lblOffset val="100"/>
+        <c:noMultiLvlLbl val="0"/>
+      </c:catAx>
+      <c:valAx>
+        <c:axId val="373358672"/>
+        <c:scaling>
+          <c:orientation val="minMax"/>
+        </c:scaling>
+        <c:delete val="0"/>
+        <c:axPos val="l"/>
+        <c:majorGridlines>
+          <c:spPr>
+            <a:ln w="9525" cap="flat" cmpd="sng" algn="ctr">
+              <a:solidFill>
+                <a:schemeClr val="tx1">
+                  <a:lumMod val="15000"/>
+                  <a:lumOff val="85000"/>
+                </a:schemeClr>
+              </a:solidFill>
+              <a:round/>
+            </a:ln>
+            <a:effectLst/>
+          </c:spPr>
+        </c:majorGridlines>
+        <c:numFmt formatCode="General" sourceLinked="1"/>
+        <c:majorTickMark val="none"/>
+        <c:minorTickMark val="none"/>
+        <c:tickLblPos val="nextTo"/>
+        <c:spPr>
+          <a:noFill/>
+          <a:ln>
+            <a:noFill/>
+          </a:ln>
+          <a:effectLst/>
+        </c:spPr>
+        <c:txPr>
+          <a:bodyPr rot="-60000000" spcFirstLastPara="1" vertOverflow="ellipsis" vert="horz" wrap="square" anchor="ctr" anchorCtr="1"/>
+          <a:lstStyle/>
+          <a:p>
+            <a:pPr>
+              <a:defRPr sz="1197" b="0" i="0" u="none" strike="noStrike" kern="1200" baseline="0">
+                <a:solidFill>
+                  <a:schemeClr val="tx1">
+                    <a:lumMod val="65000"/>
+                    <a:lumOff val="35000"/>
+                  </a:schemeClr>
+                </a:solidFill>
+                <a:latin typeface="+mn-lt"/>
+                <a:ea typeface="+mn-ea"/>
+                <a:cs typeface="+mn-cs"/>
+              </a:defRPr>
+            </a:pPr>
+            <a:endParaRPr lang="ru-RU"/>
+          </a:p>
+        </c:txPr>
+        <c:crossAx val="227106016"/>
+        <c:crosses val="autoZero"/>
+        <c:crossBetween val="between"/>
+      </c:valAx>
+      <c:spPr>
+        <a:noFill/>
+        <a:ln>
+          <a:noFill/>
+        </a:ln>
+        <a:effectLst/>
+      </c:spPr>
+    </c:plotArea>
+    <c:legend>
+      <c:legendPos val="b"/>
+      <c:layout/>
+      <c:overlay val="0"/>
+      <c:spPr>
+        <a:noFill/>
+        <a:ln>
+          <a:noFill/>
+        </a:ln>
+        <a:effectLst/>
+      </c:spPr>
+      <c:txPr>
+        <a:bodyPr rot="0" spcFirstLastPara="1" vertOverflow="ellipsis" vert="horz" wrap="square" anchor="ctr" anchorCtr="1"/>
+        <a:lstStyle/>
+        <a:p>
+          <a:pPr>
+            <a:defRPr sz="1197" b="0" i="0" u="none" strike="noStrike" kern="1200" baseline="0">
+              <a:solidFill>
+                <a:schemeClr val="tx1">
+                  <a:lumMod val="65000"/>
+                  <a:lumOff val="35000"/>
+                </a:schemeClr>
+              </a:solidFill>
+              <a:latin typeface="+mn-lt"/>
+              <a:ea typeface="+mn-ea"/>
+              <a:cs typeface="+mn-cs"/>
+            </a:defRPr>
+          </a:pPr>
+          <a:endParaRPr lang="ru-RU"/>
+        </a:p>
+      </c:txPr>
+    </c:legend>
+    <c:plotVisOnly val="1"/>
+    <c:dispBlanksAs val="gap"/>
+    <c:showDLblsOverMax val="0"/>
+  </c:chart>
+  <c:spPr>
+    <a:noFill/>
+    <a:ln>
+      <a:noFill/>
+    </a:ln>
+    <a:effectLst/>
+  </c:spPr>
+  <c:txPr>
+    <a:bodyPr/>
+    <a:lstStyle/>
+    <a:p>
+      <a:pPr>
+        <a:defRPr/>
+      </a:pPr>
+      <a:endParaRPr lang="ru-RU"/>
+    </a:p>
+  </c:txPr>
+  <c:externalData r:id="rId3">
+    <c:autoUpdate val="0"/>
+  </c:externalData>
+</c:chartSpace>
+</file>
+
+<file path=ppt/charts/chart8.xml><?xml version="1.0" encoding="utf-8"?>
+<c:chartSpace xmlns:c="http://schemas.openxmlformats.org/drawingml/2006/chart" xmlns:a="http://schemas.openxmlformats.org/drawingml/2006/main" xmlns:r="http://schemas.openxmlformats.org/officeDocument/2006/relationships">
+  <c:date1904 val="0"/>
+  <c:lang val="ru-RU"/>
+  <c:roundedCorners val="0"/>
+  <mc:AlternateContent xmlns:mc="http://schemas.openxmlformats.org/markup-compatibility/2006">
+    <mc:Choice xmlns:c14="http://schemas.microsoft.com/office/drawing/2007/8/2/chart" Requires="c14">
+      <c14:style val="102"/>
+    </mc:Choice>
+    <mc:Fallback>
+      <c:style val="2"/>
+    </mc:Fallback>
+  </mc:AlternateContent>
+  <c:chart>
+    <c:title>
+      <c:tx>
+        <c:rich>
+          <a:bodyPr rot="0" spcFirstLastPara="1" vertOverflow="ellipsis" vert="horz" wrap="square" anchor="ctr" anchorCtr="1"/>
+          <a:lstStyle/>
+          <a:p>
+            <a:pPr>
+              <a:defRPr sz="1862" b="0" i="0" u="none" strike="noStrike" kern="1200" spc="0" baseline="0">
+                <a:solidFill>
+                  <a:schemeClr val="tx1">
+                    <a:lumMod val="65000"/>
+                    <a:lumOff val="35000"/>
+                  </a:schemeClr>
+                </a:solidFill>
+                <a:latin typeface="+mn-lt"/>
+                <a:ea typeface="+mn-ea"/>
+                <a:cs typeface="+mn-cs"/>
+              </a:defRPr>
+            </a:pPr>
+            <a:r>
+              <a:rPr lang="ru-RU" sz="2400" dirty="0" smtClean="0">
+                <a:effectLst/>
+              </a:rPr>
+              <a:t>Простота работы</a:t>
+            </a:r>
+            <a:endParaRPr lang="ru-RU" sz="2400" dirty="0">
+              <a:effectLst/>
+            </a:endParaRPr>
+          </a:p>
+        </c:rich>
+      </c:tx>
+      <c:layout/>
+      <c:overlay val="0"/>
+      <c:spPr>
+        <a:noFill/>
+        <a:ln>
+          <a:noFill/>
+        </a:ln>
+        <a:effectLst/>
+      </c:spPr>
+      <c:txPr>
+        <a:bodyPr rot="0" spcFirstLastPara="1" vertOverflow="ellipsis" vert="horz" wrap="square" anchor="ctr" anchorCtr="1"/>
+        <a:lstStyle/>
+        <a:p>
+          <a:pPr>
+            <a:defRPr sz="1862" b="0" i="0" u="none" strike="noStrike" kern="1200" spc="0" baseline="0">
+              <a:solidFill>
+                <a:schemeClr val="tx1">
+                  <a:lumMod val="65000"/>
+                  <a:lumOff val="35000"/>
+                </a:schemeClr>
+              </a:solidFill>
+              <a:latin typeface="+mn-lt"/>
+              <a:ea typeface="+mn-ea"/>
+              <a:cs typeface="+mn-cs"/>
+            </a:defRPr>
+          </a:pPr>
+          <a:endParaRPr lang="ru-RU"/>
+        </a:p>
+      </c:txPr>
+    </c:title>
+    <c:autoTitleDeleted val="0"/>
+    <c:plotArea>
+      <c:layout/>
+      <c:barChart>
+        <c:barDir val="col"/>
+        <c:grouping val="clustered"/>
+        <c:varyColors val="0"/>
+        <c:ser>
+          <c:idx val="0"/>
+          <c:order val="0"/>
+          <c:tx>
+            <c:strRef>
+              <c:f>Лист1!$B$1</c:f>
+              <c:strCache>
+                <c:ptCount val="1"/>
+                <c:pt idx="0">
+                  <c:v>4. Простота работы</c:v>
+                </c:pt>
+              </c:strCache>
+            </c:strRef>
+          </c:tx>
+          <c:spPr>
+            <a:solidFill>
+              <a:schemeClr val="accent1"/>
+            </a:solidFill>
+            <a:ln>
+              <a:noFill/>
+            </a:ln>
+            <a:effectLst/>
+          </c:spPr>
+          <c:invertIfNegative val="0"/>
+          <c:cat>
+            <c:strRef>
+              <c:f>Лист1!$A$2:$A$5</c:f>
+              <c:strCache>
+                <c:ptCount val="4"/>
+                <c:pt idx="0">
+                  <c:v>Алгоритм Дейкстры</c:v>
+                </c:pt>
+                <c:pt idx="1">
+                  <c:v>Алгоритм Флойда - Уоршелла </c:v>
+                </c:pt>
+                <c:pt idx="2">
+                  <c:v>Алгоритм Джонсона</c:v>
+                </c:pt>
+                <c:pt idx="3">
+                  <c:v>Алгоритм Беллмана - Форда</c:v>
+                </c:pt>
+              </c:strCache>
+            </c:strRef>
+          </c:cat>
+          <c:val>
+            <c:numRef>
+              <c:f>Лист1!$B$2:$B$5</c:f>
+              <c:numCache>
+                <c:formatCode>General</c:formatCode>
+                <c:ptCount val="4"/>
+                <c:pt idx="0">
+                  <c:v>7</c:v>
+                </c:pt>
+                <c:pt idx="1">
+                  <c:v>6</c:v>
+                </c:pt>
+                <c:pt idx="2">
+                  <c:v>7</c:v>
+                </c:pt>
+                <c:pt idx="3">
+                  <c:v>6</c:v>
+                </c:pt>
+              </c:numCache>
+            </c:numRef>
+          </c:val>
+        </c:ser>
+        <c:dLbls>
+          <c:showLegendKey val="0"/>
+          <c:showVal val="0"/>
+          <c:showCatName val="0"/>
+          <c:showSerName val="0"/>
+          <c:showPercent val="0"/>
+          <c:showBubbleSize val="0"/>
+        </c:dLbls>
+        <c:gapWidth val="219"/>
+        <c:overlap val="-27"/>
+        <c:axId val="373365200"/>
+        <c:axId val="272670432"/>
+      </c:barChart>
+      <c:catAx>
+        <c:axId val="373365200"/>
+        <c:scaling>
+          <c:orientation val="minMax"/>
+        </c:scaling>
+        <c:delete val="0"/>
+        <c:axPos val="b"/>
+        <c:numFmt formatCode="General" sourceLinked="1"/>
+        <c:majorTickMark val="none"/>
+        <c:minorTickMark val="none"/>
+        <c:tickLblPos val="nextTo"/>
+        <c:spPr>
+          <a:noFill/>
+          <a:ln w="9525" cap="flat" cmpd="sng" algn="ctr">
+            <a:solidFill>
+              <a:schemeClr val="tx1">
+                <a:lumMod val="15000"/>
+                <a:lumOff val="85000"/>
+              </a:schemeClr>
+            </a:solidFill>
+            <a:round/>
+          </a:ln>
+          <a:effectLst/>
+        </c:spPr>
+        <c:txPr>
+          <a:bodyPr rot="-60000000" spcFirstLastPara="1" vertOverflow="ellipsis" vert="horz" wrap="square" anchor="ctr" anchorCtr="1"/>
+          <a:lstStyle/>
+          <a:p>
+            <a:pPr>
+              <a:defRPr sz="1197" b="0" i="0" u="none" strike="noStrike" kern="1200" baseline="0">
+                <a:solidFill>
+                  <a:schemeClr val="tx1">
+                    <a:lumMod val="65000"/>
+                    <a:lumOff val="35000"/>
+                  </a:schemeClr>
+                </a:solidFill>
+                <a:latin typeface="+mn-lt"/>
+                <a:ea typeface="+mn-ea"/>
+                <a:cs typeface="+mn-cs"/>
+              </a:defRPr>
+            </a:pPr>
+            <a:endParaRPr lang="ru-RU"/>
+          </a:p>
+        </c:txPr>
+        <c:crossAx val="272670432"/>
+        <c:crosses val="autoZero"/>
+        <c:auto val="1"/>
+        <c:lblAlgn val="ctr"/>
+        <c:lblOffset val="100"/>
+        <c:noMultiLvlLbl val="0"/>
+      </c:catAx>
+      <c:valAx>
+        <c:axId val="272670432"/>
+        <c:scaling>
+          <c:orientation val="minMax"/>
+        </c:scaling>
+        <c:delete val="0"/>
+        <c:axPos val="l"/>
+        <c:majorGridlines>
+          <c:spPr>
+            <a:ln w="9525" cap="flat" cmpd="sng" algn="ctr">
+              <a:solidFill>
+                <a:schemeClr val="tx1">
+                  <a:lumMod val="15000"/>
+                  <a:lumOff val="85000"/>
+                </a:schemeClr>
+              </a:solidFill>
+              <a:round/>
+            </a:ln>
+            <a:effectLst/>
+          </c:spPr>
+        </c:majorGridlines>
+        <c:numFmt formatCode="General" sourceLinked="1"/>
+        <c:majorTickMark val="none"/>
+        <c:minorTickMark val="none"/>
+        <c:tickLblPos val="nextTo"/>
+        <c:spPr>
+          <a:noFill/>
+          <a:ln>
+            <a:noFill/>
+          </a:ln>
+          <a:effectLst/>
+        </c:spPr>
+        <c:txPr>
+          <a:bodyPr rot="-60000000" spcFirstLastPara="1" vertOverflow="ellipsis" vert="horz" wrap="square" anchor="ctr" anchorCtr="1"/>
+          <a:lstStyle/>
+          <a:p>
+            <a:pPr>
+              <a:defRPr sz="1197" b="0" i="0" u="none" strike="noStrike" kern="1200" baseline="0">
+                <a:solidFill>
+                  <a:schemeClr val="tx1">
+                    <a:lumMod val="65000"/>
+                    <a:lumOff val="35000"/>
+                  </a:schemeClr>
+                </a:solidFill>
+                <a:latin typeface="+mn-lt"/>
+                <a:ea typeface="+mn-ea"/>
+                <a:cs typeface="+mn-cs"/>
+              </a:defRPr>
+            </a:pPr>
+            <a:endParaRPr lang="ru-RU"/>
+          </a:p>
+        </c:txPr>
+        <c:crossAx val="373365200"/>
+        <c:crosses val="autoZero"/>
+        <c:crossBetween val="between"/>
+      </c:valAx>
+      <c:spPr>
+        <a:noFill/>
+        <a:ln>
+          <a:noFill/>
+        </a:ln>
+        <a:effectLst/>
+      </c:spPr>
+    </c:plotArea>
+    <c:legend>
+      <c:legendPos val="b"/>
+      <c:layout/>
+      <c:overlay val="0"/>
+      <c:spPr>
+        <a:noFill/>
+        <a:ln>
+          <a:noFill/>
+        </a:ln>
+        <a:effectLst/>
+      </c:spPr>
+      <c:txPr>
+        <a:bodyPr rot="0" spcFirstLastPara="1" vertOverflow="ellipsis" vert="horz" wrap="square" anchor="ctr" anchorCtr="1"/>
+        <a:lstStyle/>
+        <a:p>
+          <a:pPr>
+            <a:defRPr sz="1197" b="0" i="0" u="none" strike="noStrike" kern="1200" baseline="0">
+              <a:solidFill>
+                <a:schemeClr val="tx1">
+                  <a:lumMod val="65000"/>
+                  <a:lumOff val="35000"/>
+                </a:schemeClr>
+              </a:solidFill>
+              <a:latin typeface="+mn-lt"/>
+              <a:ea typeface="+mn-ea"/>
+              <a:cs typeface="+mn-cs"/>
+            </a:defRPr>
+          </a:pPr>
+          <a:endParaRPr lang="ru-RU"/>
+        </a:p>
+      </c:txPr>
+    </c:legend>
+    <c:plotVisOnly val="1"/>
+    <c:dispBlanksAs val="gap"/>
+    <c:showDLblsOverMax val="0"/>
+  </c:chart>
+  <c:spPr>
+    <a:noFill/>
+    <a:ln>
+      <a:noFill/>
+    </a:ln>
+    <a:effectLst/>
+  </c:spPr>
+  <c:txPr>
+    <a:bodyPr/>
+    <a:lstStyle/>
+    <a:p>
+      <a:pPr>
+        <a:defRPr/>
+      </a:pPr>
+      <a:endParaRPr lang="ru-RU"/>
+    </a:p>
+  </c:txPr>
+  <c:externalData r:id="rId3">
+    <c:autoUpdate val="0"/>
+  </c:externalData>
+</c:chartSpace>
+</file>
+
+<file path=ppt/charts/chart9.xml><?xml version="1.0" encoding="utf-8"?>
+<c:chartSpace xmlns:c="http://schemas.openxmlformats.org/drawingml/2006/chart" xmlns:a="http://schemas.openxmlformats.org/drawingml/2006/main" xmlns:r="http://schemas.openxmlformats.org/officeDocument/2006/relationships">
+  <c:date1904 val="0"/>
+  <c:lang val="ru-RU"/>
+  <c:roundedCorners val="0"/>
+  <mc:AlternateContent xmlns:mc="http://schemas.openxmlformats.org/markup-compatibility/2006">
+    <mc:Choice xmlns:c14="http://schemas.microsoft.com/office/drawing/2007/8/2/chart" Requires="c14">
+      <c14:style val="102"/>
+    </mc:Choice>
+    <mc:Fallback>
+      <c:style val="2"/>
+    </mc:Fallback>
+  </mc:AlternateContent>
+  <c:chart>
+    <c:title>
+      <c:tx>
+        <c:rich>
+          <a:bodyPr rot="0" spcFirstLastPara="1" vertOverflow="ellipsis" vert="horz" wrap="square" anchor="ctr" anchorCtr="1"/>
+          <a:lstStyle/>
+          <a:p>
+            <a:pPr>
+              <a:defRPr sz="1862" b="0" i="0" u="none" strike="noStrike" kern="1200" spc="0" baseline="0">
+                <a:solidFill>
+                  <a:schemeClr val="tx1">
+                    <a:lumMod val="65000"/>
+                    <a:lumOff val="35000"/>
+                  </a:schemeClr>
+                </a:solidFill>
+                <a:latin typeface="+mn-lt"/>
+                <a:ea typeface="+mn-ea"/>
+                <a:cs typeface="+mn-cs"/>
+              </a:defRPr>
+            </a:pPr>
+            <a:r>
+              <a:rPr lang="ru-RU" sz="1800" dirty="0" smtClean="0">
+                <a:effectLst/>
+              </a:rPr>
+              <a:t>Практическое применение в навигационных картах</a:t>
+            </a:r>
+            <a:endParaRPr lang="ru-RU" sz="1800" dirty="0">
+              <a:effectLst/>
+            </a:endParaRPr>
+          </a:p>
+        </c:rich>
+      </c:tx>
+      <c:layout/>
+      <c:overlay val="0"/>
+      <c:spPr>
+        <a:noFill/>
+        <a:ln>
+          <a:noFill/>
+        </a:ln>
+        <a:effectLst/>
+      </c:spPr>
+      <c:txPr>
+        <a:bodyPr rot="0" spcFirstLastPara="1" vertOverflow="ellipsis" vert="horz" wrap="square" anchor="ctr" anchorCtr="1"/>
+        <a:lstStyle/>
+        <a:p>
+          <a:pPr>
+            <a:defRPr sz="1862" b="0" i="0" u="none" strike="noStrike" kern="1200" spc="0" baseline="0">
+              <a:solidFill>
+                <a:schemeClr val="tx1">
+                  <a:lumMod val="65000"/>
+                  <a:lumOff val="35000"/>
+                </a:schemeClr>
+              </a:solidFill>
+              <a:latin typeface="+mn-lt"/>
+              <a:ea typeface="+mn-ea"/>
+              <a:cs typeface="+mn-cs"/>
+            </a:defRPr>
+          </a:pPr>
+          <a:endParaRPr lang="ru-RU"/>
+        </a:p>
+      </c:txPr>
+    </c:title>
+    <c:autoTitleDeleted val="0"/>
+    <c:plotArea>
+      <c:layout/>
+      <c:barChart>
+        <c:barDir val="col"/>
+        <c:grouping val="clustered"/>
+        <c:varyColors val="0"/>
+        <c:ser>
+          <c:idx val="0"/>
+          <c:order val="0"/>
+          <c:tx>
+            <c:strRef>
+              <c:f>Лист1!$B$1</c:f>
+              <c:strCache>
+                <c:ptCount val="1"/>
+                <c:pt idx="0">
+                  <c:v>5. Практическое применение в навигационных картах</c:v>
+                </c:pt>
+              </c:strCache>
+            </c:strRef>
+          </c:tx>
+          <c:spPr>
+            <a:solidFill>
+              <a:schemeClr val="accent1"/>
+            </a:solidFill>
+            <a:ln>
+              <a:noFill/>
+            </a:ln>
+            <a:effectLst/>
+          </c:spPr>
+          <c:invertIfNegative val="0"/>
+          <c:cat>
+            <c:strRef>
+              <c:f>Лист1!$A$2:$A$5</c:f>
+              <c:strCache>
+                <c:ptCount val="4"/>
+                <c:pt idx="0">
+                  <c:v>Алгоритм Дейкстры</c:v>
+                </c:pt>
+                <c:pt idx="1">
+                  <c:v>Алгоритм Флойда - Уоршелла </c:v>
+                </c:pt>
+                <c:pt idx="2">
+                  <c:v>Алгоритм Джонсона</c:v>
+                </c:pt>
+                <c:pt idx="3">
+                  <c:v>Алгоритм Беллмана - Форда</c:v>
+                </c:pt>
+              </c:strCache>
+            </c:strRef>
+          </c:cat>
+          <c:val>
+            <c:numRef>
+              <c:f>Лист1!$B$2:$B$5</c:f>
+              <c:numCache>
+                <c:formatCode>General</c:formatCode>
+                <c:ptCount val="4"/>
+                <c:pt idx="0">
+                  <c:v>5</c:v>
+                </c:pt>
+                <c:pt idx="1">
+                  <c:v>8</c:v>
+                </c:pt>
+                <c:pt idx="2">
+                  <c:v>5</c:v>
+                </c:pt>
+                <c:pt idx="3">
+                  <c:v>5</c:v>
+                </c:pt>
+              </c:numCache>
+            </c:numRef>
+          </c:val>
+        </c:ser>
+        <c:dLbls>
+          <c:showLegendKey val="0"/>
+          <c:showVal val="0"/>
+          <c:showCatName val="0"/>
+          <c:showSerName val="0"/>
+          <c:showPercent val="0"/>
+          <c:showBubbleSize val="0"/>
+        </c:dLbls>
+        <c:gapWidth val="219"/>
+        <c:overlap val="-27"/>
+        <c:axId val="272671520"/>
+        <c:axId val="364199552"/>
+      </c:barChart>
+      <c:catAx>
+        <c:axId val="272671520"/>
+        <c:scaling>
+          <c:orientation val="minMax"/>
+        </c:scaling>
+        <c:delete val="0"/>
+        <c:axPos val="b"/>
+        <c:numFmt formatCode="General" sourceLinked="1"/>
+        <c:majorTickMark val="none"/>
+        <c:minorTickMark val="none"/>
+        <c:tickLblPos val="nextTo"/>
+        <c:spPr>
+          <a:noFill/>
+          <a:ln w="9525" cap="flat" cmpd="sng" algn="ctr">
+            <a:solidFill>
+              <a:schemeClr val="tx1">
+                <a:lumMod val="15000"/>
+                <a:lumOff val="85000"/>
+              </a:schemeClr>
+            </a:solidFill>
+            <a:round/>
+          </a:ln>
+          <a:effectLst/>
+        </c:spPr>
+        <c:txPr>
+          <a:bodyPr rot="-60000000" spcFirstLastPara="1" vertOverflow="ellipsis" vert="horz" wrap="square" anchor="ctr" anchorCtr="1"/>
+          <a:lstStyle/>
+          <a:p>
+            <a:pPr>
+              <a:defRPr sz="1197" b="0" i="0" u="none" strike="noStrike" kern="1200" baseline="0">
+                <a:solidFill>
+                  <a:schemeClr val="tx1">
+                    <a:lumMod val="65000"/>
+                    <a:lumOff val="35000"/>
+                  </a:schemeClr>
+                </a:solidFill>
+                <a:latin typeface="+mn-lt"/>
+                <a:ea typeface="+mn-ea"/>
+                <a:cs typeface="+mn-cs"/>
+              </a:defRPr>
+            </a:pPr>
+            <a:endParaRPr lang="ru-RU"/>
+          </a:p>
+        </c:txPr>
+        <c:crossAx val="364199552"/>
+        <c:crosses val="autoZero"/>
+        <c:auto val="1"/>
+        <c:lblAlgn val="ctr"/>
+        <c:lblOffset val="100"/>
+        <c:noMultiLvlLbl val="0"/>
+      </c:catAx>
+      <c:valAx>
+        <c:axId val="364199552"/>
+        <c:scaling>
+          <c:orientation val="minMax"/>
+        </c:scaling>
+        <c:delete val="0"/>
+        <c:axPos val="l"/>
+        <c:majorGridlines>
+          <c:spPr>
+            <a:ln w="9525" cap="flat" cmpd="sng" algn="ctr">
+              <a:solidFill>
+                <a:schemeClr val="tx1">
+                  <a:lumMod val="15000"/>
+                  <a:lumOff val="85000"/>
+                </a:schemeClr>
+              </a:solidFill>
+              <a:round/>
+            </a:ln>
+            <a:effectLst/>
+          </c:spPr>
+        </c:majorGridlines>
+        <c:numFmt formatCode="General" sourceLinked="1"/>
+        <c:majorTickMark val="none"/>
+        <c:minorTickMark val="none"/>
+        <c:tickLblPos val="nextTo"/>
+        <c:spPr>
+          <a:noFill/>
+          <a:ln>
+            <a:noFill/>
+          </a:ln>
+          <a:effectLst/>
+        </c:spPr>
+        <c:txPr>
+          <a:bodyPr rot="-60000000" spcFirstLastPara="1" vertOverflow="ellipsis" vert="horz" wrap="square" anchor="ctr" anchorCtr="1"/>
+          <a:lstStyle/>
+          <a:p>
+            <a:pPr>
+              <a:defRPr sz="1197" b="0" i="0" u="none" strike="noStrike" kern="1200" baseline="0">
+                <a:solidFill>
+                  <a:schemeClr val="tx1">
+                    <a:lumMod val="65000"/>
+                    <a:lumOff val="35000"/>
+                  </a:schemeClr>
+                </a:solidFill>
+                <a:latin typeface="+mn-lt"/>
+                <a:ea typeface="+mn-ea"/>
+                <a:cs typeface="+mn-cs"/>
+              </a:defRPr>
+            </a:pPr>
+            <a:endParaRPr lang="ru-RU"/>
+          </a:p>
+        </c:txPr>
+        <c:crossAx val="272671520"/>
+        <c:crosses val="autoZero"/>
+        <c:crossBetween val="between"/>
+      </c:valAx>
+      <c:spPr>
+        <a:noFill/>
+        <a:ln>
+          <a:noFill/>
+        </a:ln>
+        <a:effectLst/>
+      </c:spPr>
+    </c:plotArea>
+    <c:legend>
+      <c:legendPos val="b"/>
+      <c:layout/>
+      <c:overlay val="0"/>
+      <c:spPr>
+        <a:noFill/>
+        <a:ln>
+          <a:noFill/>
+        </a:ln>
+        <a:effectLst/>
+      </c:spPr>
+      <c:txPr>
+        <a:bodyPr rot="0" spcFirstLastPara="1" vertOverflow="ellipsis" vert="horz" wrap="square" anchor="ctr" anchorCtr="1"/>
+        <a:lstStyle/>
+        <a:p>
+          <a:pPr>
+            <a:defRPr sz="1197" b="0" i="0" u="none" strike="noStrike" kern="1200" baseline="0">
+              <a:solidFill>
+                <a:schemeClr val="tx1">
+                  <a:lumMod val="65000"/>
+                  <a:lumOff val="35000"/>
+                </a:schemeClr>
+              </a:solidFill>
+              <a:latin typeface="+mn-lt"/>
+              <a:ea typeface="+mn-ea"/>
+              <a:cs typeface="+mn-cs"/>
+            </a:defRPr>
+          </a:pPr>
+          <a:endParaRPr lang="ru-RU"/>
+        </a:p>
+      </c:txPr>
+    </c:legend>
+    <c:plotVisOnly val="1"/>
+    <c:dispBlanksAs val="gap"/>
+    <c:showDLblsOverMax val="0"/>
+  </c:chart>
+  <c:spPr>
+    <a:noFill/>
+    <a:ln>
+      <a:noFill/>
+    </a:ln>
+    <a:effectLst/>
+  </c:spPr>
+  <c:txPr>
+    <a:bodyPr/>
+    <a:lstStyle/>
+    <a:p>
+      <a:pPr>
+        <a:defRPr/>
+      </a:pPr>
+      <a:endParaRPr lang="ru-RU"/>
+    </a:p>
+  </c:txPr>
+  <c:externalData r:id="rId3">
+    <c:autoUpdate val="0"/>
+  </c:externalData>
+</c:chartSpace>
+</file>
+
+<file path=ppt/charts/colors1.xml><?xml version="1.0" encoding="utf-8"?>
+<cs:colorStyle xmlns:cs="http://schemas.microsoft.com/office/drawing/2012/chartStyle" xmlns:a="http://schemas.openxmlformats.org/drawingml/2006/main" meth="cycle" id="10">
+  <a:schemeClr val="accent1"/>
+  <a:schemeClr val="accent2"/>
+  <a:schemeClr val="accent3"/>
+  <a:schemeClr val="accent4"/>
+  <a:schemeClr val="accent5"/>
+  <a:schemeClr val="accent6"/>
+  <cs:variation/>
+  <cs:variation>
+    <a:lumMod val="60000"/>
+  </cs:variation>
+  <cs:variation>
+    <a:lumMod val="80000"/>
+    <a:lumOff val="20000"/>
+  </cs:variation>
+  <cs:variation>
+    <a:lumMod val="80000"/>
+  </cs:variation>
+  <cs:variation>
+    <a:lumMod val="60000"/>
+    <a:lumOff val="40000"/>
+  </cs:variation>
+  <cs:variation>
+    <a:lumMod val="50000"/>
+  </cs:variation>
+  <cs:variation>
+    <a:lumMod val="70000"/>
+    <a:lumOff val="30000"/>
+  </cs:variation>
+  <cs:variation>
+    <a:lumMod val="70000"/>
+  </cs:variation>
+  <cs:variation>
+    <a:lumMod val="50000"/>
+    <a:lumOff val="50000"/>
+  </cs:variation>
+</cs:colorStyle>
+</file>
+
+<file path=ppt/charts/colors2.xml><?xml version="1.0" encoding="utf-8"?>
+<cs:colorStyle xmlns:cs="http://schemas.microsoft.com/office/drawing/2012/chartStyle" xmlns:a="http://schemas.openxmlformats.org/drawingml/2006/main" meth="cycle" id="10">
+  <a:schemeClr val="accent1"/>
+  <a:schemeClr val="accent2"/>
+  <a:schemeClr val="accent3"/>
+  <a:schemeClr val="accent4"/>
+  <a:schemeClr val="accent5"/>
+  <a:schemeClr val="accent6"/>
+  <cs:variation/>
+  <cs:variation>
+    <a:lumMod val="60000"/>
+  </cs:variation>
+  <cs:variation>
+    <a:lumMod val="80000"/>
+    <a:lumOff val="20000"/>
+  </cs:variation>
+  <cs:variation>
+    <a:lumMod val="80000"/>
+  </cs:variation>
+  <cs:variation>
+    <a:lumMod val="60000"/>
+    <a:lumOff val="40000"/>
+  </cs:variation>
+  <cs:variation>
+    <a:lumMod val="50000"/>
+  </cs:variation>
+  <cs:variation>
+    <a:lumMod val="70000"/>
+    <a:lumOff val="30000"/>
+  </cs:variation>
+  <cs:variation>
+    <a:lumMod val="70000"/>
+  </cs:variation>
+  <cs:variation>
+    <a:lumMod val="50000"/>
+    <a:lumOff val="50000"/>
+  </cs:variation>
+</cs:colorStyle>
+</file>
+
+<file path=ppt/charts/colors3.xml><?xml version="1.0" encoding="utf-8"?>
+<cs:colorStyle xmlns:cs="http://schemas.microsoft.com/office/drawing/2012/chartStyle" xmlns:a="http://schemas.openxmlformats.org/drawingml/2006/main" meth="cycle" id="10">
+  <a:schemeClr val="accent1"/>
+  <a:schemeClr val="accent2"/>
+  <a:schemeClr val="accent3"/>
+  <a:schemeClr val="accent4"/>
+  <a:schemeClr val="accent5"/>
+  <a:schemeClr val="accent6"/>
+  <cs:variation/>
+  <cs:variation>
+    <a:lumMod val="60000"/>
+  </cs:variation>
+  <cs:variation>
+    <a:lumMod val="80000"/>
+    <a:lumOff val="20000"/>
+  </cs:variation>
+  <cs:variation>
+    <a:lumMod val="80000"/>
+  </cs:variation>
+  <cs:variation>
+    <a:lumMod val="60000"/>
+    <a:lumOff val="40000"/>
+  </cs:variation>
+  <cs:variation>
+    <a:lumMod val="50000"/>
+  </cs:variation>
+  <cs:variation>
+    <a:lumMod val="70000"/>
+    <a:lumOff val="30000"/>
+  </cs:variation>
+  <cs:variation>
+    <a:lumMod val="70000"/>
+  </cs:variation>
+  <cs:variation>
+    <a:lumMod val="50000"/>
+    <a:lumOff val="50000"/>
+  </cs:variation>
+</cs:colorStyle>
+</file>
+
+<file path=ppt/charts/colors4.xml><?xml version="1.0" encoding="utf-8"?>
+<cs:colorStyle xmlns:cs="http://schemas.microsoft.com/office/drawing/2012/chartStyle" xmlns:a="http://schemas.openxmlformats.org/drawingml/2006/main" meth="cycle" id="10">
+  <a:schemeClr val="accent1"/>
+  <a:schemeClr val="accent2"/>
+  <a:schemeClr val="accent3"/>
+  <a:schemeClr val="accent4"/>
+  <a:schemeClr val="accent5"/>
+  <a:schemeClr val="accent6"/>
+  <cs:variation/>
+  <cs:variation>
+    <a:lumMod val="60000"/>
+  </cs:variation>
+  <cs:variation>
+    <a:lumMod val="80000"/>
+    <a:lumOff val="20000"/>
+  </cs:variation>
+  <cs:variation>
+    <a:lumMod val="80000"/>
+  </cs:variation>
+  <cs:variation>
+    <a:lumMod val="60000"/>
+    <a:lumOff val="40000"/>
+  </cs:variation>
+  <cs:variation>
+    <a:lumMod val="50000"/>
+  </cs:variation>
+  <cs:variation>
+    <a:lumMod val="70000"/>
+    <a:lumOff val="30000"/>
+  </cs:variation>
+  <cs:variation>
+    <a:lumMod val="70000"/>
+  </cs:variation>
+  <cs:variation>
+    <a:lumMod val="50000"/>
+    <a:lumOff val="50000"/>
+  </cs:variation>
+</cs:colorStyle>
+</file>
+
+<file path=ppt/charts/colors5.xml><?xml version="1.0" encoding="utf-8"?>
+<cs:colorStyle xmlns:cs="http://schemas.microsoft.com/office/drawing/2012/chartStyle" xmlns:a="http://schemas.openxmlformats.org/drawingml/2006/main" meth="cycle" id="10">
+  <a:schemeClr val="accent1"/>
+  <a:schemeClr val="accent2"/>
+  <a:schemeClr val="accent3"/>
+  <a:schemeClr val="accent4"/>
+  <a:schemeClr val="accent5"/>
+  <a:schemeClr val="accent6"/>
+  <cs:variation/>
+  <cs:variation>
+    <a:lumMod val="60000"/>
+  </cs:variation>
+  <cs:variation>
+    <a:lumMod val="80000"/>
+    <a:lumOff val="20000"/>
+  </cs:variation>
+  <cs:variation>
+    <a:lumMod val="80000"/>
+  </cs:variation>
+  <cs:variation>
+    <a:lumMod val="60000"/>
+    <a:lumOff val="40000"/>
+  </cs:variation>
+  <cs:variation>
+    <a:lumMod val="50000"/>
+  </cs:variation>
+  <cs:variation>
+    <a:lumMod val="70000"/>
+    <a:lumOff val="30000"/>
+  </cs:variation>
+  <cs:variation>
+    <a:lumMod val="70000"/>
+  </cs:variation>
+  <cs:variation>
+    <a:lumMod val="50000"/>
+    <a:lumOff val="50000"/>
+  </cs:variation>
+</cs:colorStyle>
+</file>
+
+<file path=ppt/charts/colors6.xml><?xml version="1.0" encoding="utf-8"?>
+<cs:colorStyle xmlns:cs="http://schemas.microsoft.com/office/drawing/2012/chartStyle" xmlns:a="http://schemas.openxmlformats.org/drawingml/2006/main" meth="cycle" id="10">
+  <a:schemeClr val="accent1"/>
+  <a:schemeClr val="accent2"/>
+  <a:schemeClr val="accent3"/>
+  <a:schemeClr val="accent4"/>
+  <a:schemeClr val="accent5"/>
+  <a:schemeClr val="accent6"/>
+  <cs:variation/>
+  <cs:variation>
+    <a:lumMod val="60000"/>
+  </cs:variation>
+  <cs:variation>
+    <a:lumMod val="80000"/>
+    <a:lumOff val="20000"/>
+  </cs:variation>
+  <cs:variation>
+    <a:lumMod val="80000"/>
+  </cs:variation>
+  <cs:variation>
+    <a:lumMod val="60000"/>
+    <a:lumOff val="40000"/>
+  </cs:variation>
+  <cs:variation>
+    <a:lumMod val="50000"/>
+  </cs:variation>
+  <cs:variation>
+    <a:lumMod val="70000"/>
+    <a:lumOff val="30000"/>
+  </cs:variation>
+  <cs:variation>
+    <a:lumMod val="70000"/>
+  </cs:variation>
+  <cs:variation>
+    <a:lumMod val="50000"/>
+    <a:lumOff val="50000"/>
+  </cs:variation>
+</cs:colorStyle>
+</file>
+
+<file path=ppt/charts/colors7.xml><?xml version="1.0" encoding="utf-8"?>
+<cs:colorStyle xmlns:cs="http://schemas.microsoft.com/office/drawing/2012/chartStyle" xmlns:a="http://schemas.openxmlformats.org/drawingml/2006/main" meth="cycle" id="10">
+  <a:schemeClr val="accent1"/>
+  <a:schemeClr val="accent2"/>
+  <a:schemeClr val="accent3"/>
+  <a:schemeClr val="accent4"/>
+  <a:schemeClr val="accent5"/>
+  <a:schemeClr val="accent6"/>
+  <cs:variation/>
+  <cs:variation>
+    <a:lumMod val="60000"/>
+  </cs:variation>
+  <cs:variation>
+    <a:lumMod val="80000"/>
+    <a:lumOff val="20000"/>
+  </cs:variation>
+  <cs:variation>
+    <a:lumMod val="80000"/>
+  </cs:variation>
+  <cs:variation>
+    <a:lumMod val="60000"/>
+    <a:lumOff val="40000"/>
+  </cs:variation>
+  <cs:variation>
+    <a:lumMod val="50000"/>
+  </cs:variation>
+  <cs:variation>
+    <a:lumMod val="70000"/>
+    <a:lumOff val="30000"/>
+  </cs:variation>
+  <cs:variation>
+    <a:lumMod val="70000"/>
+  </cs:variation>
+  <cs:variation>
+    <a:lumMod val="50000"/>
+    <a:lumOff val="50000"/>
+  </cs:variation>
+</cs:colorStyle>
+</file>
+
+<file path=ppt/charts/style1.xml><?xml version="1.0" encoding="utf-8"?>
+<cs:chartStyle xmlns:cs="http://schemas.microsoft.com/office/drawing/2012/chartStyle" xmlns:a="http://schemas.openxmlformats.org/drawingml/2006/main" id="227">
+  <cs:axisTitle>
+    <cs:lnRef idx="0"/>
+    <cs:fillRef idx="0"/>
+    <cs:effectRef idx="0"/>
+    <cs:fontRef idx="minor">
+      <a:schemeClr val="tx1">
+        <a:lumMod val="65000"/>
+        <a:lumOff val="35000"/>
+      </a:schemeClr>
+    </cs:fontRef>
+    <cs:defRPr sz="1330" kern="1200"/>
+  </cs:axisTitle>
+  <cs:categoryAxis>
+    <cs:lnRef idx="0"/>
+    <cs:fillRef idx="0"/>
+    <cs:effectRef idx="0"/>
+    <cs:fontRef idx="minor">
+      <a:schemeClr val="tx1">
+        <a:lumMod val="65000"/>
+        <a:lumOff val="35000"/>
+      </a:schemeClr>
+    </cs:fontRef>
+    <cs:spPr>
+      <a:ln w="9525" cap="flat" cmpd="sng" algn="ctr">
+        <a:solidFill>
+          <a:schemeClr val="tx1">
+            <a:lumMod val="15000"/>
+            <a:lumOff val="85000"/>
+          </a:schemeClr>
+        </a:solidFill>
+        <a:round/>
+      </a:ln>
+    </cs:spPr>
+    <cs:defRPr sz="1197" kern="1200"/>
+  </cs:categoryAxis>
+  <cs:chartArea mods="allowNoFillOverride allowNoLineOverride">
+    <cs:lnRef idx="0"/>
+    <cs:fillRef idx="0"/>
+    <cs:effectRef idx="0"/>
+    <cs:fontRef idx="minor">
+      <a:schemeClr val="tx1"/>
+    </cs:fontRef>
+    <cs:spPr>
+      <a:solidFill>
+        <a:schemeClr val="bg1"/>
+      </a:solidFill>
+      <a:ln w="9525" cap="flat" cmpd="sng" algn="ctr">
+        <a:solidFill>
+          <a:schemeClr val="tx1">
+            <a:lumMod val="15000"/>
+            <a:lumOff val="85000"/>
+          </a:schemeClr>
+        </a:solidFill>
+        <a:round/>
+      </a:ln>
+    </cs:spPr>
+    <cs:defRPr sz="1330" kern="1200"/>
+  </cs:chartArea>
+  <cs:dataLabel>
+    <cs:lnRef idx="0"/>
+    <cs:fillRef idx="0"/>
+    <cs:effectRef idx="0"/>
+    <cs:fontRef idx="minor">
+      <a:schemeClr val="tx1">
+        <a:lumMod val="75000"/>
+        <a:lumOff val="25000"/>
+      </a:schemeClr>
+    </cs:fontRef>
+    <cs:defRPr sz="1197" kern="1200"/>
+  </cs:dataLabel>
+  <cs:dataLabelCallout>
+    <cs:lnRef idx="0"/>
+    <cs:fillRef idx="0"/>
+    <cs:effectRef idx="0"/>
+    <cs:fontRef idx="minor">
+      <a:schemeClr val="dk1">
+        <a:lumMod val="65000"/>
+        <a:lumOff val="35000"/>
+      </a:schemeClr>
+    </cs:fontRef>
+    <cs:spPr>
+      <a:solidFill>
+        <a:schemeClr val="lt1"/>
+      </a:solidFill>
+      <a:ln>
+        <a:solidFill>
+          <a:schemeClr val="dk1">
+            <a:lumMod val="25000"/>
+            <a:lumOff val="75000"/>
+          </a:schemeClr>
+        </a:solidFill>
+      </a:ln>
+    </cs:spPr>
+    <cs:defRPr sz="1197" kern="1200"/>
+    <cs:bodyPr rot="0" spcFirstLastPara="1" vertOverflow="clip" horzOverflow="clip" vert="horz" wrap="square" lIns="36576" tIns="18288" rIns="36576" bIns="18288" anchor="ctr" anchorCtr="1">
+      <a:spAutoFit/>
+    </cs:bodyPr>
+  </cs:dataLabelCallout>
+  <cs:dataPoint>
+    <cs:lnRef idx="0"/>
+    <cs:fillRef idx="1">
+      <cs:styleClr val="auto"/>
+    </cs:fillRef>
+    <cs:effectRef idx="0"/>
+    <cs:fontRef idx="minor">
+      <a:schemeClr val="tx1"/>
+    </cs:fontRef>
+    <cs:spPr>
+      <a:solidFill>
+        <a:schemeClr val="phClr"/>
+      </a:solidFill>
+    </cs:spPr>
+  </cs:dataPoint>
+  <cs:dataPoint3D>
+    <cs:lnRef idx="0"/>
+    <cs:fillRef idx="1">
+      <cs:styleClr val="auto"/>
+    </cs:fillRef>
+    <cs:effectRef idx="0"/>
+    <cs:fontRef idx="minor">
+      <a:schemeClr val="tx1"/>
+    </cs:fontRef>
+    <cs:spPr>
+      <a:solidFill>
+        <a:schemeClr val="phClr"/>
+      </a:solidFill>
+    </cs:spPr>
+  </cs:dataPoint3D>
+  <cs:dataPointLine>
+    <cs:lnRef idx="0">
+      <cs:styleClr val="auto"/>
+    </cs:lnRef>
+    <cs:fillRef idx="1"/>
+    <cs:effectRef idx="0"/>
+    <cs:fontRef idx="minor">
+      <a:schemeClr val="tx1"/>
+    </cs:fontRef>
+    <cs:spPr>
+      <a:ln w="28575" cap="rnd">
+        <a:solidFill>
+          <a:schemeClr val="phClr"/>
+        </a:solidFill>
+        <a:round/>
+      </a:ln>
+    </cs:spPr>
+  </cs:dataPointLine>
+  <cs:dataPointMarker>
+    <cs:lnRef idx="0">
+      <cs:styleClr val="auto"/>
+    </cs:lnRef>
+    <cs:fillRef idx="1">
+      <cs:styleClr val="auto"/>
+    </cs:fillRef>
+    <cs:effectRef idx="0"/>
+    <cs:fontRef idx="minor">
+      <a:schemeClr val="tx1"/>
+    </cs:fontRef>
+    <cs:spPr>
+      <a:solidFill>
+        <a:schemeClr val="phClr"/>
+      </a:solidFill>
+      <a:ln w="9525">
+        <a:solidFill>
+          <a:schemeClr val="phClr"/>
+        </a:solidFill>
+      </a:ln>
+    </cs:spPr>
+  </cs:dataPointMarker>
+  <cs:dataPointMarkerLayout symbol="circle" size="5"/>
+  <cs:dataPointWireframe>
+    <cs:lnRef idx="0">
+      <cs:styleClr val="auto"/>
+    </cs:lnRef>
+    <cs:fillRef idx="1"/>
+    <cs:effectRef idx="0"/>
+    <cs:fontRef idx="minor">
+      <a:schemeClr val="tx1"/>
+    </cs:fontRef>
+    <cs:spPr>
+      <a:ln w="9525" cap="rnd">
+        <a:solidFill>
+          <a:schemeClr val="phClr"/>
+        </a:solidFill>
+        <a:round/>
+      </a:ln>
+    </cs:spPr>
+  </cs:dataPointWireframe>
+  <cs:dataTable>
+    <cs:lnRef idx="0"/>
+    <cs:fillRef idx="0"/>
+    <cs:effectRef idx="0"/>
+    <cs:fontRef idx="minor">
+      <a:schemeClr val="tx1">
+        <a:lumMod val="65000"/>
+        <a:lumOff val="35000"/>
+      </a:schemeClr>
+    </cs:fontRef>
+    <cs:spPr>
+      <a:noFill/>
+      <a:ln w="9525" cap="flat" cmpd="sng" algn="ctr">
+        <a:solidFill>
+          <a:schemeClr val="tx1">
+            <a:lumMod val="15000"/>
+            <a:lumOff val="85000"/>
+          </a:schemeClr>
+        </a:solidFill>
+        <a:round/>
+      </a:ln>
+    </cs:spPr>
+    <cs:defRPr sz="1197" kern="1200"/>
+  </cs:dataTable>
+  <cs:downBar>
+    <cs:lnRef idx="0"/>
+    <cs:fillRef idx="0"/>
+    <cs:effectRef idx="0"/>
+    <cs:fontRef idx="minor">
+      <a:schemeClr val="dk1"/>
+    </cs:fontRef>
+    <cs:spPr>
+      <a:solidFill>
+        <a:schemeClr val="dk1">
+          <a:lumMod val="65000"/>
+          <a:lumOff val="35000"/>
+        </a:schemeClr>
+      </a:solidFill>
+      <a:ln w="9525">
+        <a:solidFill>
+          <a:schemeClr val="tx1">
+            <a:lumMod val="65000"/>
+            <a:lumOff val="35000"/>
+          </a:schemeClr>
+        </a:solidFill>
+      </a:ln>
+    </cs:spPr>
+  </cs:downBar>
+  <cs:dropLine>
+    <cs:lnRef idx="0"/>
+    <cs:fillRef idx="0"/>
+    <cs:effectRef idx="0"/>
+    <cs:fontRef idx="minor">
+      <a:schemeClr val="tx1"/>
+    </cs:fontRef>
+    <cs:spPr>
+      <a:ln w="9525" cap="flat" cmpd="sng" algn="ctr">
+        <a:solidFill>
+          <a:schemeClr val="tx1">
+            <a:lumMod val="35000"/>
+            <a:lumOff val="65000"/>
+          </a:schemeClr>
+        </a:solidFill>
+        <a:round/>
+      </a:ln>
+    </cs:spPr>
+  </cs:dropLine>
+  <cs:errorBar>
+    <cs:lnRef idx="0"/>
+    <cs:fillRef idx="0"/>
+    <cs:effectRef idx="0"/>
+    <cs:fontRef idx="minor">
+      <a:schemeClr val="tx1"/>
+    </cs:fontRef>
+    <cs:spPr>
+      <a:ln w="9525" cap="flat" cmpd="sng" algn="ctr">
+        <a:solidFill>
+          <a:schemeClr val="tx1">
+            <a:lumMod val="65000"/>
+            <a:lumOff val="35000"/>
+          </a:schemeClr>
+        </a:solidFill>
+        <a:round/>
+      </a:ln>
+    </cs:spPr>
+  </cs:errorBar>
+  <cs:floor>
+    <cs:lnRef idx="0"/>
+    <cs:fillRef idx="0"/>
+    <cs:effectRef idx="0"/>
+    <cs:fontRef idx="minor">
+      <a:schemeClr val="tx1"/>
+    </cs:fontRef>
+    <cs:spPr>
+      <a:noFill/>
+      <a:ln>
+        <a:noFill/>
+      </a:ln>
+    </cs:spPr>
+  </cs:floor>
+  <cs:gridlineMajor>
+    <cs:lnRef idx="0"/>
+    <cs:fillRef idx="0"/>
+    <cs:effectRef idx="0"/>
+    <cs:fontRef idx="minor">
+      <a:schemeClr val="tx1"/>
+    </cs:fontRef>
+    <cs:spPr>
+      <a:ln w="9525" cap="flat" cmpd="sng" algn="ctr">
+        <a:solidFill>
+          <a:schemeClr val="tx1">
+            <a:lumMod val="15000"/>
+            <a:lumOff val="85000"/>
+          </a:schemeClr>
+        </a:solidFill>
+        <a:round/>
+      </a:ln>
+    </cs:spPr>
+  </cs:gridlineMajor>
+  <cs:gridlineMinor>
+    <cs:lnRef idx="0"/>
+    <cs:fillRef idx="0"/>
+    <cs:effectRef idx="0"/>
+    <cs:fontRef idx="minor">
+      <a:schemeClr val="tx1"/>
+    </cs:fontRef>
+    <cs:spPr>
+      <a:ln w="9525" cap="flat" cmpd="sng" algn="ctr">
+        <a:solidFill>
+          <a:schemeClr val="tx1">
+            <a:lumMod val="5000"/>
+            <a:lumOff val="95000"/>
+          </a:schemeClr>
+        </a:solidFill>
+        <a:round/>
+      </a:ln>
+    </cs:spPr>
+  </cs:gridlineMinor>
+  <cs:hiLoLine>
+    <cs:lnRef idx="0"/>
+    <cs:fillRef idx="0"/>
+    <cs:effectRef idx="0"/>
+    <cs:fontRef idx="minor">
+      <a:schemeClr val="tx1"/>
+    </cs:fontRef>
+    <cs:spPr>
+      <a:ln w="9525" cap="flat" cmpd="sng" algn="ctr">
+        <a:solidFill>
+          <a:schemeClr val="tx1">
+            <a:lumMod val="75000"/>
+            <a:lumOff val="25000"/>
+          </a:schemeClr>
+        </a:solidFill>
+        <a:round/>
+      </a:ln>
+    </cs:spPr>
+  </cs:hiLoLine>
+  <cs:leaderLine>
+    <cs:lnRef idx="0"/>
+    <cs:fillRef idx="0"/>
+    <cs:effectRef idx="0"/>
+    <cs:fontRef idx="minor">
+      <a:schemeClr val="tx1"/>
+    </cs:fontRef>
+    <cs:spPr>
+      <a:ln w="9525" cap="flat" cmpd="sng" algn="ctr">
+        <a:solidFill>
+          <a:schemeClr val="tx1">
+            <a:lumMod val="35000"/>
+            <a:lumOff val="65000"/>
+          </a:schemeClr>
+        </a:solidFill>
+        <a:round/>
+      </a:ln>
+    </cs:spPr>
+  </cs:leaderLine>
+  <cs:legend>
+    <cs:lnRef idx="0"/>
+    <cs:fillRef idx="0"/>
+    <cs:effectRef idx="0"/>
+    <cs:fontRef idx="minor">
+      <a:schemeClr val="tx1">
+        <a:lumMod val="65000"/>
+        <a:lumOff val="35000"/>
+      </a:schemeClr>
+    </cs:fontRef>
+    <cs:defRPr sz="1197" kern="1200"/>
+  </cs:legend>
+  <cs:plotArea mods="allowNoFillOverride allowNoLineOverride">
+    <cs:lnRef idx="0"/>
+    <cs:fillRef idx="0"/>
+    <cs:effectRef idx="0"/>
+    <cs:fontRef idx="minor">
+      <a:schemeClr val="tx1"/>
+    </cs:fontRef>
+  </cs:plotArea>
+  <cs:plotArea3D mods="allowNoFillOverride allowNoLineOverride">
+    <cs:lnRef idx="0"/>
+    <cs:fillRef idx="0"/>
+    <cs:effectRef idx="0"/>
+    <cs:fontRef idx="minor">
+      <a:schemeClr val="tx1"/>
+    </cs:fontRef>
+  </cs:plotArea3D>
+  <cs:seriesAxis>
+    <cs:lnRef idx="0"/>
+    <cs:fillRef idx="0"/>
+    <cs:effectRef idx="0"/>
+    <cs:fontRef idx="minor">
+      <a:schemeClr val="tx1">
+        <a:lumMod val="65000"/>
+        <a:lumOff val="35000"/>
+      </a:schemeClr>
+    </cs:fontRef>
+    <cs:defRPr sz="1197" kern="1200"/>
+  </cs:seriesAxis>
+  <cs:seriesLine>
+    <cs:lnRef idx="0"/>
+    <cs:fillRef idx="0"/>
+    <cs:effectRef idx="0"/>
+    <cs:fontRef idx="minor">
+      <a:schemeClr val="tx1"/>
+    </cs:fontRef>
+    <cs:spPr>
+      <a:ln w="9525" cap="flat" cmpd="sng" algn="ctr">
+        <a:solidFill>
+          <a:schemeClr val="tx1">
+            <a:lumMod val="35000"/>
+            <a:lumOff val="65000"/>
+          </a:schemeClr>
+        </a:solidFill>
+        <a:round/>
+      </a:ln>
+    </cs:spPr>
+  </cs:seriesLine>
+  <cs:title>
+    <cs:lnRef idx="0"/>
+    <cs:fillRef idx="0"/>
+    <cs:effectRef idx="0"/>
+    <cs:fontRef idx="minor">
+      <a:schemeClr val="tx1">
+        <a:lumMod val="65000"/>
+        <a:lumOff val="35000"/>
+      </a:schemeClr>
+    </cs:fontRef>
+    <cs:defRPr sz="1862" b="0" kern="1200" spc="0" baseline="0"/>
+  </cs:title>
+  <cs:trendline>
+    <cs:lnRef idx="0">
+      <cs:styleClr val="auto"/>
+    </cs:lnRef>
+    <cs:fillRef idx="0"/>
+    <cs:effectRef idx="0"/>
+    <cs:fontRef idx="minor">
+      <a:schemeClr val="tx1"/>
+    </cs:fontRef>
+    <cs:spPr>
+      <a:ln w="19050" cap="rnd">
+        <a:solidFill>
+          <a:schemeClr val="phClr"/>
+        </a:solidFill>
+        <a:prstDash val="sysDot"/>
+      </a:ln>
+    </cs:spPr>
+  </cs:trendline>
+  <cs:trendlineLabel>
+    <cs:lnRef idx="0"/>
+    <cs:fillRef idx="0"/>
+    <cs:effectRef idx="0"/>
+    <cs:fontRef idx="minor">
+      <a:schemeClr val="tx1">
+        <a:lumMod val="65000"/>
+        <a:lumOff val="35000"/>
+      </a:schemeClr>
+    </cs:fontRef>
+    <cs:defRPr sz="1197" kern="1200"/>
+  </cs:trendlineLabel>
+  <cs:upBar>
+    <cs:lnRef idx="0"/>
+    <cs:fillRef idx="0"/>
+    <cs:effectRef idx="0"/>
+    <cs:fontRef idx="minor">
+      <a:schemeClr val="dk1"/>
+    </cs:fontRef>
+    <cs:spPr>
+      <a:solidFill>
+        <a:schemeClr val="lt1"/>
+      </a:solidFill>
+      <a:ln w="9525">
+        <a:solidFill>
+          <a:schemeClr val="tx1">
+            <a:lumMod val="15000"/>
+            <a:lumOff val="85000"/>
+          </a:schemeClr>
+        </a:solidFill>
+      </a:ln>
+    </cs:spPr>
+  </cs:upBar>
+  <cs:valueAxis>
+    <cs:lnRef idx="0"/>
+    <cs:fillRef idx="0"/>
+    <cs:effectRef idx="0"/>
+    <cs:fontRef idx="minor">
+      <a:schemeClr val="tx1">
+        <a:lumMod val="65000"/>
+        <a:lumOff val="35000"/>
+      </a:schemeClr>
+    </cs:fontRef>
+    <cs:defRPr sz="1197" kern="1200"/>
+  </cs:valueAxis>
+  <cs:wall>
+    <cs:lnRef idx="0"/>
+    <cs:fillRef idx="0"/>
+    <cs:effectRef idx="0"/>
+    <cs:fontRef idx="minor">
+      <a:schemeClr val="tx1"/>
+    </cs:fontRef>
+    <cs:spPr>
+      <a:noFill/>
+      <a:ln>
+        <a:noFill/>
+      </a:ln>
+    </cs:spPr>
+  </cs:wall>
+</cs:chartStyle>
+</file>
+
+<file path=ppt/charts/style2.xml><?xml version="1.0" encoding="utf-8"?>
+<cs:chartStyle xmlns:cs="http://schemas.microsoft.com/office/drawing/2012/chartStyle" xmlns:a="http://schemas.openxmlformats.org/drawingml/2006/main" id="201">
+  <cs:axisTitle>
+    <cs:lnRef idx="0"/>
+    <cs:fillRef idx="0"/>
+    <cs:effectRef idx="0"/>
+    <cs:fontRef idx="minor">
+      <a:schemeClr val="tx1">
+        <a:lumMod val="65000"/>
+        <a:lumOff val="35000"/>
+      </a:schemeClr>
+    </cs:fontRef>
+    <cs:defRPr sz="1330" kern="1200"/>
+  </cs:axisTitle>
+  <cs:categoryAxis>
+    <cs:lnRef idx="0"/>
+    <cs:fillRef idx="0"/>
+    <cs:effectRef idx="0"/>
+    <cs:fontRef idx="minor">
+      <a:schemeClr val="tx1">
+        <a:lumMod val="65000"/>
+        <a:lumOff val="35000"/>
+      </a:schemeClr>
+    </cs:fontRef>
+    <cs:spPr>
+      <a:ln w="9525" cap="flat" cmpd="sng" algn="ctr">
+        <a:solidFill>
+          <a:schemeClr val="tx1">
+            <a:lumMod val="15000"/>
+            <a:lumOff val="85000"/>
+          </a:schemeClr>
+        </a:solidFill>
+        <a:round/>
+      </a:ln>
+    </cs:spPr>
+    <cs:defRPr sz="1197" kern="1200"/>
+  </cs:categoryAxis>
+  <cs:chartArea mods="allowNoFillOverride allowNoLineOverride">
+    <cs:lnRef idx="0"/>
+    <cs:fillRef idx="0"/>
+    <cs:effectRef idx="0"/>
+    <cs:fontRef idx="minor">
+      <a:schemeClr val="tx1"/>
+    </cs:fontRef>
+    <cs:spPr>
+      <a:solidFill>
+        <a:schemeClr val="bg1"/>
+      </a:solidFill>
+      <a:ln w="9525" cap="flat" cmpd="sng" algn="ctr">
+        <a:solidFill>
+          <a:schemeClr val="tx1">
+            <a:lumMod val="15000"/>
+            <a:lumOff val="85000"/>
+          </a:schemeClr>
+        </a:solidFill>
+        <a:round/>
+      </a:ln>
+    </cs:spPr>
+    <cs:defRPr sz="1330" kern="1200"/>
+  </cs:chartArea>
+  <cs:dataLabel>
+    <cs:lnRef idx="0"/>
+    <cs:fillRef idx="0"/>
+    <cs:effectRef idx="0"/>
+    <cs:fontRef idx="minor">
+      <a:schemeClr val="tx1">
+        <a:lumMod val="75000"/>
+        <a:lumOff val="25000"/>
+      </a:schemeClr>
+    </cs:fontRef>
+    <cs:defRPr sz="1197" kern="1200"/>
+  </cs:dataLabel>
+  <cs:dataLabelCallout>
+    <cs:lnRef idx="0"/>
+    <cs:fillRef idx="0"/>
+    <cs:effectRef idx="0"/>
+    <cs:fontRef idx="minor">
+      <a:schemeClr val="dk1">
+        <a:lumMod val="65000"/>
+        <a:lumOff val="35000"/>
+      </a:schemeClr>
+    </cs:fontRef>
+    <cs:spPr>
+      <a:solidFill>
+        <a:schemeClr val="lt1"/>
+      </a:solidFill>
+      <a:ln>
+        <a:solidFill>
+          <a:schemeClr val="dk1">
+            <a:lumMod val="25000"/>
+            <a:lumOff val="75000"/>
+          </a:schemeClr>
+        </a:solidFill>
+      </a:ln>
+    </cs:spPr>
+    <cs:defRPr sz="1197" kern="1200"/>
+    <cs:bodyPr rot="0" spcFirstLastPara="1" vertOverflow="clip" horzOverflow="clip" vert="horz" wrap="square" lIns="36576" tIns="18288" rIns="36576" bIns="18288" anchor="ctr" anchorCtr="1">
+      <a:spAutoFit/>
+    </cs:bodyPr>
+  </cs:dataLabelCallout>
+  <cs:dataPoint>
+    <cs:lnRef idx="0"/>
+    <cs:fillRef idx="1">
+      <cs:styleClr val="auto"/>
+    </cs:fillRef>
+    <cs:effectRef idx="0"/>
+    <cs:fontRef idx="minor">
+      <a:schemeClr val="tx1"/>
+    </cs:fontRef>
+  </cs:dataPoint>
+  <cs:dataPoint3D>
+    <cs:lnRef idx="0"/>
+    <cs:fillRef idx="1">
+      <cs:styleClr val="auto"/>
+    </cs:fillRef>
+    <cs:effectRef idx="0"/>
+    <cs:fontRef idx="minor">
+      <a:schemeClr val="tx1"/>
+    </cs:fontRef>
+  </cs:dataPoint3D>
+  <cs:dataPointLine>
+    <cs:lnRef idx="0">
+      <cs:styleClr val="auto"/>
+    </cs:lnRef>
+    <cs:fillRef idx="1"/>
+    <cs:effectRef idx="0"/>
+    <cs:fontRef idx="minor">
+      <a:schemeClr val="tx1"/>
+    </cs:fontRef>
+    <cs:spPr>
+      <a:ln w="28575" cap="rnd">
+        <a:solidFill>
+          <a:schemeClr val="phClr"/>
+        </a:solidFill>
+        <a:round/>
+      </a:ln>
+    </cs:spPr>
+  </cs:dataPointLine>
+  <cs:dataPointMarker>
+    <cs:lnRef idx="0">
+      <cs:styleClr val="auto"/>
+    </cs:lnRef>
+    <cs:fillRef idx="1">
+      <cs:styleClr val="auto"/>
+    </cs:fillRef>
+    <cs:effectRef idx="0"/>
+    <cs:fontRef idx="minor">
+      <a:schemeClr val="tx1"/>
+    </cs:fontRef>
+    <cs:spPr>
+      <a:ln w="9525">
+        <a:solidFill>
+          <a:schemeClr val="phClr"/>
+        </a:solidFill>
+      </a:ln>
+    </cs:spPr>
+  </cs:dataPointMarker>
+  <cs:dataPointMarkerLayout symbol="circle" size="5"/>
+  <cs:dataPointWireframe>
+    <cs:lnRef idx="0">
+      <cs:styleClr val="auto"/>
+    </cs:lnRef>
+    <cs:fillRef idx="1"/>
+    <cs:effectRef idx="0"/>
+    <cs:fontRef idx="minor">
+      <a:schemeClr val="tx1"/>
+    </cs:fontRef>
+    <cs:spPr>
+      <a:ln w="9525" cap="rnd">
+        <a:solidFill>
+          <a:schemeClr val="phClr"/>
+        </a:solidFill>
+        <a:round/>
+      </a:ln>
+    </cs:spPr>
+  </cs:dataPointWireframe>
+  <cs:dataTable>
+    <cs:lnRef idx="0"/>
+    <cs:fillRef idx="0"/>
+    <cs:effectRef idx="0"/>
+    <cs:fontRef idx="minor">
+      <a:schemeClr val="tx1">
+        <a:lumMod val="65000"/>
+        <a:lumOff val="35000"/>
+      </a:schemeClr>
+    </cs:fontRef>
+    <cs:spPr>
+      <a:noFill/>
+      <a:ln w="9525" cap="flat" cmpd="sng" algn="ctr">
+        <a:solidFill>
+          <a:schemeClr val="tx1">
+            <a:lumMod val="15000"/>
+            <a:lumOff val="85000"/>
+          </a:schemeClr>
+        </a:solidFill>
+        <a:round/>
+      </a:ln>
+    </cs:spPr>
+    <cs:defRPr sz="1197" kern="1200"/>
+  </cs:dataTable>
+  <cs:downBar>
+    <cs:lnRef idx="0"/>
+    <cs:fillRef idx="0"/>
+    <cs:effectRef idx="0"/>
+    <cs:fontRef idx="minor">
+      <a:schemeClr val="dk1"/>
+    </cs:fontRef>
+    <cs:spPr>
+      <a:solidFill>
+        <a:schemeClr val="dk1">
+          <a:lumMod val="65000"/>
+          <a:lumOff val="35000"/>
+        </a:schemeClr>
+      </a:solidFill>
+      <a:ln w="9525">
+        <a:solidFill>
+          <a:schemeClr val="tx1">
+            <a:lumMod val="65000"/>
+            <a:lumOff val="35000"/>
+          </a:schemeClr>
+        </a:solidFill>
+      </a:ln>
+    </cs:spPr>
+  </cs:downBar>
+  <cs:dropLine>
+    <cs:lnRef idx="0"/>
+    <cs:fillRef idx="0"/>
+    <cs:effectRef idx="0"/>
+    <cs:fontRef idx="minor">
+      <a:schemeClr val="tx1"/>
+    </cs:fontRef>
+    <cs:spPr>
+      <a:ln w="9525" cap="flat" cmpd="sng" algn="ctr">
+        <a:solidFill>
+          <a:schemeClr val="tx1">
+            <a:lumMod val="35000"/>
+            <a:lumOff val="65000"/>
+          </a:schemeClr>
+        </a:solidFill>
+        <a:round/>
+      </a:ln>
+    </cs:spPr>
+  </cs:dropLine>
+  <cs:errorBar>
+    <cs:lnRef idx="0"/>
+    <cs:fillRef idx="0"/>
+    <cs:effectRef idx="0"/>
+    <cs:fontRef idx="minor">
+      <a:schemeClr val="tx1"/>
+    </cs:fontRef>
+    <cs:spPr>
+      <a:ln w="9525" cap="flat" cmpd="sng" algn="ctr">
+        <a:solidFill>
+          <a:schemeClr val="tx1">
+            <a:lumMod val="65000"/>
+            <a:lumOff val="35000"/>
+          </a:schemeClr>
+        </a:solidFill>
+        <a:round/>
+      </a:ln>
+    </cs:spPr>
+  </cs:errorBar>
+  <cs:floor>
+    <cs:lnRef idx="0"/>
+    <cs:fillRef idx="0"/>
+    <cs:effectRef idx="0"/>
+    <cs:fontRef idx="minor">
+      <a:schemeClr val="tx1"/>
+    </cs:fontRef>
+    <cs:spPr>
+      <a:noFill/>
+      <a:ln>
+        <a:noFill/>
+      </a:ln>
+    </cs:spPr>
+  </cs:floor>
+  <cs:gridlineMajor>
+    <cs:lnRef idx="0"/>
+    <cs:fillRef idx="0"/>
+    <cs:effectRef idx="0"/>
+    <cs:fontRef idx="minor">
+      <a:schemeClr val="tx1"/>
+    </cs:fontRef>
+    <cs:spPr>
+      <a:ln w="9525" cap="flat" cmpd="sng" algn="ctr">
+        <a:solidFill>
+          <a:schemeClr val="tx1">
+            <a:lumMod val="15000"/>
+            <a:lumOff val="85000"/>
+          </a:schemeClr>
+        </a:solidFill>
+        <a:round/>
+      </a:ln>
+    </cs:spPr>
+  </cs:gridlineMajor>
+  <cs:gridlineMinor>
+    <cs:lnRef idx="0"/>
+    <cs:fillRef idx="0"/>
+    <cs:effectRef idx="0"/>
+    <cs:fontRef idx="minor">
+      <a:schemeClr val="tx1"/>
+    </cs:fontRef>
+    <cs:spPr>
+      <a:ln w="9525" cap="flat" cmpd="sng" algn="ctr">
+        <a:solidFill>
+          <a:schemeClr val="tx1">
+            <a:lumMod val="5000"/>
+            <a:lumOff val="95000"/>
+          </a:schemeClr>
+        </a:solidFill>
+        <a:round/>
+      </a:ln>
+    </cs:spPr>
+  </cs:gridlineMinor>
+  <cs:hiLoLine>
+    <cs:lnRef idx="0"/>
+    <cs:fillRef idx="0"/>
+    <cs:effectRef idx="0"/>
+    <cs:fontRef idx="minor">
+      <a:schemeClr val="tx1"/>
+    </cs:fontRef>
+    <cs:spPr>
+      <a:ln w="9525" cap="flat" cmpd="sng" algn="ctr">
+        <a:solidFill>
+          <a:schemeClr val="tx1">
+            <a:lumMod val="75000"/>
+            <a:lumOff val="25000"/>
+          </a:schemeClr>
+        </a:solidFill>
+        <a:round/>
+      </a:ln>
+    </cs:spPr>
+  </cs:hiLoLine>
+  <cs:leaderLine>
+    <cs:lnRef idx="0"/>
+    <cs:fillRef idx="0"/>
+    <cs:effectRef idx="0"/>
+    <cs:fontRef idx="minor">
+      <a:schemeClr val="tx1"/>
+    </cs:fontRef>
+    <cs:spPr>
+      <a:ln w="9525" cap="flat" cmpd="sng" algn="ctr">
+        <a:solidFill>
+          <a:schemeClr val="tx1">
+            <a:lumMod val="35000"/>
+            <a:lumOff val="65000"/>
+          </a:schemeClr>
+        </a:solidFill>
+        <a:round/>
+      </a:ln>
+    </cs:spPr>
+  </cs:leaderLine>
+  <cs:legend>
+    <cs:lnRef idx="0"/>
+    <cs:fillRef idx="0"/>
+    <cs:effectRef idx="0"/>
+    <cs:fontRef idx="minor">
+      <a:schemeClr val="tx1">
+        <a:lumMod val="65000"/>
+        <a:lumOff val="35000"/>
+      </a:schemeClr>
+    </cs:fontRef>
+    <cs:defRPr sz="1197" kern="1200"/>
+  </cs:legend>
+  <cs:plotArea mods="allowNoFillOverride allowNoLineOverride">
+    <cs:lnRef idx="0"/>
+    <cs:fillRef idx="0"/>
+    <cs:effectRef idx="0"/>
+    <cs:fontRef idx="minor">
+      <a:schemeClr val="tx1"/>
+    </cs:fontRef>
+  </cs:plotArea>
+  <cs:plotArea3D mods="allowNoFillOverride allowNoLineOverride">
+    <cs:lnRef idx="0"/>
+    <cs:fillRef idx="0"/>
+    <cs:effectRef idx="0"/>
+    <cs:fontRef idx="minor">
+      <a:schemeClr val="tx1"/>
+    </cs:fontRef>
+  </cs:plotArea3D>
+  <cs:seriesAxis>
+    <cs:lnRef idx="0"/>
+    <cs:fillRef idx="0"/>
+    <cs:effectRef idx="0"/>
+    <cs:fontRef idx="minor">
+      <a:schemeClr val="tx1">
+        <a:lumMod val="65000"/>
+        <a:lumOff val="35000"/>
+      </a:schemeClr>
+    </cs:fontRef>
+    <cs:defRPr sz="1197" kern="1200"/>
+  </cs:seriesAxis>
+  <cs:seriesLine>
+    <cs:lnRef idx="0"/>
+    <cs:fillRef idx="0"/>
+    <cs:effectRef idx="0"/>
+    <cs:fontRef idx="minor">
+      <a:schemeClr val="tx1"/>
+    </cs:fontRef>
+    <cs:spPr>
+      <a:ln w="9525" cap="flat" cmpd="sng" algn="ctr">
+        <a:solidFill>
+          <a:schemeClr val="tx1">
+            <a:lumMod val="35000"/>
+            <a:lumOff val="65000"/>
+          </a:schemeClr>
+        </a:solidFill>
+        <a:round/>
+      </a:ln>
+    </cs:spPr>
+  </cs:seriesLine>
+  <cs:title>
+    <cs:lnRef idx="0"/>
+    <cs:fillRef idx="0"/>
+    <cs:effectRef idx="0"/>
+    <cs:fontRef idx="minor">
+      <a:schemeClr val="tx1">
+        <a:lumMod val="65000"/>
+        <a:lumOff val="35000"/>
+      </a:schemeClr>
+    </cs:fontRef>
+    <cs:defRPr sz="1862" b="0" kern="1200" spc="0" baseline="0"/>
+  </cs:title>
+  <cs:trendline>
+    <cs:lnRef idx="0">
+      <cs:styleClr val="auto"/>
+    </cs:lnRef>
+    <cs:fillRef idx="0"/>
+    <cs:effectRef idx="0"/>
+    <cs:fontRef idx="minor">
+      <a:schemeClr val="tx1"/>
+    </cs:fontRef>
+    <cs:spPr>
+      <a:ln w="19050" cap="rnd">
+        <a:solidFill>
+          <a:schemeClr val="phClr"/>
+        </a:solidFill>
+        <a:prstDash val="sysDot"/>
+      </a:ln>
+    </cs:spPr>
+  </cs:trendline>
+  <cs:trendlineLabel>
+    <cs:lnRef idx="0"/>
+    <cs:fillRef idx="0"/>
+    <cs:effectRef idx="0"/>
+    <cs:fontRef idx="minor">
+      <a:schemeClr val="tx1">
+        <a:lumMod val="65000"/>
+        <a:lumOff val="35000"/>
+      </a:schemeClr>
+    </cs:fontRef>
+    <cs:defRPr sz="1197" kern="1200"/>
+  </cs:trendlineLabel>
+  <cs:upBar>
+    <cs:lnRef idx="0"/>
+    <cs:fillRef idx="0"/>
+    <cs:effectRef idx="0"/>
+    <cs:fontRef idx="minor">
+      <a:schemeClr val="dk1"/>
+    </cs:fontRef>
+    <cs:spPr>
+      <a:solidFill>
+        <a:schemeClr val="lt1"/>
+      </a:solidFill>
+      <a:ln w="9525">
+        <a:solidFill>
+          <a:schemeClr val="tx1">
+            <a:lumMod val="15000"/>
+            <a:lumOff val="85000"/>
+          </a:schemeClr>
+        </a:solidFill>
+      </a:ln>
+    </cs:spPr>
+  </cs:upBar>
+  <cs:valueAxis>
+    <cs:lnRef idx="0"/>
+    <cs:fillRef idx="0"/>
+    <cs:effectRef idx="0"/>
+    <cs:fontRef idx="minor">
+      <a:schemeClr val="tx1">
+        <a:lumMod val="65000"/>
+        <a:lumOff val="35000"/>
+      </a:schemeClr>
+    </cs:fontRef>
+    <cs:defRPr sz="1197" kern="1200"/>
+  </cs:valueAxis>
+  <cs:wall>
+    <cs:lnRef idx="0"/>
+    <cs:fillRef idx="0"/>
+    <cs:effectRef idx="0"/>
+    <cs:fontRef idx="minor">
+      <a:schemeClr val="tx1"/>
+    </cs:fontRef>
+    <cs:spPr>
+      <a:noFill/>
+      <a:ln>
+        <a:noFill/>
+      </a:ln>
+    </cs:spPr>
+  </cs:wall>
+</cs:chartStyle>
+</file>
+
+<file path=ppt/charts/style3.xml><?xml version="1.0" encoding="utf-8"?>
+<cs:chartStyle xmlns:cs="http://schemas.microsoft.com/office/drawing/2012/chartStyle" xmlns:a="http://schemas.openxmlformats.org/drawingml/2006/main" id="201">
+  <cs:axisTitle>
+    <cs:lnRef idx="0"/>
+    <cs:fillRef idx="0"/>
+    <cs:effectRef idx="0"/>
+    <cs:fontRef idx="minor">
+      <a:schemeClr val="tx1">
+        <a:lumMod val="65000"/>
+        <a:lumOff val="35000"/>
+      </a:schemeClr>
+    </cs:fontRef>
+    <cs:defRPr sz="1330" kern="1200"/>
+  </cs:axisTitle>
+  <cs:categoryAxis>
+    <cs:lnRef idx="0"/>
+    <cs:fillRef idx="0"/>
+    <cs:effectRef idx="0"/>
+    <cs:fontRef idx="minor">
+      <a:schemeClr val="tx1">
+        <a:lumMod val="65000"/>
+        <a:lumOff val="35000"/>
+      </a:schemeClr>
+    </cs:fontRef>
+    <cs:spPr>
+      <a:ln w="9525" cap="flat" cmpd="sng" algn="ctr">
+        <a:solidFill>
+          <a:schemeClr val="tx1">
+            <a:lumMod val="15000"/>
+            <a:lumOff val="85000"/>
+          </a:schemeClr>
+        </a:solidFill>
+        <a:round/>
+      </a:ln>
+    </cs:spPr>
+    <cs:defRPr sz="1197" kern="1200"/>
+  </cs:categoryAxis>
+  <cs:chartArea mods="allowNoFillOverride allowNoLineOverride">
+    <cs:lnRef idx="0"/>
+    <cs:fillRef idx="0"/>
+    <cs:effectRef idx="0"/>
+    <cs:fontRef idx="minor">
+      <a:schemeClr val="tx1"/>
+    </cs:fontRef>
+    <cs:spPr>
+      <a:solidFill>
+        <a:schemeClr val="bg1"/>
+      </a:solidFill>
+      <a:ln w="9525" cap="flat" cmpd="sng" algn="ctr">
+        <a:solidFill>
+          <a:schemeClr val="tx1">
+            <a:lumMod val="15000"/>
+            <a:lumOff val="85000"/>
+          </a:schemeClr>
+        </a:solidFill>
+        <a:round/>
+      </a:ln>
+    </cs:spPr>
+    <cs:defRPr sz="1330" kern="1200"/>
+  </cs:chartArea>
+  <cs:dataLabel>
+    <cs:lnRef idx="0"/>
+    <cs:fillRef idx="0"/>
+    <cs:effectRef idx="0"/>
+    <cs:fontRef idx="minor">
+      <a:schemeClr val="tx1">
+        <a:lumMod val="75000"/>
+        <a:lumOff val="25000"/>
+      </a:schemeClr>
+    </cs:fontRef>
+    <cs:defRPr sz="1197" kern="1200"/>
+  </cs:dataLabel>
+  <cs:dataLabelCallout>
+    <cs:lnRef idx="0"/>
+    <cs:fillRef idx="0"/>
+    <cs:effectRef idx="0"/>
+    <cs:fontRef idx="minor">
+      <a:schemeClr val="dk1">
+        <a:lumMod val="65000"/>
+        <a:lumOff val="35000"/>
+      </a:schemeClr>
+    </cs:fontRef>
+    <cs:spPr>
+      <a:solidFill>
+        <a:schemeClr val="lt1"/>
+      </a:solidFill>
+      <a:ln>
+        <a:solidFill>
+          <a:schemeClr val="dk1">
+            <a:lumMod val="25000"/>
+            <a:lumOff val="75000"/>
+          </a:schemeClr>
+        </a:solidFill>
+      </a:ln>
+    </cs:spPr>
+    <cs:defRPr sz="1197" kern="1200"/>
+    <cs:bodyPr rot="0" spcFirstLastPara="1" vertOverflow="clip" horzOverflow="clip" vert="horz" wrap="square" lIns="36576" tIns="18288" rIns="36576" bIns="18288" anchor="ctr" anchorCtr="1">
+      <a:spAutoFit/>
+    </cs:bodyPr>
+  </cs:dataLabelCallout>
+  <cs:dataPoint>
+    <cs:lnRef idx="0"/>
+    <cs:fillRef idx="1">
+      <cs:styleClr val="auto"/>
+    </cs:fillRef>
+    <cs:effectRef idx="0"/>
+    <cs:fontRef idx="minor">
+      <a:schemeClr val="tx1"/>
+    </cs:fontRef>
+  </cs:dataPoint>
+  <cs:dataPoint3D>
+    <cs:lnRef idx="0"/>
+    <cs:fillRef idx="1">
+      <cs:styleClr val="auto"/>
+    </cs:fillRef>
+    <cs:effectRef idx="0"/>
+    <cs:fontRef idx="minor">
+      <a:schemeClr val="tx1"/>
+    </cs:fontRef>
+  </cs:dataPoint3D>
+  <cs:dataPointLine>
+    <cs:lnRef idx="0">
+      <cs:styleClr val="auto"/>
+    </cs:lnRef>
+    <cs:fillRef idx="1"/>
+    <cs:effectRef idx="0"/>
+    <cs:fontRef idx="minor">
+      <a:schemeClr val="tx1"/>
+    </cs:fontRef>
+    <cs:spPr>
+      <a:ln w="28575" cap="rnd">
+        <a:solidFill>
+          <a:schemeClr val="phClr"/>
+        </a:solidFill>
+        <a:round/>
+      </a:ln>
+    </cs:spPr>
+  </cs:dataPointLine>
+  <cs:dataPointMarker>
+    <cs:lnRef idx="0">
+      <cs:styleClr val="auto"/>
+    </cs:lnRef>
+    <cs:fillRef idx="1">
+      <cs:styleClr val="auto"/>
+    </cs:fillRef>
+    <cs:effectRef idx="0"/>
+    <cs:fontRef idx="minor">
+      <a:schemeClr val="tx1"/>
+    </cs:fontRef>
+    <cs:spPr>
+      <a:ln w="9525">
+        <a:solidFill>
+          <a:schemeClr val="phClr"/>
+        </a:solidFill>
+      </a:ln>
+    </cs:spPr>
+  </cs:dataPointMarker>
+  <cs:dataPointMarkerLayout symbol="circle" size="5"/>
+  <cs:dataPointWireframe>
+    <cs:lnRef idx="0">
+      <cs:styleClr val="auto"/>
+    </cs:lnRef>
+    <cs:fillRef idx="1"/>
+    <cs:effectRef idx="0"/>
+    <cs:fontRef idx="minor">
+      <a:schemeClr val="tx1"/>
+    </cs:fontRef>
+    <cs:spPr>
+      <a:ln w="9525" cap="rnd">
+        <a:solidFill>
+          <a:schemeClr val="phClr"/>
+        </a:solidFill>
+        <a:round/>
+      </a:ln>
+    </cs:spPr>
+  </cs:dataPointWireframe>
+  <cs:dataTable>
+    <cs:lnRef idx="0"/>
+    <cs:fillRef idx="0"/>
+    <cs:effectRef idx="0"/>
+    <cs:fontRef idx="minor">
+      <a:schemeClr val="tx1">
+        <a:lumMod val="65000"/>
+        <a:lumOff val="35000"/>
+      </a:schemeClr>
+    </cs:fontRef>
+    <cs:spPr>
+      <a:noFill/>
+      <a:ln w="9525" cap="flat" cmpd="sng" algn="ctr">
+        <a:solidFill>
+          <a:schemeClr val="tx1">
+            <a:lumMod val="15000"/>
+            <a:lumOff val="85000"/>
+          </a:schemeClr>
+        </a:solidFill>
+        <a:round/>
+      </a:ln>
+    </cs:spPr>
+    <cs:defRPr sz="1197" kern="1200"/>
+  </cs:dataTable>
+  <cs:downBar>
+    <cs:lnRef idx="0"/>
+    <cs:fillRef idx="0"/>
+    <cs:effectRef idx="0"/>
+    <cs:fontRef idx="minor">
+      <a:schemeClr val="dk1"/>
+    </cs:fontRef>
+    <cs:spPr>
+      <a:solidFill>
+        <a:schemeClr val="dk1">
+          <a:lumMod val="65000"/>
+          <a:lumOff val="35000"/>
+        </a:schemeClr>
+      </a:solidFill>
+      <a:ln w="9525">
+        <a:solidFill>
+          <a:schemeClr val="tx1">
+            <a:lumMod val="65000"/>
+            <a:lumOff val="35000"/>
+          </a:schemeClr>
+        </a:solidFill>
+      </a:ln>
+    </cs:spPr>
+  </cs:downBar>
+  <cs:dropLine>
+    <cs:lnRef idx="0"/>
+    <cs:fillRef idx="0"/>
+    <cs:effectRef idx="0"/>
+    <cs:fontRef idx="minor">
+      <a:schemeClr val="tx1"/>
+    </cs:fontRef>
+    <cs:spPr>
+      <a:ln w="9525" cap="flat" cmpd="sng" algn="ctr">
+        <a:solidFill>
+          <a:schemeClr val="tx1">
+            <a:lumMod val="35000"/>
+            <a:lumOff val="65000"/>
+          </a:schemeClr>
+        </a:solidFill>
+        <a:round/>
+      </a:ln>
+    </cs:spPr>
+  </cs:dropLine>
+  <cs:errorBar>
+    <cs:lnRef idx="0"/>
+    <cs:fillRef idx="0"/>
+    <cs:effectRef idx="0"/>
+    <cs:fontRef idx="minor">
+      <a:schemeClr val="tx1"/>
+    </cs:fontRef>
+    <cs:spPr>
+      <a:ln w="9525" cap="flat" cmpd="sng" algn="ctr">
+        <a:solidFill>
+          <a:schemeClr val="tx1">
+            <a:lumMod val="65000"/>
+            <a:lumOff val="35000"/>
+          </a:schemeClr>
+        </a:solidFill>
+        <a:round/>
+      </a:ln>
+    </cs:spPr>
+  </cs:errorBar>
+  <cs:floor>
+    <cs:lnRef idx="0"/>
+    <cs:fillRef idx="0"/>
+    <cs:effectRef idx="0"/>
+    <cs:fontRef idx="minor">
+      <a:schemeClr val="tx1"/>
+    </cs:fontRef>
+    <cs:spPr>
+      <a:noFill/>
+      <a:ln>
+        <a:noFill/>
+      </a:ln>
+    </cs:spPr>
+  </cs:floor>
+  <cs:gridlineMajor>
+    <cs:lnRef idx="0"/>
+    <cs:fillRef idx="0"/>
+    <cs:effectRef idx="0"/>
+    <cs:fontRef idx="minor">
+      <a:schemeClr val="tx1"/>
+    </cs:fontRef>
+    <cs:spPr>
+      <a:ln w="9525" cap="flat" cmpd="sng" algn="ctr">
+        <a:solidFill>
+          <a:schemeClr val="tx1">
+            <a:lumMod val="15000"/>
+            <a:lumOff val="85000"/>
+          </a:schemeClr>
+        </a:solidFill>
+        <a:round/>
+      </a:ln>
+    </cs:spPr>
+  </cs:gridlineMajor>
+  <cs:gridlineMinor>
+    <cs:lnRef idx="0"/>
+    <cs:fillRef idx="0"/>
+    <cs:effectRef idx="0"/>
+    <cs:fontRef idx="minor">
+      <a:schemeClr val="tx1"/>
+    </cs:fontRef>
+    <cs:spPr>
+      <a:ln w="9525" cap="flat" cmpd="sng" algn="ctr">
+        <a:solidFill>
+          <a:schemeClr val="tx1">
+            <a:lumMod val="5000"/>
+            <a:lumOff val="95000"/>
+          </a:schemeClr>
+        </a:solidFill>
+        <a:round/>
+      </a:ln>
+    </cs:spPr>
+  </cs:gridlineMinor>
+  <cs:hiLoLine>
+    <cs:lnRef idx="0"/>
+    <cs:fillRef idx="0"/>
+    <cs:effectRef idx="0"/>
+    <cs:fontRef idx="minor">
+      <a:schemeClr val="tx1"/>
+    </cs:fontRef>
+    <cs:spPr>
+      <a:ln w="9525" cap="flat" cmpd="sng" algn="ctr">
+        <a:solidFill>
+          <a:schemeClr val="tx1">
+            <a:lumMod val="75000"/>
+            <a:lumOff val="25000"/>
+          </a:schemeClr>
+        </a:solidFill>
+        <a:round/>
+      </a:ln>
+    </cs:spPr>
+  </cs:hiLoLine>
+  <cs:leaderLine>
+    <cs:lnRef idx="0"/>
+    <cs:fillRef idx="0"/>
+    <cs:effectRef idx="0"/>
+    <cs:fontRef idx="minor">
+      <a:schemeClr val="tx1"/>
+    </cs:fontRef>
+    <cs:spPr>
+      <a:ln w="9525" cap="flat" cmpd="sng" algn="ctr">
+        <a:solidFill>
+          <a:schemeClr val="tx1">
+            <a:lumMod val="35000"/>
+            <a:lumOff val="65000"/>
+          </a:schemeClr>
+        </a:solidFill>
+        <a:round/>
+      </a:ln>
+    </cs:spPr>
+  </cs:leaderLine>
+  <cs:legend>
+    <cs:lnRef idx="0"/>
+    <cs:fillRef idx="0"/>
+    <cs:effectRef idx="0"/>
+    <cs:fontRef idx="minor">
+      <a:schemeClr val="tx1">
+        <a:lumMod val="65000"/>
+        <a:lumOff val="35000"/>
+      </a:schemeClr>
+    </cs:fontRef>
+    <cs:defRPr sz="1197" kern="1200"/>
+  </cs:legend>
+  <cs:plotArea mods="allowNoFillOverride allowNoLineOverride">
+    <cs:lnRef idx="0"/>
+    <cs:fillRef idx="0"/>
+    <cs:effectRef idx="0"/>
+    <cs:fontRef idx="minor">
+      <a:schemeClr val="tx1"/>
+    </cs:fontRef>
+  </cs:plotArea>
+  <cs:plotArea3D mods="allowNoFillOverride allowNoLineOverride">
+    <cs:lnRef idx="0"/>
+    <cs:fillRef idx="0"/>
+    <cs:effectRef idx="0"/>
+    <cs:fontRef idx="minor">
+      <a:schemeClr val="tx1"/>
+    </cs:fontRef>
+  </cs:plotArea3D>
+  <cs:seriesAxis>
+    <cs:lnRef idx="0"/>
+    <cs:fillRef idx="0"/>
+    <cs:effectRef idx="0"/>
+    <cs:fontRef idx="minor">
+      <a:schemeClr val="tx1">
+        <a:lumMod val="65000"/>
+        <a:lumOff val="35000"/>
+      </a:schemeClr>
+    </cs:fontRef>
+    <cs:defRPr sz="1197" kern="1200"/>
+  </cs:seriesAxis>
+  <cs:seriesLine>
+    <cs:lnRef idx="0"/>
+    <cs:fillRef idx="0"/>
+    <cs:effectRef idx="0"/>
+    <cs:fontRef idx="minor">
+      <a:schemeClr val="tx1"/>
+    </cs:fontRef>
+    <cs:spPr>
+      <a:ln w="9525" cap="flat" cmpd="sng" algn="ctr">
+        <a:solidFill>
+          <a:schemeClr val="tx1">
+            <a:lumMod val="35000"/>
+            <a:lumOff val="65000"/>
+          </a:schemeClr>
+        </a:solidFill>
+        <a:round/>
+      </a:ln>
+    </cs:spPr>
+  </cs:seriesLine>
+  <cs:title>
+    <cs:lnRef idx="0"/>
+    <cs:fillRef idx="0"/>
+    <cs:effectRef idx="0"/>
+    <cs:fontRef idx="minor">
+      <a:schemeClr val="tx1">
+        <a:lumMod val="65000"/>
+        <a:lumOff val="35000"/>
+      </a:schemeClr>
+    </cs:fontRef>
+    <cs:defRPr sz="1862" b="0" kern="1200" spc="0" baseline="0"/>
+  </cs:title>
+  <cs:trendline>
+    <cs:lnRef idx="0">
+      <cs:styleClr val="auto"/>
+    </cs:lnRef>
+    <cs:fillRef idx="0"/>
+    <cs:effectRef idx="0"/>
+    <cs:fontRef idx="minor">
+      <a:schemeClr val="tx1"/>
+    </cs:fontRef>
+    <cs:spPr>
+      <a:ln w="19050" cap="rnd">
+        <a:solidFill>
+          <a:schemeClr val="phClr"/>
+        </a:solidFill>
+        <a:prstDash val="sysDot"/>
+      </a:ln>
+    </cs:spPr>
+  </cs:trendline>
+  <cs:trendlineLabel>
+    <cs:lnRef idx="0"/>
+    <cs:fillRef idx="0"/>
+    <cs:effectRef idx="0"/>
+    <cs:fontRef idx="minor">
+      <a:schemeClr val="tx1">
+        <a:lumMod val="65000"/>
+        <a:lumOff val="35000"/>
+      </a:schemeClr>
+    </cs:fontRef>
+    <cs:defRPr sz="1197" kern="1200"/>
+  </cs:trendlineLabel>
+  <cs:upBar>
+    <cs:lnRef idx="0"/>
+    <cs:fillRef idx="0"/>
+    <cs:effectRef idx="0"/>
+    <cs:fontRef idx="minor">
+      <a:schemeClr val="dk1"/>
+    </cs:fontRef>
+    <cs:spPr>
+      <a:solidFill>
+        <a:schemeClr val="lt1"/>
+      </a:solidFill>
+      <a:ln w="9525">
+        <a:solidFill>
+          <a:schemeClr val="tx1">
+            <a:lumMod val="15000"/>
+            <a:lumOff val="85000"/>
+          </a:schemeClr>
+        </a:solidFill>
+      </a:ln>
+    </cs:spPr>
+  </cs:upBar>
+  <cs:valueAxis>
+    <cs:lnRef idx="0"/>
+    <cs:fillRef idx="0"/>
+    <cs:effectRef idx="0"/>
+    <cs:fontRef idx="minor">
+      <a:schemeClr val="tx1">
+        <a:lumMod val="65000"/>
+        <a:lumOff val="35000"/>
+      </a:schemeClr>
+    </cs:fontRef>
+    <cs:defRPr sz="1197" kern="1200"/>
+  </cs:valueAxis>
+  <cs:wall>
+    <cs:lnRef idx="0"/>
+    <cs:fillRef idx="0"/>
+    <cs:effectRef idx="0"/>
+    <cs:fontRef idx="minor">
+      <a:schemeClr val="tx1"/>
+    </cs:fontRef>
+    <cs:spPr>
+      <a:noFill/>
+      <a:ln>
+        <a:noFill/>
+      </a:ln>
+    </cs:spPr>
+  </cs:wall>
+</cs:chartStyle>
+</file>
+
+<file path=ppt/charts/style4.xml><?xml version="1.0" encoding="utf-8"?>
+<cs:chartStyle xmlns:cs="http://schemas.microsoft.com/office/drawing/2012/chartStyle" xmlns:a="http://schemas.openxmlformats.org/drawingml/2006/main" id="201">
+  <cs:axisTitle>
+    <cs:lnRef idx="0"/>
+    <cs:fillRef idx="0"/>
+    <cs:effectRef idx="0"/>
+    <cs:fontRef idx="minor">
+      <a:schemeClr val="tx1">
+        <a:lumMod val="65000"/>
+        <a:lumOff val="35000"/>
+      </a:schemeClr>
+    </cs:fontRef>
+    <cs:defRPr sz="1330" kern="1200"/>
+  </cs:axisTitle>
+  <cs:categoryAxis>
+    <cs:lnRef idx="0"/>
+    <cs:fillRef idx="0"/>
+    <cs:effectRef idx="0"/>
+    <cs:fontRef idx="minor">
+      <a:schemeClr val="tx1">
+        <a:lumMod val="65000"/>
+        <a:lumOff val="35000"/>
+      </a:schemeClr>
+    </cs:fontRef>
+    <cs:spPr>
+      <a:ln w="9525" cap="flat" cmpd="sng" algn="ctr">
+        <a:solidFill>
+          <a:schemeClr val="tx1">
+            <a:lumMod val="15000"/>
+            <a:lumOff val="85000"/>
+          </a:schemeClr>
+        </a:solidFill>
+        <a:round/>
+      </a:ln>
+    </cs:spPr>
+    <cs:defRPr sz="1197" kern="1200"/>
+  </cs:categoryAxis>
+  <cs:chartArea mods="allowNoFillOverride allowNoLineOverride">
+    <cs:lnRef idx="0"/>
+    <cs:fillRef idx="0"/>
+    <cs:effectRef idx="0"/>
+    <cs:fontRef idx="minor">
+      <a:schemeClr val="tx1"/>
+    </cs:fontRef>
+    <cs:spPr>
+      <a:solidFill>
+        <a:schemeClr val="bg1"/>
+      </a:solidFill>
+      <a:ln w="9525" cap="flat" cmpd="sng" algn="ctr">
+        <a:solidFill>
+          <a:schemeClr val="tx1">
+            <a:lumMod val="15000"/>
+            <a:lumOff val="85000"/>
+          </a:schemeClr>
+        </a:solidFill>
+        <a:round/>
+      </a:ln>
+    </cs:spPr>
+    <cs:defRPr sz="1330" kern="1200"/>
+  </cs:chartArea>
+  <cs:dataLabel>
+    <cs:lnRef idx="0"/>
+    <cs:fillRef idx="0"/>
+    <cs:effectRef idx="0"/>
+    <cs:fontRef idx="minor">
+      <a:schemeClr val="tx1">
+        <a:lumMod val="75000"/>
+        <a:lumOff val="25000"/>
+      </a:schemeClr>
+    </cs:fontRef>
+    <cs:defRPr sz="1197" kern="1200"/>
+  </cs:dataLabel>
+  <cs:dataLabelCallout>
+    <cs:lnRef idx="0"/>
+    <cs:fillRef idx="0"/>
+    <cs:effectRef idx="0"/>
+    <cs:fontRef idx="minor">
+      <a:schemeClr val="dk1">
+        <a:lumMod val="65000"/>
+        <a:lumOff val="35000"/>
+      </a:schemeClr>
+    </cs:fontRef>
+    <cs:spPr>
+      <a:solidFill>
+        <a:schemeClr val="lt1"/>
+      </a:solidFill>
+      <a:ln>
+        <a:solidFill>
+          <a:schemeClr val="dk1">
+            <a:lumMod val="25000"/>
+            <a:lumOff val="75000"/>
+          </a:schemeClr>
+        </a:solidFill>
+      </a:ln>
+    </cs:spPr>
+    <cs:defRPr sz="1197" kern="1200"/>
+    <cs:bodyPr rot="0" spcFirstLastPara="1" vertOverflow="clip" horzOverflow="clip" vert="horz" wrap="square" lIns="36576" tIns="18288" rIns="36576" bIns="18288" anchor="ctr" anchorCtr="1">
+      <a:spAutoFit/>
+    </cs:bodyPr>
+  </cs:dataLabelCallout>
+  <cs:dataPoint>
+    <cs:lnRef idx="0"/>
+    <cs:fillRef idx="1">
+      <cs:styleClr val="auto"/>
+    </cs:fillRef>
+    <cs:effectRef idx="0"/>
+    <cs:fontRef idx="minor">
+      <a:schemeClr val="tx1"/>
+    </cs:fontRef>
+  </cs:dataPoint>
+  <cs:dataPoint3D>
+    <cs:lnRef idx="0"/>
+    <cs:fillRef idx="1">
+      <cs:styleClr val="auto"/>
+    </cs:fillRef>
+    <cs:effectRef idx="0"/>
+    <cs:fontRef idx="minor">
+      <a:schemeClr val="tx1"/>
+    </cs:fontRef>
+  </cs:dataPoint3D>
+  <cs:dataPointLine>
+    <cs:lnRef idx="0">
+      <cs:styleClr val="auto"/>
+    </cs:lnRef>
+    <cs:fillRef idx="1"/>
+    <cs:effectRef idx="0"/>
+    <cs:fontRef idx="minor">
+      <a:schemeClr val="tx1"/>
+    </cs:fontRef>
+    <cs:spPr>
+      <a:ln w="28575" cap="rnd">
+        <a:solidFill>
+          <a:schemeClr val="phClr"/>
+        </a:solidFill>
+        <a:round/>
+      </a:ln>
+    </cs:spPr>
+  </cs:dataPointLine>
+  <cs:dataPointMarker>
+    <cs:lnRef idx="0">
+      <cs:styleClr val="auto"/>
+    </cs:lnRef>
+    <cs:fillRef idx="1">
+      <cs:styleClr val="auto"/>
+    </cs:fillRef>
+    <cs:effectRef idx="0"/>
+    <cs:fontRef idx="minor">
+      <a:schemeClr val="tx1"/>
+    </cs:fontRef>
+    <cs:spPr>
+      <a:ln w="9525">
+        <a:solidFill>
+          <a:schemeClr val="phClr"/>
+        </a:solidFill>
+      </a:ln>
+    </cs:spPr>
+  </cs:dataPointMarker>
+  <cs:dataPointMarkerLayout symbol="circle" size="5"/>
+  <cs:dataPointWireframe>
+    <cs:lnRef idx="0">
+      <cs:styleClr val="auto"/>
+    </cs:lnRef>
+    <cs:fillRef idx="1"/>
+    <cs:effectRef idx="0"/>
+    <cs:fontRef idx="minor">
+      <a:schemeClr val="tx1"/>
+    </cs:fontRef>
+    <cs:spPr>
+      <a:ln w="9525" cap="rnd">
+        <a:solidFill>
+          <a:schemeClr val="phClr"/>
+        </a:solidFill>
+        <a:round/>
+      </a:ln>
+    </cs:spPr>
+  </cs:dataPointWireframe>
+  <cs:dataTable>
+    <cs:lnRef idx="0"/>
+    <cs:fillRef idx="0"/>
+    <cs:effectRef idx="0"/>
+    <cs:fontRef idx="minor">
+      <a:schemeClr val="tx1">
+        <a:lumMod val="65000"/>
+        <a:lumOff val="35000"/>
+      </a:schemeClr>
+    </cs:fontRef>
+    <cs:spPr>
+      <a:noFill/>
+      <a:ln w="9525" cap="flat" cmpd="sng" algn="ctr">
+        <a:solidFill>
+          <a:schemeClr val="tx1">
+            <a:lumMod val="15000"/>
+            <a:lumOff val="85000"/>
+          </a:schemeClr>
+        </a:solidFill>
+        <a:round/>
+      </a:ln>
+    </cs:spPr>
+    <cs:defRPr sz="1197" kern="1200"/>
+  </cs:dataTable>
+  <cs:downBar>
+    <cs:lnRef idx="0"/>
+    <cs:fillRef idx="0"/>
+    <cs:effectRef idx="0"/>
+    <cs:fontRef idx="minor">
+      <a:schemeClr val="dk1"/>
+    </cs:fontRef>
+    <cs:spPr>
+      <a:solidFill>
+        <a:schemeClr val="dk1">
+          <a:lumMod val="65000"/>
+          <a:lumOff val="35000"/>
+        </a:schemeClr>
+      </a:solidFill>
+      <a:ln w="9525">
+        <a:solidFill>
+          <a:schemeClr val="tx1">
+            <a:lumMod val="65000"/>
+            <a:lumOff val="35000"/>
+          </a:schemeClr>
+        </a:solidFill>
+      </a:ln>
+    </cs:spPr>
+  </cs:downBar>
+  <cs:dropLine>
+    <cs:lnRef idx="0"/>
+    <cs:fillRef idx="0"/>
+    <cs:effectRef idx="0"/>
+    <cs:fontRef idx="minor">
+      <a:schemeClr val="tx1"/>
+    </cs:fontRef>
+    <cs:spPr>
+      <a:ln w="9525" cap="flat" cmpd="sng" algn="ctr">
+        <a:solidFill>
+          <a:schemeClr val="tx1">
+            <a:lumMod val="35000"/>
+            <a:lumOff val="65000"/>
+          </a:schemeClr>
+        </a:solidFill>
+        <a:round/>
+      </a:ln>
+    </cs:spPr>
+  </cs:dropLine>
+  <cs:errorBar>
+    <cs:lnRef idx="0"/>
+    <cs:fillRef idx="0"/>
+    <cs:effectRef idx="0"/>
+    <cs:fontRef idx="minor">
+      <a:schemeClr val="tx1"/>
+    </cs:fontRef>
+    <cs:spPr>
+      <a:ln w="9525" cap="flat" cmpd="sng" algn="ctr">
+        <a:solidFill>
+          <a:schemeClr val="tx1">
+            <a:lumMod val="65000"/>
+            <a:lumOff val="35000"/>
+          </a:schemeClr>
+        </a:solidFill>
+        <a:round/>
+      </a:ln>
+    </cs:spPr>
+  </cs:errorBar>
+  <cs:floor>
+    <cs:lnRef idx="0"/>
+    <cs:fillRef idx="0"/>
+    <cs:effectRef idx="0"/>
+    <cs:fontRef idx="minor">
+      <a:schemeClr val="tx1"/>
+    </cs:fontRef>
+    <cs:spPr>
+      <a:noFill/>
+      <a:ln>
+        <a:noFill/>
+      </a:ln>
+    </cs:spPr>
+  </cs:floor>
+  <cs:gridlineMajor>
+    <cs:lnRef idx="0"/>
+    <cs:fillRef idx="0"/>
+    <cs:effectRef idx="0"/>
+    <cs:fontRef idx="minor">
+      <a:schemeClr val="tx1"/>
+    </cs:fontRef>
+    <cs:spPr>
+      <a:ln w="9525" cap="flat" cmpd="sng" algn="ctr">
+        <a:solidFill>
+          <a:schemeClr val="tx1">
+            <a:lumMod val="15000"/>
+            <a:lumOff val="85000"/>
+          </a:schemeClr>
+        </a:solidFill>
+        <a:round/>
+      </a:ln>
+    </cs:spPr>
+  </cs:gridlineMajor>
+  <cs:gridlineMinor>
+    <cs:lnRef idx="0"/>
+    <cs:fillRef idx="0"/>
+    <cs:effectRef idx="0"/>
+    <cs:fontRef idx="minor">
+      <a:schemeClr val="tx1"/>
+    </cs:fontRef>
+    <cs:spPr>
+      <a:ln w="9525" cap="flat" cmpd="sng" algn="ctr">
+        <a:solidFill>
+          <a:schemeClr val="tx1">
+            <a:lumMod val="5000"/>
+            <a:lumOff val="95000"/>
+          </a:schemeClr>
+        </a:solidFill>
+        <a:round/>
+      </a:ln>
+    </cs:spPr>
+  </cs:gridlineMinor>
+  <cs:hiLoLine>
+    <cs:lnRef idx="0"/>
+    <cs:fillRef idx="0"/>
+    <cs:effectRef idx="0"/>
+    <cs:fontRef idx="minor">
+      <a:schemeClr val="tx1"/>
+    </cs:fontRef>
+    <cs:spPr>
+      <a:ln w="9525" cap="flat" cmpd="sng" algn="ctr">
+        <a:solidFill>
+          <a:schemeClr val="tx1">
+            <a:lumMod val="75000"/>
+            <a:lumOff val="25000"/>
+          </a:schemeClr>
+        </a:solidFill>
+        <a:round/>
+      </a:ln>
+    </cs:spPr>
+  </cs:hiLoLine>
+  <cs:leaderLine>
+    <cs:lnRef idx="0"/>
+    <cs:fillRef idx="0"/>
+    <cs:effectRef idx="0"/>
+    <cs:fontRef idx="minor">
+      <a:schemeClr val="tx1"/>
+    </cs:fontRef>
+    <cs:spPr>
+      <a:ln w="9525" cap="flat" cmpd="sng" algn="ctr">
+        <a:solidFill>
+          <a:schemeClr val="tx1">
+            <a:lumMod val="35000"/>
+            <a:lumOff val="65000"/>
+          </a:schemeClr>
+        </a:solidFill>
+        <a:round/>
+      </a:ln>
+    </cs:spPr>
+  </cs:leaderLine>
+  <cs:legend>
+    <cs:lnRef idx="0"/>
+    <cs:fillRef idx="0"/>
+    <cs:effectRef idx="0"/>
+    <cs:fontRef idx="minor">
+      <a:schemeClr val="tx1">
+        <a:lumMod val="65000"/>
+        <a:lumOff val="35000"/>
+      </a:schemeClr>
+    </cs:fontRef>
+    <cs:defRPr sz="1197" kern="1200"/>
+  </cs:legend>
+  <cs:plotArea mods="allowNoFillOverride allowNoLineOverride">
+    <cs:lnRef idx="0"/>
+    <cs:fillRef idx="0"/>
+    <cs:effectRef idx="0"/>
+    <cs:fontRef idx="minor">
+      <a:schemeClr val="tx1"/>
+    </cs:fontRef>
+  </cs:plotArea>
+  <cs:plotArea3D mods="allowNoFillOverride allowNoLineOverride">
+    <cs:lnRef idx="0"/>
+    <cs:fillRef idx="0"/>
+    <cs:effectRef idx="0"/>
+    <cs:fontRef idx="minor">
+      <a:schemeClr val="tx1"/>
+    </cs:fontRef>
+  </cs:plotArea3D>
+  <cs:seriesAxis>
+    <cs:lnRef idx="0"/>
+    <cs:fillRef idx="0"/>
+    <cs:effectRef idx="0"/>
+    <cs:fontRef idx="minor">
+      <a:schemeClr val="tx1">
+        <a:lumMod val="65000"/>
+        <a:lumOff val="35000"/>
+      </a:schemeClr>
+    </cs:fontRef>
+    <cs:defRPr sz="1197" kern="1200"/>
+  </cs:seriesAxis>
+  <cs:seriesLine>
+    <cs:lnRef idx="0"/>
+    <cs:fillRef idx="0"/>
+    <cs:effectRef idx="0"/>
+    <cs:fontRef idx="minor">
+      <a:schemeClr val="tx1"/>
+    </cs:fontRef>
+    <cs:spPr>
+      <a:ln w="9525" cap="flat" cmpd="sng" algn="ctr">
+        <a:solidFill>
+          <a:schemeClr val="tx1">
+            <a:lumMod val="35000"/>
+            <a:lumOff val="65000"/>
+          </a:schemeClr>
+        </a:solidFill>
+        <a:round/>
+      </a:ln>
+    </cs:spPr>
+  </cs:seriesLine>
+  <cs:title>
+    <cs:lnRef idx="0"/>
+    <cs:fillRef idx="0"/>
+    <cs:effectRef idx="0"/>
+    <cs:fontRef idx="minor">
+      <a:schemeClr val="tx1">
+        <a:lumMod val="65000"/>
+        <a:lumOff val="35000"/>
+      </a:schemeClr>
+    </cs:fontRef>
+    <cs:defRPr sz="1862" b="0" kern="1200" spc="0" baseline="0"/>
+  </cs:title>
+  <cs:trendline>
+    <cs:lnRef idx="0">
+      <cs:styleClr val="auto"/>
+    </cs:lnRef>
+    <cs:fillRef idx="0"/>
+    <cs:effectRef idx="0"/>
+    <cs:fontRef idx="minor">
+      <a:schemeClr val="tx1"/>
+    </cs:fontRef>
+    <cs:spPr>
+      <a:ln w="19050" cap="rnd">
+        <a:solidFill>
+          <a:schemeClr val="phClr"/>
+        </a:solidFill>
+        <a:prstDash val="sysDot"/>
+      </a:ln>
+    </cs:spPr>
+  </cs:trendline>
+  <cs:trendlineLabel>
+    <cs:lnRef idx="0"/>
+    <cs:fillRef idx="0"/>
+    <cs:effectRef idx="0"/>
+    <cs:fontRef idx="minor">
+      <a:schemeClr val="tx1">
+        <a:lumMod val="65000"/>
+        <a:lumOff val="35000"/>
+      </a:schemeClr>
+    </cs:fontRef>
+    <cs:defRPr sz="1197" kern="1200"/>
+  </cs:trendlineLabel>
+  <cs:upBar>
+    <cs:lnRef idx="0"/>
+    <cs:fillRef idx="0"/>
+    <cs:effectRef idx="0"/>
+    <cs:fontRef idx="minor">
+      <a:schemeClr val="dk1"/>
+    </cs:fontRef>
+    <cs:spPr>
+      <a:solidFill>
+        <a:schemeClr val="lt1"/>
+      </a:solidFill>
+      <a:ln w="9525">
+        <a:solidFill>
+          <a:schemeClr val="tx1">
+            <a:lumMod val="15000"/>
+            <a:lumOff val="85000"/>
+          </a:schemeClr>
+        </a:solidFill>
+      </a:ln>
+    </cs:spPr>
+  </cs:upBar>
+  <cs:valueAxis>
+    <cs:lnRef idx="0"/>
+    <cs:fillRef idx="0"/>
+    <cs:effectRef idx="0"/>
+    <cs:fontRef idx="minor">
+      <a:schemeClr val="tx1">
+        <a:lumMod val="65000"/>
+        <a:lumOff val="35000"/>
+      </a:schemeClr>
+    </cs:fontRef>
+    <cs:defRPr sz="1197" kern="1200"/>
+  </cs:valueAxis>
+  <cs:wall>
+    <cs:lnRef idx="0"/>
+    <cs:fillRef idx="0"/>
+    <cs:effectRef idx="0"/>
+    <cs:fontRef idx="minor">
+      <a:schemeClr val="tx1"/>
+    </cs:fontRef>
+    <cs:spPr>
+      <a:noFill/>
+      <a:ln>
+        <a:noFill/>
+      </a:ln>
+    </cs:spPr>
+  </cs:wall>
+</cs:chartStyle>
+</file>
+
+<file path=ppt/charts/style5.xml><?xml version="1.0" encoding="utf-8"?>
+<cs:chartStyle xmlns:cs="http://schemas.microsoft.com/office/drawing/2012/chartStyle" xmlns:a="http://schemas.openxmlformats.org/drawingml/2006/main" id="201">
+  <cs:axisTitle>
+    <cs:lnRef idx="0"/>
+    <cs:fillRef idx="0"/>
+    <cs:effectRef idx="0"/>
+    <cs:fontRef idx="minor">
+      <a:schemeClr val="tx1">
+        <a:lumMod val="65000"/>
+        <a:lumOff val="35000"/>
+      </a:schemeClr>
+    </cs:fontRef>
+    <cs:defRPr sz="1330" kern="1200"/>
+  </cs:axisTitle>
+  <cs:categoryAxis>
+    <cs:lnRef idx="0"/>
+    <cs:fillRef idx="0"/>
+    <cs:effectRef idx="0"/>
+    <cs:fontRef idx="minor">
+      <a:schemeClr val="tx1">
+        <a:lumMod val="65000"/>
+        <a:lumOff val="35000"/>
+      </a:schemeClr>
+    </cs:fontRef>
+    <cs:spPr>
+      <a:ln w="9525" cap="flat" cmpd="sng" algn="ctr">
+        <a:solidFill>
+          <a:schemeClr val="tx1">
+            <a:lumMod val="15000"/>
+            <a:lumOff val="85000"/>
+          </a:schemeClr>
+        </a:solidFill>
+        <a:round/>
+      </a:ln>
+    </cs:spPr>
+    <cs:defRPr sz="1197" kern="1200"/>
+  </cs:categoryAxis>
+  <cs:chartArea mods="allowNoFillOverride allowNoLineOverride">
+    <cs:lnRef idx="0"/>
+    <cs:fillRef idx="0"/>
+    <cs:effectRef idx="0"/>
+    <cs:fontRef idx="minor">
+      <a:schemeClr val="tx1"/>
+    </cs:fontRef>
+    <cs:spPr>
+      <a:solidFill>
+        <a:schemeClr val="bg1"/>
+      </a:solidFill>
+      <a:ln w="9525" cap="flat" cmpd="sng" algn="ctr">
+        <a:solidFill>
+          <a:schemeClr val="tx1">
+            <a:lumMod val="15000"/>
+            <a:lumOff val="85000"/>
+          </a:schemeClr>
+        </a:solidFill>
+        <a:round/>
+      </a:ln>
+    </cs:spPr>
+    <cs:defRPr sz="1330" kern="1200"/>
+  </cs:chartArea>
+  <cs:dataLabel>
+    <cs:lnRef idx="0"/>
+    <cs:fillRef idx="0"/>
+    <cs:effectRef idx="0"/>
+    <cs:fontRef idx="minor">
+      <a:schemeClr val="tx1">
+        <a:lumMod val="75000"/>
+        <a:lumOff val="25000"/>
+      </a:schemeClr>
+    </cs:fontRef>
+    <cs:defRPr sz="1197" kern="1200"/>
+  </cs:dataLabel>
+  <cs:dataLabelCallout>
+    <cs:lnRef idx="0"/>
+    <cs:fillRef idx="0"/>
+    <cs:effectRef idx="0"/>
+    <cs:fontRef idx="minor">
+      <a:schemeClr val="dk1">
+        <a:lumMod val="65000"/>
+        <a:lumOff val="35000"/>
+      </a:schemeClr>
+    </cs:fontRef>
+    <cs:spPr>
+      <a:solidFill>
+        <a:schemeClr val="lt1"/>
+      </a:solidFill>
+      <a:ln>
+        <a:solidFill>
+          <a:schemeClr val="dk1">
+            <a:lumMod val="25000"/>
+            <a:lumOff val="75000"/>
+          </a:schemeClr>
+        </a:solidFill>
+      </a:ln>
+    </cs:spPr>
+    <cs:defRPr sz="1197" kern="1200"/>
+    <cs:bodyPr rot="0" spcFirstLastPara="1" vertOverflow="clip" horzOverflow="clip" vert="horz" wrap="square" lIns="36576" tIns="18288" rIns="36576" bIns="18288" anchor="ctr" anchorCtr="1">
+      <a:spAutoFit/>
+    </cs:bodyPr>
+  </cs:dataLabelCallout>
+  <cs:dataPoint>
+    <cs:lnRef idx="0"/>
+    <cs:fillRef idx="1">
+      <cs:styleClr val="auto"/>
+    </cs:fillRef>
+    <cs:effectRef idx="0"/>
+    <cs:fontRef idx="minor">
+      <a:schemeClr val="tx1"/>
+    </cs:fontRef>
+  </cs:dataPoint>
+  <cs:dataPoint3D>
+    <cs:lnRef idx="0"/>
+    <cs:fillRef idx="1">
+      <cs:styleClr val="auto"/>
+    </cs:fillRef>
+    <cs:effectRef idx="0"/>
+    <cs:fontRef idx="minor">
+      <a:schemeClr val="tx1"/>
+    </cs:fontRef>
+  </cs:dataPoint3D>
+  <cs:dataPointLine>
+    <cs:lnRef idx="0">
+      <cs:styleClr val="auto"/>
+    </cs:lnRef>
+    <cs:fillRef idx="1"/>
+    <cs:effectRef idx="0"/>
+    <cs:fontRef idx="minor">
+      <a:schemeClr val="tx1"/>
+    </cs:fontRef>
+    <cs:spPr>
+      <a:ln w="28575" cap="rnd">
+        <a:solidFill>
+          <a:schemeClr val="phClr"/>
+        </a:solidFill>
+        <a:round/>
+      </a:ln>
+    </cs:spPr>
+  </cs:dataPointLine>
+  <cs:dataPointMarker>
+    <cs:lnRef idx="0">
+      <cs:styleClr val="auto"/>
+    </cs:lnRef>
+    <cs:fillRef idx="1">
+      <cs:styleClr val="auto"/>
+    </cs:fillRef>
+    <cs:effectRef idx="0"/>
+    <cs:fontRef idx="minor">
+      <a:schemeClr val="tx1"/>
+    </cs:fontRef>
+    <cs:spPr>
+      <a:ln w="9525">
+        <a:solidFill>
+          <a:schemeClr val="phClr"/>
+        </a:solidFill>
+      </a:ln>
+    </cs:spPr>
+  </cs:dataPointMarker>
+  <cs:dataPointMarkerLayout symbol="circle" size="5"/>
+  <cs:dataPointWireframe>
+    <cs:lnRef idx="0">
+      <cs:styleClr val="auto"/>
+    </cs:lnRef>
+    <cs:fillRef idx="1"/>
+    <cs:effectRef idx="0"/>
+    <cs:fontRef idx="minor">
+      <a:schemeClr val="tx1"/>
+    </cs:fontRef>
+    <cs:spPr>
+      <a:ln w="9525" cap="rnd">
+        <a:solidFill>
+          <a:schemeClr val="phClr"/>
+        </a:solidFill>
+        <a:round/>
+      </a:ln>
+    </cs:spPr>
+  </cs:dataPointWireframe>
+  <cs:dataTable>
+    <cs:lnRef idx="0"/>
+    <cs:fillRef idx="0"/>
+    <cs:effectRef idx="0"/>
+    <cs:fontRef idx="minor">
+      <a:schemeClr val="tx1">
+        <a:lumMod val="65000"/>
+        <a:lumOff val="35000"/>
+      </a:schemeClr>
+    </cs:fontRef>
+    <cs:spPr>
+      <a:noFill/>
+      <a:ln w="9525" cap="flat" cmpd="sng" algn="ctr">
+        <a:solidFill>
+          <a:schemeClr val="tx1">
+            <a:lumMod val="15000"/>
+            <a:lumOff val="85000"/>
+          </a:schemeClr>
+        </a:solidFill>
+        <a:round/>
+      </a:ln>
+    </cs:spPr>
+    <cs:defRPr sz="1197" kern="1200"/>
+  </cs:dataTable>
+  <cs:downBar>
+    <cs:lnRef idx="0"/>
+    <cs:fillRef idx="0"/>
+    <cs:effectRef idx="0"/>
+    <cs:fontRef idx="minor">
+      <a:schemeClr val="dk1"/>
+    </cs:fontRef>
+    <cs:spPr>
+      <a:solidFill>
+        <a:schemeClr val="dk1">
+          <a:lumMod val="65000"/>
+          <a:lumOff val="35000"/>
+        </a:schemeClr>
+      </a:solidFill>
+      <a:ln w="9525">
+        <a:solidFill>
+          <a:schemeClr val="tx1">
+            <a:lumMod val="65000"/>
+            <a:lumOff val="35000"/>
+          </a:schemeClr>
+        </a:solidFill>
+      </a:ln>
+    </cs:spPr>
+  </cs:downBar>
+  <cs:dropLine>
+    <cs:lnRef idx="0"/>
+    <cs:fillRef idx="0"/>
+    <cs:effectRef idx="0"/>
+    <cs:fontRef idx="minor">
+      <a:schemeClr val="tx1"/>
+    </cs:fontRef>
+    <cs:spPr>
+      <a:ln w="9525" cap="flat" cmpd="sng" algn="ctr">
+        <a:solidFill>
+          <a:schemeClr val="tx1">
+            <a:lumMod val="35000"/>
+            <a:lumOff val="65000"/>
+          </a:schemeClr>
+        </a:solidFill>
+        <a:round/>
+      </a:ln>
+    </cs:spPr>
+  </cs:dropLine>
+  <cs:errorBar>
+    <cs:lnRef idx="0"/>
+    <cs:fillRef idx="0"/>
+    <cs:effectRef idx="0"/>
+    <cs:fontRef idx="minor">
+      <a:schemeClr val="tx1"/>
+    </cs:fontRef>
+    <cs:spPr>
+      <a:ln w="9525" cap="flat" cmpd="sng" algn="ctr">
+        <a:solidFill>
+          <a:schemeClr val="tx1">
+            <a:lumMod val="65000"/>
+            <a:lumOff val="35000"/>
+          </a:schemeClr>
+        </a:solidFill>
+        <a:round/>
+      </a:ln>
+    </cs:spPr>
+  </cs:errorBar>
+  <cs:floor>
+    <cs:lnRef idx="0"/>
+    <cs:fillRef idx="0"/>
+    <cs:effectRef idx="0"/>
+    <cs:fontRef idx="minor">
+      <a:schemeClr val="tx1"/>
+    </cs:fontRef>
+    <cs:spPr>
+      <a:noFill/>
+      <a:ln>
+        <a:noFill/>
+      </a:ln>
+    </cs:spPr>
+  </cs:floor>
+  <cs:gridlineMajor>
+    <cs:lnRef idx="0"/>
+    <cs:fillRef idx="0"/>
+    <cs:effectRef idx="0"/>
+    <cs:fontRef idx="minor">
+      <a:schemeClr val="tx1"/>
+    </cs:fontRef>
+    <cs:spPr>
+      <a:ln w="9525" cap="flat" cmpd="sng" algn="ctr">
+        <a:solidFill>
+          <a:schemeClr val="tx1">
+            <a:lumMod val="15000"/>
+            <a:lumOff val="85000"/>
+          </a:schemeClr>
+        </a:solidFill>
+        <a:round/>
+      </a:ln>
+    </cs:spPr>
+  </cs:gridlineMajor>
+  <cs:gridlineMinor>
+    <cs:lnRef idx="0"/>
+    <cs:fillRef idx="0"/>
+    <cs:effectRef idx="0"/>
+    <cs:fontRef idx="minor">
+      <a:schemeClr val="tx1"/>
+    </cs:fontRef>
+    <cs:spPr>
+      <a:ln w="9525" cap="flat" cmpd="sng" algn="ctr">
+        <a:solidFill>
+          <a:schemeClr val="tx1">
+            <a:lumMod val="5000"/>
+            <a:lumOff val="95000"/>
+          </a:schemeClr>
+        </a:solidFill>
+        <a:round/>
+      </a:ln>
+    </cs:spPr>
+  </cs:gridlineMinor>
+  <cs:hiLoLine>
+    <cs:lnRef idx="0"/>
+    <cs:fillRef idx="0"/>
+    <cs:effectRef idx="0"/>
+    <cs:fontRef idx="minor">
+      <a:schemeClr val="tx1"/>
+    </cs:fontRef>
+    <cs:spPr>
+      <a:ln w="9525" cap="flat" cmpd="sng" algn="ctr">
+        <a:solidFill>
+          <a:schemeClr val="tx1">
+            <a:lumMod val="75000"/>
+            <a:lumOff val="25000"/>
+          </a:schemeClr>
+        </a:solidFill>
+        <a:round/>
+      </a:ln>
+    </cs:spPr>
+  </cs:hiLoLine>
+  <cs:leaderLine>
+    <cs:lnRef idx="0"/>
+    <cs:fillRef idx="0"/>
+    <cs:effectRef idx="0"/>
+    <cs:fontRef idx="minor">
+      <a:schemeClr val="tx1"/>
+    </cs:fontRef>
+    <cs:spPr>
+      <a:ln w="9525" cap="flat" cmpd="sng" algn="ctr">
+        <a:solidFill>
+          <a:schemeClr val="tx1">
+            <a:lumMod val="35000"/>
+            <a:lumOff val="65000"/>
+          </a:schemeClr>
+        </a:solidFill>
+        <a:round/>
+      </a:ln>
+    </cs:spPr>
+  </cs:leaderLine>
+  <cs:legend>
+    <cs:lnRef idx="0"/>
+    <cs:fillRef idx="0"/>
+    <cs:effectRef idx="0"/>
+    <cs:fontRef idx="minor">
+      <a:schemeClr val="tx1">
+        <a:lumMod val="65000"/>
+        <a:lumOff val="35000"/>
+      </a:schemeClr>
+    </cs:fontRef>
+    <cs:defRPr sz="1197" kern="1200"/>
+  </cs:legend>
+  <cs:plotArea mods="allowNoFillOverride allowNoLineOverride">
+    <cs:lnRef idx="0"/>
+    <cs:fillRef idx="0"/>
+    <cs:effectRef idx="0"/>
+    <cs:fontRef idx="minor">
+      <a:schemeClr val="tx1"/>
+    </cs:fontRef>
+  </cs:plotArea>
+  <cs:plotArea3D mods="allowNoFillOverride allowNoLineOverride">
+    <cs:lnRef idx="0"/>
+    <cs:fillRef idx="0"/>
+    <cs:effectRef idx="0"/>
+    <cs:fontRef idx="minor">
+      <a:schemeClr val="tx1"/>
+    </cs:fontRef>
+  </cs:plotArea3D>
+  <cs:seriesAxis>
+    <cs:lnRef idx="0"/>
+    <cs:fillRef idx="0"/>
+    <cs:effectRef idx="0"/>
+    <cs:fontRef idx="minor">
+      <a:schemeClr val="tx1">
+        <a:lumMod val="65000"/>
+        <a:lumOff val="35000"/>
+      </a:schemeClr>
+    </cs:fontRef>
+    <cs:defRPr sz="1197" kern="1200"/>
+  </cs:seriesAxis>
+  <cs:seriesLine>
+    <cs:lnRef idx="0"/>
+    <cs:fillRef idx="0"/>
+    <cs:effectRef idx="0"/>
+    <cs:fontRef idx="minor">
+      <a:schemeClr val="tx1"/>
+    </cs:fontRef>
+    <cs:spPr>
+      <a:ln w="9525" cap="flat" cmpd="sng" algn="ctr">
+        <a:solidFill>
+          <a:schemeClr val="tx1">
+            <a:lumMod val="35000"/>
+            <a:lumOff val="65000"/>
+          </a:schemeClr>
+        </a:solidFill>
+        <a:round/>
+      </a:ln>
+    </cs:spPr>
+  </cs:seriesLine>
+  <cs:title>
+    <cs:lnRef idx="0"/>
+    <cs:fillRef idx="0"/>
+    <cs:effectRef idx="0"/>
+    <cs:fontRef idx="minor">
+      <a:schemeClr val="tx1">
+        <a:lumMod val="65000"/>
+        <a:lumOff val="35000"/>
+      </a:schemeClr>
+    </cs:fontRef>
+    <cs:defRPr sz="1862" b="0" kern="1200" spc="0" baseline="0"/>
+  </cs:title>
+  <cs:trendline>
+    <cs:lnRef idx="0">
+      <cs:styleClr val="auto"/>
+    </cs:lnRef>
+    <cs:fillRef idx="0"/>
+    <cs:effectRef idx="0"/>
+    <cs:fontRef idx="minor">
+      <a:schemeClr val="tx1"/>
+    </cs:fontRef>
+    <cs:spPr>
+      <a:ln w="19050" cap="rnd">
+        <a:solidFill>
+          <a:schemeClr val="phClr"/>
+        </a:solidFill>
+        <a:prstDash val="sysDot"/>
+      </a:ln>
+    </cs:spPr>
+  </cs:trendline>
+  <cs:trendlineLabel>
+    <cs:lnRef idx="0"/>
+    <cs:fillRef idx="0"/>
+    <cs:effectRef idx="0"/>
+    <cs:fontRef idx="minor">
+      <a:schemeClr val="tx1">
+        <a:lumMod val="65000"/>
+        <a:lumOff val="35000"/>
+      </a:schemeClr>
+    </cs:fontRef>
+    <cs:defRPr sz="1197" kern="1200"/>
+  </cs:trendlineLabel>
+  <cs:upBar>
+    <cs:lnRef idx="0"/>
+    <cs:fillRef idx="0"/>
+    <cs:effectRef idx="0"/>
+    <cs:fontRef idx="minor">
+      <a:schemeClr val="dk1"/>
+    </cs:fontRef>
+    <cs:spPr>
+      <a:solidFill>
+        <a:schemeClr val="lt1"/>
+      </a:solidFill>
+      <a:ln w="9525">
+        <a:solidFill>
+          <a:schemeClr val="tx1">
+            <a:lumMod val="15000"/>
+            <a:lumOff val="85000"/>
+          </a:schemeClr>
+        </a:solidFill>
+      </a:ln>
+    </cs:spPr>
+  </cs:upBar>
+  <cs:valueAxis>
+    <cs:lnRef idx="0"/>
+    <cs:fillRef idx="0"/>
+    <cs:effectRef idx="0"/>
+    <cs:fontRef idx="minor">
+      <a:schemeClr val="tx1">
+        <a:lumMod val="65000"/>
+        <a:lumOff val="35000"/>
+      </a:schemeClr>
+    </cs:fontRef>
+    <cs:defRPr sz="1197" kern="1200"/>
+  </cs:valueAxis>
+  <cs:wall>
+    <cs:lnRef idx="0"/>
+    <cs:fillRef idx="0"/>
+    <cs:effectRef idx="0"/>
+    <cs:fontRef idx="minor">
+      <a:schemeClr val="tx1"/>
+    </cs:fontRef>
+    <cs:spPr>
+      <a:noFill/>
+      <a:ln>
+        <a:noFill/>
+      </a:ln>
+    </cs:spPr>
+  </cs:wall>
+</cs:chartStyle>
+</file>
+
+<file path=ppt/charts/style6.xml><?xml version="1.0" encoding="utf-8"?>
+<cs:chartStyle xmlns:cs="http://schemas.microsoft.com/office/drawing/2012/chartStyle" xmlns:a="http://schemas.openxmlformats.org/drawingml/2006/main" id="201">
+  <cs:axisTitle>
+    <cs:lnRef idx="0"/>
+    <cs:fillRef idx="0"/>
+    <cs:effectRef idx="0"/>
+    <cs:fontRef idx="minor">
+      <a:schemeClr val="tx1">
+        <a:lumMod val="65000"/>
+        <a:lumOff val="35000"/>
+      </a:schemeClr>
+    </cs:fontRef>
+    <cs:defRPr sz="1330" kern="1200"/>
+  </cs:axisTitle>
+  <cs:categoryAxis>
+    <cs:lnRef idx="0"/>
+    <cs:fillRef idx="0"/>
+    <cs:effectRef idx="0"/>
+    <cs:fontRef idx="minor">
+      <a:schemeClr val="tx1">
+        <a:lumMod val="65000"/>
+        <a:lumOff val="35000"/>
+      </a:schemeClr>
+    </cs:fontRef>
+    <cs:spPr>
+      <a:ln w="9525" cap="flat" cmpd="sng" algn="ctr">
+        <a:solidFill>
+          <a:schemeClr val="tx1">
+            <a:lumMod val="15000"/>
+            <a:lumOff val="85000"/>
+          </a:schemeClr>
+        </a:solidFill>
+        <a:round/>
+      </a:ln>
+    </cs:spPr>
+    <cs:defRPr sz="1197" kern="1200"/>
+  </cs:categoryAxis>
+  <cs:chartArea mods="allowNoFillOverride allowNoLineOverride">
+    <cs:lnRef idx="0"/>
+    <cs:fillRef idx="0"/>
+    <cs:effectRef idx="0"/>
+    <cs:fontRef idx="minor">
+      <a:schemeClr val="tx1"/>
+    </cs:fontRef>
+    <cs:spPr>
+      <a:solidFill>
+        <a:schemeClr val="bg1"/>
+      </a:solidFill>
+      <a:ln w="9525" cap="flat" cmpd="sng" algn="ctr">
+        <a:solidFill>
+          <a:schemeClr val="tx1">
+            <a:lumMod val="15000"/>
+            <a:lumOff val="85000"/>
+          </a:schemeClr>
+        </a:solidFill>
+        <a:round/>
+      </a:ln>
+    </cs:spPr>
+    <cs:defRPr sz="1330" kern="1200"/>
+  </cs:chartArea>
+  <cs:dataLabel>
+    <cs:lnRef idx="0"/>
+    <cs:fillRef idx="0"/>
+    <cs:effectRef idx="0"/>
+    <cs:fontRef idx="minor">
+      <a:schemeClr val="tx1">
+        <a:lumMod val="75000"/>
+        <a:lumOff val="25000"/>
+      </a:schemeClr>
+    </cs:fontRef>
+    <cs:defRPr sz="1197" kern="1200"/>
+  </cs:dataLabel>
+  <cs:dataLabelCallout>
+    <cs:lnRef idx="0"/>
+    <cs:fillRef idx="0"/>
+    <cs:effectRef idx="0"/>
+    <cs:fontRef idx="minor">
+      <a:schemeClr val="dk1">
+        <a:lumMod val="65000"/>
+        <a:lumOff val="35000"/>
+      </a:schemeClr>
+    </cs:fontRef>
+    <cs:spPr>
+      <a:solidFill>
+        <a:schemeClr val="lt1"/>
+      </a:solidFill>
+      <a:ln>
+        <a:solidFill>
+          <a:schemeClr val="dk1">
+            <a:lumMod val="25000"/>
+            <a:lumOff val="75000"/>
+          </a:schemeClr>
+        </a:solidFill>
+      </a:ln>
+    </cs:spPr>
+    <cs:defRPr sz="1197" kern="1200"/>
+    <cs:bodyPr rot="0" spcFirstLastPara="1" vertOverflow="clip" horzOverflow="clip" vert="horz" wrap="square" lIns="36576" tIns="18288" rIns="36576" bIns="18288" anchor="ctr" anchorCtr="1">
+      <a:spAutoFit/>
+    </cs:bodyPr>
+  </cs:dataLabelCallout>
+  <cs:dataPoint>
+    <cs:lnRef idx="0"/>
+    <cs:fillRef idx="1">
+      <cs:styleClr val="auto"/>
+    </cs:fillRef>
+    <cs:effectRef idx="0"/>
+    <cs:fontRef idx="minor">
+      <a:schemeClr val="tx1"/>
+    </cs:fontRef>
+  </cs:dataPoint>
+  <cs:dataPoint3D>
+    <cs:lnRef idx="0"/>
+    <cs:fillRef idx="1">
+      <cs:styleClr val="auto"/>
+    </cs:fillRef>
+    <cs:effectRef idx="0"/>
+    <cs:fontRef idx="minor">
+      <a:schemeClr val="tx1"/>
+    </cs:fontRef>
+  </cs:dataPoint3D>
+  <cs:dataPointLine>
+    <cs:lnRef idx="0">
+      <cs:styleClr val="auto"/>
+    </cs:lnRef>
+    <cs:fillRef idx="1"/>
+    <cs:effectRef idx="0"/>
+    <cs:fontRef idx="minor">
+      <a:schemeClr val="tx1"/>
+    </cs:fontRef>
+    <cs:spPr>
+      <a:ln w="28575" cap="rnd">
+        <a:solidFill>
+          <a:schemeClr val="phClr"/>
+        </a:solidFill>
+        <a:round/>
+      </a:ln>
+    </cs:spPr>
+  </cs:dataPointLine>
+  <cs:dataPointMarker>
+    <cs:lnRef idx="0">
+      <cs:styleClr val="auto"/>
+    </cs:lnRef>
+    <cs:fillRef idx="1">
+      <cs:styleClr val="auto"/>
+    </cs:fillRef>
+    <cs:effectRef idx="0"/>
+    <cs:fontRef idx="minor">
+      <a:schemeClr val="tx1"/>
+    </cs:fontRef>
+    <cs:spPr>
+      <a:ln w="9525">
+        <a:solidFill>
+          <a:schemeClr val="phClr"/>
+        </a:solidFill>
+      </a:ln>
+    </cs:spPr>
+  </cs:dataPointMarker>
+  <cs:dataPointMarkerLayout symbol="circle" size="5"/>
+  <cs:dataPointWireframe>
+    <cs:lnRef idx="0">
+      <cs:styleClr val="auto"/>
+    </cs:lnRef>
+    <cs:fillRef idx="1"/>
+    <cs:effectRef idx="0"/>
+    <cs:fontRef idx="minor">
+      <a:schemeClr val="tx1"/>
+    </cs:fontRef>
+    <cs:spPr>
+      <a:ln w="9525" cap="rnd">
+        <a:solidFill>
+          <a:schemeClr val="phClr"/>
+        </a:solidFill>
+        <a:round/>
+      </a:ln>
+    </cs:spPr>
+  </cs:dataPointWireframe>
+  <cs:dataTable>
+    <cs:lnRef idx="0"/>
+    <cs:fillRef idx="0"/>
+    <cs:effectRef idx="0"/>
+    <cs:fontRef idx="minor">
+      <a:schemeClr val="tx1">
+        <a:lumMod val="65000"/>
+        <a:lumOff val="35000"/>
+      </a:schemeClr>
+    </cs:fontRef>
+    <cs:spPr>
+      <a:noFill/>
+      <a:ln w="9525" cap="flat" cmpd="sng" algn="ctr">
+        <a:solidFill>
+          <a:schemeClr val="tx1">
+            <a:lumMod val="15000"/>
+            <a:lumOff val="85000"/>
+          </a:schemeClr>
+        </a:solidFill>
+        <a:round/>
+      </a:ln>
+    </cs:spPr>
+    <cs:defRPr sz="1197" kern="1200"/>
+  </cs:dataTable>
+  <cs:downBar>
+    <cs:lnRef idx="0"/>
+    <cs:fillRef idx="0"/>
+    <cs:effectRef idx="0"/>
+    <cs:fontRef idx="minor">
+      <a:schemeClr val="dk1"/>
+    </cs:fontRef>
+    <cs:spPr>
+      <a:solidFill>
+        <a:schemeClr val="dk1">
+          <a:lumMod val="65000"/>
+          <a:lumOff val="35000"/>
+        </a:schemeClr>
+      </a:solidFill>
+      <a:ln w="9525">
+        <a:solidFill>
+          <a:schemeClr val="tx1">
+            <a:lumMod val="65000"/>
+            <a:lumOff val="35000"/>
+          </a:schemeClr>
+        </a:solidFill>
+      </a:ln>
+    </cs:spPr>
+  </cs:downBar>
+  <cs:dropLine>
+    <cs:lnRef idx="0"/>
+    <cs:fillRef idx="0"/>
+    <cs:effectRef idx="0"/>
+    <cs:fontRef idx="minor">
+      <a:schemeClr val="tx1"/>
+    </cs:fontRef>
+    <cs:spPr>
+      <a:ln w="9525" cap="flat" cmpd="sng" algn="ctr">
+        <a:solidFill>
+          <a:schemeClr val="tx1">
+            <a:lumMod val="35000"/>
+            <a:lumOff val="65000"/>
+          </a:schemeClr>
+        </a:solidFill>
+        <a:round/>
+      </a:ln>
+    </cs:spPr>
+  </cs:dropLine>
+  <cs:errorBar>
+    <cs:lnRef idx="0"/>
+    <cs:fillRef idx="0"/>
+    <cs:effectRef idx="0"/>
+    <cs:fontRef idx="minor">
+      <a:schemeClr val="tx1"/>
+    </cs:fontRef>
+    <cs:spPr>
+      <a:ln w="9525" cap="flat" cmpd="sng" algn="ctr">
+        <a:solidFill>
+          <a:schemeClr val="tx1">
+            <a:lumMod val="65000"/>
+            <a:lumOff val="35000"/>
+          </a:schemeClr>
+        </a:solidFill>
+        <a:round/>
+      </a:ln>
+    </cs:spPr>
+  </cs:errorBar>
+  <cs:floor>
+    <cs:lnRef idx="0"/>
+    <cs:fillRef idx="0"/>
+    <cs:effectRef idx="0"/>
+    <cs:fontRef idx="minor">
+      <a:schemeClr val="tx1"/>
+    </cs:fontRef>
+    <cs:spPr>
+      <a:noFill/>
+      <a:ln>
+        <a:noFill/>
+      </a:ln>
+    </cs:spPr>
+  </cs:floor>
+  <cs:gridlineMajor>
+    <cs:lnRef idx="0"/>
+    <cs:fillRef idx="0"/>
+    <cs:effectRef idx="0"/>
+    <cs:fontRef idx="minor">
+      <a:schemeClr val="tx1"/>
+    </cs:fontRef>
+    <cs:spPr>
+      <a:ln w="9525" cap="flat" cmpd="sng" algn="ctr">
+        <a:solidFill>
+          <a:schemeClr val="tx1">
+            <a:lumMod val="15000"/>
+            <a:lumOff val="85000"/>
+          </a:schemeClr>
+        </a:solidFill>
+        <a:round/>
+      </a:ln>
+    </cs:spPr>
+  </cs:gridlineMajor>
+  <cs:gridlineMinor>
+    <cs:lnRef idx="0"/>
+    <cs:fillRef idx="0"/>
+    <cs:effectRef idx="0"/>
+    <cs:fontRef idx="minor">
+      <a:schemeClr val="tx1"/>
+    </cs:fontRef>
+    <cs:spPr>
+      <a:ln w="9525" cap="flat" cmpd="sng" algn="ctr">
+        <a:solidFill>
+          <a:schemeClr val="tx1">
+            <a:lumMod val="5000"/>
+            <a:lumOff val="95000"/>
+          </a:schemeClr>
+        </a:solidFill>
+        <a:round/>
+      </a:ln>
+    </cs:spPr>
+  </cs:gridlineMinor>
+  <cs:hiLoLine>
+    <cs:lnRef idx="0"/>
+    <cs:fillRef idx="0"/>
+    <cs:effectRef idx="0"/>
+    <cs:fontRef idx="minor">
+      <a:schemeClr val="tx1"/>
+    </cs:fontRef>
+    <cs:spPr>
+      <a:ln w="9525" cap="flat" cmpd="sng" algn="ctr">
+        <a:solidFill>
+          <a:schemeClr val="tx1">
+            <a:lumMod val="75000"/>
+            <a:lumOff val="25000"/>
+          </a:schemeClr>
+        </a:solidFill>
+        <a:round/>
+      </a:ln>
+    </cs:spPr>
+  </cs:hiLoLine>
+  <cs:leaderLine>
+    <cs:lnRef idx="0"/>
+    <cs:fillRef idx="0"/>
+    <cs:effectRef idx="0"/>
+    <cs:fontRef idx="minor">
+      <a:schemeClr val="tx1"/>
+    </cs:fontRef>
+    <cs:spPr>
+      <a:ln w="9525" cap="flat" cmpd="sng" algn="ctr">
+        <a:solidFill>
+          <a:schemeClr val="tx1">
+            <a:lumMod val="35000"/>
+            <a:lumOff val="65000"/>
+          </a:schemeClr>
+        </a:solidFill>
+        <a:round/>
+      </a:ln>
+    </cs:spPr>
+  </cs:leaderLine>
+  <cs:legend>
+    <cs:lnRef idx="0"/>
+    <cs:fillRef idx="0"/>
+    <cs:effectRef idx="0"/>
+    <cs:fontRef idx="minor">
+      <a:schemeClr val="tx1">
+        <a:lumMod val="65000"/>
+        <a:lumOff val="35000"/>
+      </a:schemeClr>
+    </cs:fontRef>
+    <cs:defRPr sz="1197" kern="1200"/>
+  </cs:legend>
+  <cs:plotArea mods="allowNoFillOverride allowNoLineOverride">
+    <cs:lnRef idx="0"/>
+    <cs:fillRef idx="0"/>
+    <cs:effectRef idx="0"/>
+    <cs:fontRef idx="minor">
+      <a:schemeClr val="tx1"/>
+    </cs:fontRef>
+  </cs:plotArea>
+  <cs:plotArea3D mods="allowNoFillOverride allowNoLineOverride">
+    <cs:lnRef idx="0"/>
+    <cs:fillRef idx="0"/>
+    <cs:effectRef idx="0"/>
+    <cs:fontRef idx="minor">
+      <a:schemeClr val="tx1"/>
+    </cs:fontRef>
+  </cs:plotArea3D>
+  <cs:seriesAxis>
+    <cs:lnRef idx="0"/>
+    <cs:fillRef idx="0"/>
+    <cs:effectRef idx="0"/>
+    <cs:fontRef idx="minor">
+      <a:schemeClr val="tx1">
+        <a:lumMod val="65000"/>
+        <a:lumOff val="35000"/>
+      </a:schemeClr>
+    </cs:fontRef>
+    <cs:defRPr sz="1197" kern="1200"/>
+  </cs:seriesAxis>
+  <cs:seriesLine>
+    <cs:lnRef idx="0"/>
+    <cs:fillRef idx="0"/>
+    <cs:effectRef idx="0"/>
+    <cs:fontRef idx="minor">
+      <a:schemeClr val="tx1"/>
+    </cs:fontRef>
+    <cs:spPr>
+      <a:ln w="9525" cap="flat" cmpd="sng" algn="ctr">
+        <a:solidFill>
+          <a:schemeClr val="tx1">
+            <a:lumMod val="35000"/>
+            <a:lumOff val="65000"/>
+          </a:schemeClr>
+        </a:solidFill>
+        <a:round/>
+      </a:ln>
+    </cs:spPr>
+  </cs:seriesLine>
+  <cs:title>
+    <cs:lnRef idx="0"/>
+    <cs:fillRef idx="0"/>
+    <cs:effectRef idx="0"/>
+    <cs:fontRef idx="minor">
+      <a:schemeClr val="tx1">
+        <a:lumMod val="65000"/>
+        <a:lumOff val="35000"/>
+      </a:schemeClr>
+    </cs:fontRef>
+    <cs:defRPr sz="1862" b="0" kern="1200" spc="0" baseline="0"/>
+  </cs:title>
+  <cs:trendline>
+    <cs:lnRef idx="0">
+      <cs:styleClr val="auto"/>
+    </cs:lnRef>
+    <cs:fillRef idx="0"/>
+    <cs:effectRef idx="0"/>
+    <cs:fontRef idx="minor">
+      <a:schemeClr val="tx1"/>
+    </cs:fontRef>
+    <cs:spPr>
+      <a:ln w="19050" cap="rnd">
+        <a:solidFill>
+          <a:schemeClr val="phClr"/>
+        </a:solidFill>
+        <a:prstDash val="sysDot"/>
+      </a:ln>
+    </cs:spPr>
+  </cs:trendline>
+  <cs:trendlineLabel>
+    <cs:lnRef idx="0"/>
+    <cs:fillRef idx="0"/>
+    <cs:effectRef idx="0"/>
+    <cs:fontRef idx="minor">
+      <a:schemeClr val="tx1">
+        <a:lumMod val="65000"/>
+        <a:lumOff val="35000"/>
+      </a:schemeClr>
+    </cs:fontRef>
+    <cs:defRPr sz="1197" kern="1200"/>
+  </cs:trendlineLabel>
+  <cs:upBar>
+    <cs:lnRef idx="0"/>
+    <cs:fillRef idx="0"/>
+    <cs:effectRef idx="0"/>
+    <cs:fontRef idx="minor">
+      <a:schemeClr val="dk1"/>
+    </cs:fontRef>
+    <cs:spPr>
+      <a:solidFill>
+        <a:schemeClr val="lt1"/>
+      </a:solidFill>
+      <a:ln w="9525">
+        <a:solidFill>
+          <a:schemeClr val="tx1">
+            <a:lumMod val="15000"/>
+            <a:lumOff val="85000"/>
+          </a:schemeClr>
+        </a:solidFill>
+      </a:ln>
+    </cs:spPr>
+  </cs:upBar>
+  <cs:valueAxis>
+    <cs:lnRef idx="0"/>
+    <cs:fillRef idx="0"/>
+    <cs:effectRef idx="0"/>
+    <cs:fontRef idx="minor">
+      <a:schemeClr val="tx1">
+        <a:lumMod val="65000"/>
+        <a:lumOff val="35000"/>
+      </a:schemeClr>
+    </cs:fontRef>
+    <cs:defRPr sz="1197" kern="1200"/>
+  </cs:valueAxis>
+  <cs:wall>
+    <cs:lnRef idx="0"/>
+    <cs:fillRef idx="0"/>
+    <cs:effectRef idx="0"/>
+    <cs:fontRef idx="minor">
+      <a:schemeClr val="tx1"/>
+    </cs:fontRef>
+    <cs:spPr>
+      <a:noFill/>
+      <a:ln>
+        <a:noFill/>
+      </a:ln>
+    </cs:spPr>
+  </cs:wall>
+</cs:chartStyle>
+</file>
+
+<file path=ppt/charts/style7.xml><?xml version="1.0" encoding="utf-8"?>
+<cs:chartStyle xmlns:cs="http://schemas.microsoft.com/office/drawing/2012/chartStyle" xmlns:a="http://schemas.openxmlformats.org/drawingml/2006/main" id="201">
+  <cs:axisTitle>
+    <cs:lnRef idx="0"/>
+    <cs:fillRef idx="0"/>
+    <cs:effectRef idx="0"/>
+    <cs:fontRef idx="minor">
+      <a:schemeClr val="tx1">
+        <a:lumMod val="65000"/>
+        <a:lumOff val="35000"/>
+      </a:schemeClr>
+    </cs:fontRef>
+    <cs:defRPr sz="1330" kern="1200"/>
+  </cs:axisTitle>
+  <cs:categoryAxis>
+    <cs:lnRef idx="0"/>
+    <cs:fillRef idx="0"/>
+    <cs:effectRef idx="0"/>
+    <cs:fontRef idx="minor">
+      <a:schemeClr val="tx1">
+        <a:lumMod val="65000"/>
+        <a:lumOff val="35000"/>
+      </a:schemeClr>
+    </cs:fontRef>
+    <cs:spPr>
+      <a:ln w="9525" cap="flat" cmpd="sng" algn="ctr">
+        <a:solidFill>
+          <a:schemeClr val="tx1">
+            <a:lumMod val="15000"/>
+            <a:lumOff val="85000"/>
+          </a:schemeClr>
+        </a:solidFill>
+        <a:round/>
+      </a:ln>
+    </cs:spPr>
+    <cs:defRPr sz="1197" kern="1200"/>
+  </cs:categoryAxis>
+  <cs:chartArea mods="allowNoFillOverride allowNoLineOverride">
+    <cs:lnRef idx="0"/>
+    <cs:fillRef idx="0"/>
+    <cs:effectRef idx="0"/>
+    <cs:fontRef idx="minor">
+      <a:schemeClr val="tx1"/>
+    </cs:fontRef>
+    <cs:spPr>
+      <a:solidFill>
+        <a:schemeClr val="bg1"/>
+      </a:solidFill>
+      <a:ln w="9525" cap="flat" cmpd="sng" algn="ctr">
+        <a:solidFill>
+          <a:schemeClr val="tx1">
+            <a:lumMod val="15000"/>
+            <a:lumOff val="85000"/>
+          </a:schemeClr>
+        </a:solidFill>
+        <a:round/>
+      </a:ln>
+    </cs:spPr>
+    <cs:defRPr sz="1330" kern="1200"/>
+  </cs:chartArea>
+  <cs:dataLabel>
+    <cs:lnRef idx="0"/>
+    <cs:fillRef idx="0"/>
+    <cs:effectRef idx="0"/>
+    <cs:fontRef idx="minor">
+      <a:schemeClr val="tx1">
+        <a:lumMod val="75000"/>
+        <a:lumOff val="25000"/>
+      </a:schemeClr>
+    </cs:fontRef>
+    <cs:defRPr sz="1197" kern="1200"/>
+  </cs:dataLabel>
+  <cs:dataLabelCallout>
+    <cs:lnRef idx="0"/>
+    <cs:fillRef idx="0"/>
+    <cs:effectRef idx="0"/>
+    <cs:fontRef idx="minor">
+      <a:schemeClr val="dk1">
+        <a:lumMod val="65000"/>
+        <a:lumOff val="35000"/>
+      </a:schemeClr>
+    </cs:fontRef>
+    <cs:spPr>
+      <a:solidFill>
+        <a:schemeClr val="lt1"/>
+      </a:solidFill>
+      <a:ln>
+        <a:solidFill>
+          <a:schemeClr val="dk1">
+            <a:lumMod val="25000"/>
+            <a:lumOff val="75000"/>
+          </a:schemeClr>
+        </a:solidFill>
+      </a:ln>
+    </cs:spPr>
+    <cs:defRPr sz="1197" kern="1200"/>
+    <cs:bodyPr rot="0" spcFirstLastPara="1" vertOverflow="clip" horzOverflow="clip" vert="horz" wrap="square" lIns="36576" tIns="18288" rIns="36576" bIns="18288" anchor="ctr" anchorCtr="1">
+      <a:spAutoFit/>
+    </cs:bodyPr>
+  </cs:dataLabelCallout>
+  <cs:dataPoint>
+    <cs:lnRef idx="0"/>
+    <cs:fillRef idx="1">
+      <cs:styleClr val="auto"/>
+    </cs:fillRef>
+    <cs:effectRef idx="0"/>
+    <cs:fontRef idx="minor">
+      <a:schemeClr val="tx1"/>
+    </cs:fontRef>
+  </cs:dataPoint>
+  <cs:dataPoint3D>
+    <cs:lnRef idx="0"/>
+    <cs:fillRef idx="1">
+      <cs:styleClr val="auto"/>
+    </cs:fillRef>
+    <cs:effectRef idx="0"/>
+    <cs:fontRef idx="minor">
+      <a:schemeClr val="tx1"/>
+    </cs:fontRef>
+  </cs:dataPoint3D>
+  <cs:dataPointLine>
+    <cs:lnRef idx="0">
+      <cs:styleClr val="auto"/>
+    </cs:lnRef>
+    <cs:fillRef idx="1"/>
+    <cs:effectRef idx="0"/>
+    <cs:fontRef idx="minor">
+      <a:schemeClr val="tx1"/>
+    </cs:fontRef>
+    <cs:spPr>
+      <a:ln w="28575" cap="rnd">
+        <a:solidFill>
+          <a:schemeClr val="phClr"/>
+        </a:solidFill>
+        <a:round/>
+      </a:ln>
+    </cs:spPr>
+  </cs:dataPointLine>
+  <cs:dataPointMarker>
+    <cs:lnRef idx="0">
+      <cs:styleClr val="auto"/>
+    </cs:lnRef>
+    <cs:fillRef idx="1">
+      <cs:styleClr val="auto"/>
+    </cs:fillRef>
+    <cs:effectRef idx="0"/>
+    <cs:fontRef idx="minor">
+      <a:schemeClr val="tx1"/>
+    </cs:fontRef>
+    <cs:spPr>
+      <a:ln w="9525">
+        <a:solidFill>
+          <a:schemeClr val="phClr"/>
+        </a:solidFill>
+      </a:ln>
+    </cs:spPr>
+  </cs:dataPointMarker>
+  <cs:dataPointMarkerLayout symbol="circle" size="5"/>
+  <cs:dataPointWireframe>
+    <cs:lnRef idx="0">
+      <cs:styleClr val="auto"/>
+    </cs:lnRef>
+    <cs:fillRef idx="1"/>
+    <cs:effectRef idx="0"/>
+    <cs:fontRef idx="minor">
+      <a:schemeClr val="tx1"/>
+    </cs:fontRef>
+    <cs:spPr>
+      <a:ln w="9525" cap="rnd">
+        <a:solidFill>
+          <a:schemeClr val="phClr"/>
+        </a:solidFill>
+        <a:round/>
+      </a:ln>
+    </cs:spPr>
+  </cs:dataPointWireframe>
+  <cs:dataTable>
+    <cs:lnRef idx="0"/>
+    <cs:fillRef idx="0"/>
+    <cs:effectRef idx="0"/>
+    <cs:fontRef idx="minor">
+      <a:schemeClr val="tx1">
+        <a:lumMod val="65000"/>
+        <a:lumOff val="35000"/>
+      </a:schemeClr>
+    </cs:fontRef>
+    <cs:spPr>
+      <a:noFill/>
+      <a:ln w="9525" cap="flat" cmpd="sng" algn="ctr">
+        <a:solidFill>
+          <a:schemeClr val="tx1">
+            <a:lumMod val="15000"/>
+            <a:lumOff val="85000"/>
+          </a:schemeClr>
+        </a:solidFill>
+        <a:round/>
+      </a:ln>
+    </cs:spPr>
+    <cs:defRPr sz="1197" kern="1200"/>
+  </cs:dataTable>
+  <cs:downBar>
+    <cs:lnRef idx="0"/>
+    <cs:fillRef idx="0"/>
+    <cs:effectRef idx="0"/>
+    <cs:fontRef idx="minor">
+      <a:schemeClr val="dk1"/>
+    </cs:fontRef>
+    <cs:spPr>
+      <a:solidFill>
+        <a:schemeClr val="dk1">
+          <a:lumMod val="65000"/>
+          <a:lumOff val="35000"/>
+        </a:schemeClr>
+      </a:solidFill>
+      <a:ln w="9525">
+        <a:solidFill>
+          <a:schemeClr val="tx1">
+            <a:lumMod val="65000"/>
+            <a:lumOff val="35000"/>
+          </a:schemeClr>
+        </a:solidFill>
+      </a:ln>
+    </cs:spPr>
+  </cs:downBar>
+  <cs:dropLine>
+    <cs:lnRef idx="0"/>
+    <cs:fillRef idx="0"/>
+    <cs:effectRef idx="0"/>
+    <cs:fontRef idx="minor">
+      <a:schemeClr val="tx1"/>
+    </cs:fontRef>
+    <cs:spPr>
+      <a:ln w="9525" cap="flat" cmpd="sng" algn="ctr">
+        <a:solidFill>
+          <a:schemeClr val="tx1">
+            <a:lumMod val="35000"/>
+            <a:lumOff val="65000"/>
+          </a:schemeClr>
+        </a:solidFill>
+        <a:round/>
+      </a:ln>
+    </cs:spPr>
+  </cs:dropLine>
+  <cs:errorBar>
+    <cs:lnRef idx="0"/>
+    <cs:fillRef idx="0"/>
+    <cs:effectRef idx="0"/>
+    <cs:fontRef idx="minor">
+      <a:schemeClr val="tx1"/>
+    </cs:fontRef>
+    <cs:spPr>
+      <a:ln w="9525" cap="flat" cmpd="sng" algn="ctr">
+        <a:solidFill>
+          <a:schemeClr val="tx1">
+            <a:lumMod val="65000"/>
+            <a:lumOff val="35000"/>
+          </a:schemeClr>
+        </a:solidFill>
+        <a:round/>
+      </a:ln>
+    </cs:spPr>
+  </cs:errorBar>
+  <cs:floor>
+    <cs:lnRef idx="0"/>
+    <cs:fillRef idx="0"/>
+    <cs:effectRef idx="0"/>
+    <cs:fontRef idx="minor">
+      <a:schemeClr val="tx1"/>
+    </cs:fontRef>
+    <cs:spPr>
+      <a:noFill/>
+      <a:ln>
+        <a:noFill/>
+      </a:ln>
+    </cs:spPr>
+  </cs:floor>
+  <cs:gridlineMajor>
+    <cs:lnRef idx="0"/>
+    <cs:fillRef idx="0"/>
+    <cs:effectRef idx="0"/>
+    <cs:fontRef idx="minor">
+      <a:schemeClr val="tx1"/>
+    </cs:fontRef>
+    <cs:spPr>
+      <a:ln w="9525" cap="flat" cmpd="sng" algn="ctr">
+        <a:solidFill>
+          <a:schemeClr val="tx1">
+            <a:lumMod val="15000"/>
+            <a:lumOff val="85000"/>
+          </a:schemeClr>
+        </a:solidFill>
+        <a:round/>
+      </a:ln>
+    </cs:spPr>
+  </cs:gridlineMajor>
+  <cs:gridlineMinor>
+    <cs:lnRef idx="0"/>
+    <cs:fillRef idx="0"/>
+    <cs:effectRef idx="0"/>
+    <cs:fontRef idx="minor">
+      <a:schemeClr val="tx1"/>
+    </cs:fontRef>
+    <cs:spPr>
+      <a:ln w="9525" cap="flat" cmpd="sng" algn="ctr">
+        <a:solidFill>
+          <a:schemeClr val="tx1">
+            <a:lumMod val="5000"/>
+            <a:lumOff val="95000"/>
+          </a:schemeClr>
+        </a:solidFill>
+        <a:round/>
+      </a:ln>
+    </cs:spPr>
+  </cs:gridlineMinor>
+  <cs:hiLoLine>
+    <cs:lnRef idx="0"/>
+    <cs:fillRef idx="0"/>
+    <cs:effectRef idx="0"/>
+    <cs:fontRef idx="minor">
+      <a:schemeClr val="tx1"/>
+    </cs:fontRef>
+    <cs:spPr>
+      <a:ln w="9525" cap="flat" cmpd="sng" algn="ctr">
+        <a:solidFill>
+          <a:schemeClr val="tx1">
+            <a:lumMod val="75000"/>
+            <a:lumOff val="25000"/>
+          </a:schemeClr>
+        </a:solidFill>
+        <a:round/>
+      </a:ln>
+    </cs:spPr>
+  </cs:hiLoLine>
+  <cs:leaderLine>
+    <cs:lnRef idx="0"/>
+    <cs:fillRef idx="0"/>
+    <cs:effectRef idx="0"/>
+    <cs:fontRef idx="minor">
+      <a:schemeClr val="tx1"/>
+    </cs:fontRef>
+    <cs:spPr>
+      <a:ln w="9525" cap="flat" cmpd="sng" algn="ctr">
+        <a:solidFill>
+          <a:schemeClr val="tx1">
+            <a:lumMod val="35000"/>
+            <a:lumOff val="65000"/>
+          </a:schemeClr>
+        </a:solidFill>
+        <a:round/>
+      </a:ln>
+    </cs:spPr>
+  </cs:leaderLine>
+  <cs:legend>
+    <cs:lnRef idx="0"/>
+    <cs:fillRef idx="0"/>
+    <cs:effectRef idx="0"/>
+    <cs:fontRef idx="minor">
+      <a:schemeClr val="tx1">
+        <a:lumMod val="65000"/>
+        <a:lumOff val="35000"/>
+      </a:schemeClr>
+    </cs:fontRef>
+    <cs:defRPr sz="1197" kern="1200"/>
+  </cs:legend>
+  <cs:plotArea mods="allowNoFillOverride allowNoLineOverride">
+    <cs:lnRef idx="0"/>
+    <cs:fillRef idx="0"/>
+    <cs:effectRef idx="0"/>
+    <cs:fontRef idx="minor">
+      <a:schemeClr val="tx1"/>
+    </cs:fontRef>
+  </cs:plotArea>
+  <cs:plotArea3D mods="allowNoFillOverride allowNoLineOverride">
+    <cs:lnRef idx="0"/>
+    <cs:fillRef idx="0"/>
+    <cs:effectRef idx="0"/>
+    <cs:fontRef idx="minor">
+      <a:schemeClr val="tx1"/>
+    </cs:fontRef>
+  </cs:plotArea3D>
+  <cs:seriesAxis>
+    <cs:lnRef idx="0"/>
+    <cs:fillRef idx="0"/>
+    <cs:effectRef idx="0"/>
+    <cs:fontRef idx="minor">
+      <a:schemeClr val="tx1">
+        <a:lumMod val="65000"/>
+        <a:lumOff val="35000"/>
+      </a:schemeClr>
+    </cs:fontRef>
+    <cs:defRPr sz="1197" kern="1200"/>
+  </cs:seriesAxis>
+  <cs:seriesLine>
+    <cs:lnRef idx="0"/>
+    <cs:fillRef idx="0"/>
+    <cs:effectRef idx="0"/>
+    <cs:fontRef idx="minor">
+      <a:schemeClr val="tx1"/>
+    </cs:fontRef>
+    <cs:spPr>
+      <a:ln w="9525" cap="flat" cmpd="sng" algn="ctr">
+        <a:solidFill>
+          <a:schemeClr val="tx1">
+            <a:lumMod val="35000"/>
+            <a:lumOff val="65000"/>
+          </a:schemeClr>
+        </a:solidFill>
+        <a:round/>
+      </a:ln>
+    </cs:spPr>
+  </cs:seriesLine>
+  <cs:title>
+    <cs:lnRef idx="0"/>
+    <cs:fillRef idx="0"/>
+    <cs:effectRef idx="0"/>
+    <cs:fontRef idx="minor">
+      <a:schemeClr val="tx1">
+        <a:lumMod val="65000"/>
+        <a:lumOff val="35000"/>
+      </a:schemeClr>
+    </cs:fontRef>
+    <cs:defRPr sz="1862" b="0" kern="1200" spc="0" baseline="0"/>
+  </cs:title>
+  <cs:trendline>
+    <cs:lnRef idx="0">
+      <cs:styleClr val="auto"/>
+    </cs:lnRef>
+    <cs:fillRef idx="0"/>
+    <cs:effectRef idx="0"/>
+    <cs:fontRef idx="minor">
+      <a:schemeClr val="tx1"/>
+    </cs:fontRef>
+    <cs:spPr>
+      <a:ln w="19050" cap="rnd">
+        <a:solidFill>
+          <a:schemeClr val="phClr"/>
+        </a:solidFill>
+        <a:prstDash val="sysDot"/>
+      </a:ln>
+    </cs:spPr>
+  </cs:trendline>
+  <cs:trendlineLabel>
+    <cs:lnRef idx="0"/>
+    <cs:fillRef idx="0"/>
+    <cs:effectRef idx="0"/>
+    <cs:fontRef idx="minor">
+      <a:schemeClr val="tx1">
+        <a:lumMod val="65000"/>
+        <a:lumOff val="35000"/>
+      </a:schemeClr>
+    </cs:fontRef>
+    <cs:defRPr sz="1197" kern="1200"/>
+  </cs:trendlineLabel>
+  <cs:upBar>
+    <cs:lnRef idx="0"/>
+    <cs:fillRef idx="0"/>
+    <cs:effectRef idx="0"/>
+    <cs:fontRef idx="minor">
+      <a:schemeClr val="dk1"/>
+    </cs:fontRef>
+    <cs:spPr>
+      <a:solidFill>
+        <a:schemeClr val="lt1"/>
+      </a:solidFill>
+      <a:ln w="9525">
+        <a:solidFill>
+          <a:schemeClr val="tx1">
+            <a:lumMod val="15000"/>
+            <a:lumOff val="85000"/>
+          </a:schemeClr>
+        </a:solidFill>
+      </a:ln>
+    </cs:spPr>
+  </cs:upBar>
+  <cs:valueAxis>
+    <cs:lnRef idx="0"/>
+    <cs:fillRef idx="0"/>
+    <cs:effectRef idx="0"/>
+    <cs:fontRef idx="minor">
+      <a:schemeClr val="tx1">
+        <a:lumMod val="65000"/>
+        <a:lumOff val="35000"/>
+      </a:schemeClr>
+    </cs:fontRef>
+    <cs:defRPr sz="1197" kern="1200"/>
+  </cs:valueAxis>
+  <cs:wall>
+    <cs:lnRef idx="0"/>
+    <cs:fillRef idx="0"/>
+    <cs:effectRef idx="0"/>
+    <cs:fontRef idx="minor">
+      <a:schemeClr val="tx1"/>
+    </cs:fontRef>
+    <cs:spPr>
+      <a:noFill/>
+      <a:ln>
+        <a:noFill/>
+      </a:ln>
+    </cs:spPr>
+  </cs:wall>
+</cs:chartStyle>
 </file>
 
 <file path=ppt/drawings/drawing1.xml><?xml version="1.0" encoding="utf-8"?>
@@ -1432,7 +8058,7 @@
             <a:fld id="{668576CA-464C-4E95-9533-BB3A42F90C87}" type="datetimeFigureOut">
               <a:rPr lang="ru-RU" smtClean="0"/>
               <a:pPr/>
-              <a:t>12.04.2019</a:t>
+              <a:t>16.04.2019</a:t>
             </a:fld>
             <a:endParaRPr lang="ru-RU"/>
           </a:p>
@@ -2030,7 +8656,7 @@
             <a:fld id="{52E6EDE5-DBB6-420E-99AF-53F3A8E278F0}" type="slidenum">
               <a:rPr lang="ru-RU" smtClean="0"/>
               <a:pPr/>
-              <a:t>11</a:t>
+              <a:t>12</a:t>
             </a:fld>
             <a:endParaRPr lang="ru-RU"/>
           </a:p>
@@ -2119,7 +8745,7 @@
             <a:fld id="{52E6EDE5-DBB6-420E-99AF-53F3A8E278F0}" type="slidenum">
               <a:rPr lang="ru-RU" smtClean="0"/>
               <a:pPr/>
-              <a:t>16</a:t>
+              <a:t>23</a:t>
             </a:fld>
             <a:endParaRPr lang="ru-RU"/>
           </a:p>
@@ -2320,7 +8946,7 @@
             <a:fld id="{07A0AB6A-093B-4927-90C6-3AFF28FCFFBC}" type="datetimeFigureOut">
               <a:rPr lang="ru-RU" smtClean="0"/>
               <a:pPr/>
-              <a:t>12.04.2019</a:t>
+              <a:t>16.04.2019</a:t>
             </a:fld>
             <a:endParaRPr lang="ru-RU"/>
           </a:p>
@@ -2487,7 +9113,7 @@
             <a:fld id="{07A0AB6A-093B-4927-90C6-3AFF28FCFFBC}" type="datetimeFigureOut">
               <a:rPr lang="ru-RU" smtClean="0"/>
               <a:pPr/>
-              <a:t>12.04.2019</a:t>
+              <a:t>16.04.2019</a:t>
             </a:fld>
             <a:endParaRPr lang="ru-RU"/>
           </a:p>
@@ -2664,7 +9290,7 @@
             <a:fld id="{07A0AB6A-093B-4927-90C6-3AFF28FCFFBC}" type="datetimeFigureOut">
               <a:rPr lang="ru-RU" smtClean="0"/>
               <a:pPr/>
-              <a:t>12.04.2019</a:t>
+              <a:t>16.04.2019</a:t>
             </a:fld>
             <a:endParaRPr lang="ru-RU"/>
           </a:p>
@@ -2831,7 +9457,7 @@
             <a:fld id="{07A0AB6A-093B-4927-90C6-3AFF28FCFFBC}" type="datetimeFigureOut">
               <a:rPr lang="ru-RU" smtClean="0"/>
               <a:pPr/>
-              <a:t>12.04.2019</a:t>
+              <a:t>16.04.2019</a:t>
             </a:fld>
             <a:endParaRPr lang="ru-RU"/>
           </a:p>
@@ -3081,7 +9707,7 @@
             <a:fld id="{07A0AB6A-093B-4927-90C6-3AFF28FCFFBC}" type="datetimeFigureOut">
               <a:rPr lang="ru-RU" smtClean="0"/>
               <a:pPr/>
-              <a:t>12.04.2019</a:t>
+              <a:t>16.04.2019</a:t>
             </a:fld>
             <a:endParaRPr lang="ru-RU"/>
           </a:p>
@@ -3366,7 +9992,7 @@
             <a:fld id="{07A0AB6A-093B-4927-90C6-3AFF28FCFFBC}" type="datetimeFigureOut">
               <a:rPr lang="ru-RU" smtClean="0"/>
               <a:pPr/>
-              <a:t>12.04.2019</a:t>
+              <a:t>16.04.2019</a:t>
             </a:fld>
             <a:endParaRPr lang="ru-RU"/>
           </a:p>
@@ -3785,7 +10411,7 @@
             <a:fld id="{07A0AB6A-093B-4927-90C6-3AFF28FCFFBC}" type="datetimeFigureOut">
               <a:rPr lang="ru-RU" smtClean="0"/>
               <a:pPr/>
-              <a:t>12.04.2019</a:t>
+              <a:t>16.04.2019</a:t>
             </a:fld>
             <a:endParaRPr lang="ru-RU"/>
           </a:p>
@@ -3900,7 +10526,7 @@
             <a:fld id="{07A0AB6A-093B-4927-90C6-3AFF28FCFFBC}" type="datetimeFigureOut">
               <a:rPr lang="ru-RU" smtClean="0"/>
               <a:pPr/>
-              <a:t>12.04.2019</a:t>
+              <a:t>16.04.2019</a:t>
             </a:fld>
             <a:endParaRPr lang="ru-RU"/>
           </a:p>
@@ -3992,7 +10618,7 @@
             <a:fld id="{07A0AB6A-093B-4927-90C6-3AFF28FCFFBC}" type="datetimeFigureOut">
               <a:rPr lang="ru-RU" smtClean="0"/>
               <a:pPr/>
-              <a:t>12.04.2019</a:t>
+              <a:t>16.04.2019</a:t>
             </a:fld>
             <a:endParaRPr lang="ru-RU"/>
           </a:p>
@@ -4266,7 +10892,7 @@
             <a:fld id="{07A0AB6A-093B-4927-90C6-3AFF28FCFFBC}" type="datetimeFigureOut">
               <a:rPr lang="ru-RU" smtClean="0"/>
               <a:pPr/>
-              <a:t>12.04.2019</a:t>
+              <a:t>16.04.2019</a:t>
             </a:fld>
             <a:endParaRPr lang="ru-RU"/>
           </a:p>
@@ -4516,7 +11142,7 @@
             <a:fld id="{07A0AB6A-093B-4927-90C6-3AFF28FCFFBC}" type="datetimeFigureOut">
               <a:rPr lang="ru-RU" smtClean="0"/>
               <a:pPr/>
-              <a:t>12.04.2019</a:t>
+              <a:t>16.04.2019</a:t>
             </a:fld>
             <a:endParaRPr lang="ru-RU"/>
           </a:p>
@@ -4726,7 +11352,7 @@
             <a:fld id="{07A0AB6A-093B-4927-90C6-3AFF28FCFFBC}" type="datetimeFigureOut">
               <a:rPr lang="ru-RU" smtClean="0"/>
               <a:pPr/>
-              <a:t>12.04.2019</a:t>
+              <a:t>16.04.2019</a:t>
             </a:fld>
             <a:endParaRPr lang="ru-RU"/>
           </a:p>
@@ -5115,17 +11741,14 @@
         </p:spPr>
         <p:txBody>
           <a:bodyPr>
-            <a:normAutofit/>
+            <a:noAutofit/>
           </a:bodyPr>
           <a:lstStyle/>
           <a:p>
             <a:r>
-              <a:rPr lang="ru-RU" dirty="0"/>
-              <a:t/>
-            </a:r>
-            <a:br>
-              <a:rPr lang="ru-RU" dirty="0"/>
-            </a:br>
+              <a:rPr lang="ru-RU" b="1" dirty="0"/>
+              <a:t>Поиск кратчайшего пути в метро с помощью алгоритмов графов</a:t>
+            </a:r>
             <a:endParaRPr lang="ru-RU" dirty="0"/>
           </a:p>
         </p:txBody>
@@ -5260,8 +11883,16 @@
               <a:t>«</a:t>
             </a:r>
             <a:r>
+              <a:rPr lang="ru-RU" sz="1100" dirty="0">
+                <a:latin typeface="Arial" panose="020B0604020202020204" pitchFamily="34" charset="0"/>
+                <a:ea typeface="Calibri" panose="020F0502020204030204" pitchFamily="34" charset="0"/>
+                <a:cs typeface="Times New Roman" panose="02020603050405020304" pitchFamily="18" charset="0"/>
+              </a:rPr>
+              <a:t>Зворыкинские</a:t>
+            </a:r>
+            <a:r>
               <a:rPr lang="ru-RU" sz="1100" dirty="0"/>
-              <a:t>Зворыкинские </a:t>
+              <a:t> </a:t>
             </a:r>
             <a:r>
               <a:rPr lang="ru-RU" sz="1100" dirty="0" smtClean="0">
@@ -5892,6 +12523,88 @@
       </p:grpSpPr>
       <p:sp>
         <p:nvSpPr>
+          <p:cNvPr id="2" name="Заголовок 1"/>
+          <p:cNvSpPr>
+            <a:spLocks noGrp="1"/>
+          </p:cNvSpPr>
+          <p:nvPr>
+            <p:ph type="title"/>
+          </p:nvPr>
+        </p:nvSpPr>
+        <p:spPr/>
+        <p:txBody>
+          <a:bodyPr/>
+          <a:lstStyle/>
+          <a:p>
+            <a:r>
+              <a:rPr lang="ru-RU" dirty="0" smtClean="0"/>
+              <a:t>Некоторые функции </a:t>
+            </a:r>
+            <a:r>
+              <a:rPr lang="en-US" dirty="0" smtClean="0"/>
+              <a:t>O(f(n))</a:t>
+            </a:r>
+            <a:endParaRPr lang="ru-RU" dirty="0"/>
+          </a:p>
+        </p:txBody>
+      </p:sp>
+      <p:graphicFrame>
+        <p:nvGraphicFramePr>
+          <p:cNvPr id="23" name="Объект 22"/>
+          <p:cNvGraphicFramePr>
+            <a:graphicFrameLocks noGrp="1"/>
+          </p:cNvGraphicFramePr>
+          <p:nvPr>
+            <p:ph idx="1"/>
+            <p:extLst>
+              <p:ext uri="{D42A27DB-BD31-4B8C-83A1-F6EECF244321}">
+                <p14:modId xmlns:p14="http://schemas.microsoft.com/office/powerpoint/2010/main" val="1751533831"/>
+              </p:ext>
+            </p:extLst>
+          </p:nvPr>
+        </p:nvGraphicFramePr>
+        <p:xfrm>
+          <a:off x="609600" y="1600200"/>
+          <a:ext cx="10972800" cy="4525963"/>
+        </p:xfrm>
+        <a:graphic>
+          <a:graphicData uri="http://schemas.openxmlformats.org/drawingml/2006/chart">
+            <c:chart xmlns:c="http://schemas.openxmlformats.org/drawingml/2006/chart" xmlns:r="http://schemas.openxmlformats.org/officeDocument/2006/relationships" r:id="rId2"/>
+          </a:graphicData>
+        </a:graphic>
+      </p:graphicFrame>
+    </p:spTree>
+    <p:extLst>
+      <p:ext uri="{BB962C8B-B14F-4D97-AF65-F5344CB8AC3E}">
+        <p14:creationId xmlns:p14="http://schemas.microsoft.com/office/powerpoint/2010/main" val="660822895"/>
+      </p:ext>
+    </p:extLst>
+  </p:cSld>
+  <p:clrMapOvr>
+    <a:masterClrMapping/>
+  </p:clrMapOvr>
+</p:sld>
+</file>
+
+<file path=ppt/slides/slide12.xml><?xml version="1.0" encoding="utf-8"?>
+<p:sld xmlns:a="http://schemas.openxmlformats.org/drawingml/2006/main" xmlns:r="http://schemas.openxmlformats.org/officeDocument/2006/relationships" xmlns:p="http://schemas.openxmlformats.org/presentationml/2006/main">
+  <p:cSld>
+    <p:spTree>
+      <p:nvGrpSpPr>
+        <p:cNvPr id="1" name=""/>
+        <p:cNvGrpSpPr/>
+        <p:nvPr/>
+      </p:nvGrpSpPr>
+      <p:grpSpPr>
+        <a:xfrm>
+          <a:off x="0" y="0"/>
+          <a:ext cx="0" cy="0"/>
+          <a:chOff x="0" y="0"/>
+          <a:chExt cx="0" cy="0"/>
+        </a:xfrm>
+      </p:grpSpPr>
+      <p:sp>
+        <p:nvSpPr>
           <p:cNvPr id="2" name="Title 1"/>
           <p:cNvSpPr>
             <a:spLocks noGrp="1"/>
@@ -5967,7 +12680,7 @@
 </p:sld>
 </file>
 
-<file path=ppt/slides/slide12.xml><?xml version="1.0" encoding="utf-8"?>
+<file path=ppt/slides/slide13.xml><?xml version="1.0" encoding="utf-8"?>
 <p:sld xmlns:a="http://schemas.openxmlformats.org/drawingml/2006/main" xmlns:r="http://schemas.openxmlformats.org/officeDocument/2006/relationships" xmlns:p="http://schemas.openxmlformats.org/presentationml/2006/main">
   <p:cSld>
     <p:spTree>
@@ -6072,7 +12785,7 @@
 </p:sld>
 </file>
 
-<file path=ppt/slides/slide13.xml><?xml version="1.0" encoding="utf-8"?>
+<file path=ppt/slides/slide14.xml><?xml version="1.0" encoding="utf-8"?>
 <p:sld xmlns:a="http://schemas.openxmlformats.org/drawingml/2006/main" xmlns:r="http://schemas.openxmlformats.org/officeDocument/2006/relationships" xmlns:p="http://schemas.openxmlformats.org/presentationml/2006/main">
   <p:cSld>
     <p:spTree>
@@ -6170,7 +12883,7 @@
 </p:sld>
 </file>
 
-<file path=ppt/slides/slide14.xml><?xml version="1.0" encoding="utf-8"?>
+<file path=ppt/slides/slide15.xml><?xml version="1.0" encoding="utf-8"?>
 <p:sld xmlns:a="http://schemas.openxmlformats.org/drawingml/2006/main" xmlns:r="http://schemas.openxmlformats.org/officeDocument/2006/relationships" xmlns:p="http://schemas.openxmlformats.org/presentationml/2006/main">
   <p:cSld>
     <p:spTree>
@@ -6265,7 +12978,7 @@
 </p:sld>
 </file>
 
-<file path=ppt/slides/slide15.xml><?xml version="1.0" encoding="utf-8"?>
+<file path=ppt/slides/slide16.xml><?xml version="1.0" encoding="utf-8"?>
 <p:sld xmlns:a="http://schemas.openxmlformats.org/drawingml/2006/main" xmlns:r="http://schemas.openxmlformats.org/officeDocument/2006/relationships" xmlns:p="http://schemas.openxmlformats.org/presentationml/2006/main">
   <p:cSld>
     <p:spTree>
@@ -6354,78 +13067,6 @@
 </p:sld>
 </file>
 
-<file path=ppt/slides/slide16.xml><?xml version="1.0" encoding="utf-8"?>
-<p:sld xmlns:a="http://schemas.openxmlformats.org/drawingml/2006/main" xmlns:r="http://schemas.openxmlformats.org/officeDocument/2006/relationships" xmlns:p="http://schemas.openxmlformats.org/presentationml/2006/main">
-  <p:cSld>
-    <p:spTree>
-      <p:nvGrpSpPr>
-        <p:cNvPr id="1" name=""/>
-        <p:cNvGrpSpPr/>
-        <p:nvPr/>
-      </p:nvGrpSpPr>
-      <p:grpSpPr>
-        <a:xfrm>
-          <a:off x="0" y="0"/>
-          <a:ext cx="0" cy="0"/>
-          <a:chOff x="0" y="0"/>
-          <a:chExt cx="0" cy="0"/>
-        </a:xfrm>
-      </p:grpSpPr>
-      <p:sp>
-        <p:nvSpPr>
-          <p:cNvPr id="2" name="Заголовок 1"/>
-          <p:cNvSpPr>
-            <a:spLocks noGrp="1"/>
-          </p:cNvSpPr>
-          <p:nvPr>
-            <p:ph type="title"/>
-          </p:nvPr>
-        </p:nvSpPr>
-        <p:spPr/>
-        <p:txBody>
-          <a:bodyPr/>
-          <a:lstStyle/>
-          <a:p>
-            <a:r>
-              <a:rPr lang="ru-RU" dirty="0" smtClean="0"/>
-              <a:t>Основные источники и ссылки на проект*</a:t>
-            </a:r>
-            <a:endParaRPr lang="ru-RU" dirty="0"/>
-          </a:p>
-        </p:txBody>
-      </p:sp>
-      <p:sp>
-        <p:nvSpPr>
-          <p:cNvPr id="3" name="Объект 2"/>
-          <p:cNvSpPr>
-            <a:spLocks noGrp="1"/>
-          </p:cNvSpPr>
-          <p:nvPr>
-            <p:ph idx="1"/>
-          </p:nvPr>
-        </p:nvSpPr>
-        <p:spPr/>
-        <p:txBody>
-          <a:bodyPr/>
-          <a:lstStyle/>
-          <a:p>
-            <a:endParaRPr lang="ru-RU"/>
-          </a:p>
-        </p:txBody>
-      </p:sp>
-    </p:spTree>
-    <p:extLst>
-      <p:ext uri="{BB962C8B-B14F-4D97-AF65-F5344CB8AC3E}">
-        <p14:creationId xmlns:p14="http://schemas.microsoft.com/office/powerpoint/2010/main" val="676281798"/>
-      </p:ext>
-    </p:extLst>
-  </p:cSld>
-  <p:clrMapOvr>
-    <a:masterClrMapping/>
-  </p:clrMapOvr>
-</p:sld>
-</file>
-
 <file path=ppt/slides/slide17.xml><?xml version="1.0" encoding="utf-8"?>
 <p:sld xmlns:a="http://schemas.openxmlformats.org/drawingml/2006/main" xmlns:r="http://schemas.openxmlformats.org/officeDocument/2006/relationships" xmlns:p="http://schemas.openxmlformats.org/presentationml/2006/main">
   <p:cSld>
@@ -6458,18 +13099,77 @@
           <a:bodyPr/>
           <a:lstStyle/>
           <a:p>
-            <a:endParaRPr lang="ru-RU"/>
+            <a:r>
+              <a:rPr lang="ru-RU" dirty="0" smtClean="0"/>
+              <a:t>Критерии оптимальности</a:t>
+            </a:r>
+            <a:endParaRPr lang="ru-RU" dirty="0"/>
           </a:p>
         </p:txBody>
       </p:sp>
+      <p:graphicFrame>
+        <p:nvGraphicFramePr>
+          <p:cNvPr id="15" name="Объект 14"/>
+          <p:cNvGraphicFramePr>
+            <a:graphicFrameLocks noGrp="1"/>
+          </p:cNvGraphicFramePr>
+          <p:nvPr>
+            <p:ph idx="1"/>
+            <p:extLst>
+              <p:ext uri="{D42A27DB-BD31-4B8C-83A1-F6EECF244321}">
+                <p14:modId xmlns:p14="http://schemas.microsoft.com/office/powerpoint/2010/main" val="2416375024"/>
+              </p:ext>
+            </p:extLst>
+          </p:nvPr>
+        </p:nvGraphicFramePr>
+        <p:xfrm>
+          <a:off x="609600" y="1417638"/>
+          <a:ext cx="10972800" cy="5251722"/>
+        </p:xfrm>
+        <a:graphic>
+          <a:graphicData uri="http://schemas.openxmlformats.org/drawingml/2006/chart">
+            <c:chart xmlns:c="http://schemas.openxmlformats.org/drawingml/2006/chart" xmlns:r="http://schemas.openxmlformats.org/officeDocument/2006/relationships" r:id="rId2"/>
+          </a:graphicData>
+        </a:graphic>
+      </p:graphicFrame>
+    </p:spTree>
+    <p:extLst>
+      <p:ext uri="{BB962C8B-B14F-4D97-AF65-F5344CB8AC3E}">
+        <p14:creationId xmlns:p14="http://schemas.microsoft.com/office/powerpoint/2010/main" val="3784491791"/>
+      </p:ext>
+    </p:extLst>
+  </p:cSld>
+  <p:clrMapOvr>
+    <a:masterClrMapping/>
+  </p:clrMapOvr>
+</p:sld>
+</file>
+
+<file path=ppt/slides/slide18.xml><?xml version="1.0" encoding="utf-8"?>
+<p:sld xmlns:a="http://schemas.openxmlformats.org/drawingml/2006/main" xmlns:r="http://schemas.openxmlformats.org/officeDocument/2006/relationships" xmlns:p="http://schemas.openxmlformats.org/presentationml/2006/main">
+  <p:cSld>
+    <p:spTree>
+      <p:nvGrpSpPr>
+        <p:cNvPr id="1" name=""/>
+        <p:cNvGrpSpPr/>
+        <p:nvPr/>
+      </p:nvGrpSpPr>
+      <p:grpSpPr>
+        <a:xfrm>
+          <a:off x="0" y="0"/>
+          <a:ext cx="0" cy="0"/>
+          <a:chOff x="0" y="0"/>
+          <a:chExt cx="0" cy="0"/>
+        </a:xfrm>
+      </p:grpSpPr>
       <p:sp>
         <p:nvSpPr>
-          <p:cNvPr id="3" name="Объект 2"/>
+          <p:cNvPr id="2" name="Заголовок 1"/>
           <p:cNvSpPr>
             <a:spLocks noGrp="1"/>
           </p:cNvSpPr>
           <p:nvPr>
-            <p:ph idx="1"/>
+            <p:ph type="title"/>
           </p:nvPr>
         </p:nvSpPr>
         <p:spPr/>
@@ -6477,45 +13177,127 @@
           <a:bodyPr/>
           <a:lstStyle/>
           <a:p>
-            <a:pPr marL="0" indent="0" algn="ctr">
-              <a:buNone/>
-            </a:pPr>
-            <a:endParaRPr lang="ru-RU" dirty="0" smtClean="0"/>
-          </a:p>
-          <a:p>
-            <a:pPr marL="0" indent="0" algn="ctr">
-              <a:buNone/>
-            </a:pPr>
-            <a:r>
-              <a:rPr lang="ru-RU" sz="8800" dirty="0" smtClean="0"/>
-              <a:t>Спасибо за внимание!</a:t>
-            </a:r>
-          </a:p>
-          <a:p>
-            <a:pPr marL="0" indent="0" algn="ctr">
-              <a:buNone/>
-            </a:pPr>
+            <a:r>
+              <a:rPr lang="ru-RU" dirty="0" smtClean="0"/>
+              <a:t>Критерии оптимальности</a:t>
+            </a:r>
             <a:endParaRPr lang="ru-RU" dirty="0"/>
           </a:p>
         </p:txBody>
       </p:sp>
+      <p:graphicFrame>
+        <p:nvGraphicFramePr>
+          <p:cNvPr id="15" name="Объект 14"/>
+          <p:cNvGraphicFramePr>
+            <a:graphicFrameLocks noGrp="1"/>
+          </p:cNvGraphicFramePr>
+          <p:nvPr>
+            <p:ph idx="1"/>
+            <p:extLst>
+              <p:ext uri="{D42A27DB-BD31-4B8C-83A1-F6EECF244321}">
+                <p14:modId xmlns:p14="http://schemas.microsoft.com/office/powerpoint/2010/main" val="3390020565"/>
+              </p:ext>
+            </p:extLst>
+          </p:nvPr>
+        </p:nvGraphicFramePr>
+        <p:xfrm>
+          <a:off x="609600" y="1417638"/>
+          <a:ext cx="10972800" cy="5251722"/>
+        </p:xfrm>
+        <a:graphic>
+          <a:graphicData uri="http://schemas.openxmlformats.org/drawingml/2006/chart">
+            <c:chart xmlns:c="http://schemas.openxmlformats.org/drawingml/2006/chart" xmlns:r="http://schemas.openxmlformats.org/officeDocument/2006/relationships" r:id="rId2"/>
+          </a:graphicData>
+        </a:graphic>
+      </p:graphicFrame>
     </p:spTree>
     <p:extLst>
       <p:ext uri="{BB962C8B-B14F-4D97-AF65-F5344CB8AC3E}">
-        <p14:creationId xmlns:p14="http://schemas.microsoft.com/office/powerpoint/2010/main" val="3918940764"/>
+        <p14:creationId xmlns:p14="http://schemas.microsoft.com/office/powerpoint/2010/main" val="468805911"/>
       </p:ext>
     </p:extLst>
   </p:cSld>
   <p:clrMapOvr>
     <a:masterClrMapping/>
   </p:clrMapOvr>
-  <p:timing>
-    <p:tnLst>
-      <p:par>
-        <p:cTn id="1" dur="indefinite" restart="never" nodeType="tmRoot"/>
-      </p:par>
-    </p:tnLst>
-  </p:timing>
+</p:sld>
+</file>
+
+<file path=ppt/slides/slide19.xml><?xml version="1.0" encoding="utf-8"?>
+<p:sld xmlns:a="http://schemas.openxmlformats.org/drawingml/2006/main" xmlns:r="http://schemas.openxmlformats.org/officeDocument/2006/relationships" xmlns:p="http://schemas.openxmlformats.org/presentationml/2006/main">
+  <p:cSld>
+    <p:spTree>
+      <p:nvGrpSpPr>
+        <p:cNvPr id="1" name=""/>
+        <p:cNvGrpSpPr/>
+        <p:nvPr/>
+      </p:nvGrpSpPr>
+      <p:grpSpPr>
+        <a:xfrm>
+          <a:off x="0" y="0"/>
+          <a:ext cx="0" cy="0"/>
+          <a:chOff x="0" y="0"/>
+          <a:chExt cx="0" cy="0"/>
+        </a:xfrm>
+      </p:grpSpPr>
+      <p:sp>
+        <p:nvSpPr>
+          <p:cNvPr id="2" name="Заголовок 1"/>
+          <p:cNvSpPr>
+            <a:spLocks noGrp="1"/>
+          </p:cNvSpPr>
+          <p:nvPr>
+            <p:ph type="title"/>
+          </p:nvPr>
+        </p:nvSpPr>
+        <p:spPr/>
+        <p:txBody>
+          <a:bodyPr/>
+          <a:lstStyle/>
+          <a:p>
+            <a:r>
+              <a:rPr lang="ru-RU" dirty="0" smtClean="0"/>
+              <a:t>Критерии оптимальности</a:t>
+            </a:r>
+            <a:endParaRPr lang="ru-RU" dirty="0"/>
+          </a:p>
+        </p:txBody>
+      </p:sp>
+      <p:graphicFrame>
+        <p:nvGraphicFramePr>
+          <p:cNvPr id="15" name="Объект 14"/>
+          <p:cNvGraphicFramePr>
+            <a:graphicFrameLocks noGrp="1"/>
+          </p:cNvGraphicFramePr>
+          <p:nvPr>
+            <p:ph idx="1"/>
+            <p:extLst>
+              <p:ext uri="{D42A27DB-BD31-4B8C-83A1-F6EECF244321}">
+                <p14:modId xmlns:p14="http://schemas.microsoft.com/office/powerpoint/2010/main" val="1648341701"/>
+              </p:ext>
+            </p:extLst>
+          </p:nvPr>
+        </p:nvGraphicFramePr>
+        <p:xfrm>
+          <a:off x="609600" y="1417638"/>
+          <a:ext cx="10972800" cy="5251722"/>
+        </p:xfrm>
+        <a:graphic>
+          <a:graphicData uri="http://schemas.openxmlformats.org/drawingml/2006/chart">
+            <c:chart xmlns:c="http://schemas.openxmlformats.org/drawingml/2006/chart" xmlns:r="http://schemas.openxmlformats.org/officeDocument/2006/relationships" r:id="rId2"/>
+          </a:graphicData>
+        </a:graphic>
+      </p:graphicFrame>
+    </p:spTree>
+    <p:extLst>
+      <p:ext uri="{BB962C8B-B14F-4D97-AF65-F5344CB8AC3E}">
+        <p14:creationId xmlns:p14="http://schemas.microsoft.com/office/powerpoint/2010/main" val="3494782495"/>
+      </p:ext>
+    </p:extLst>
+  </p:cSld>
+  <p:clrMapOvr>
+    <a:masterClrMapping/>
+  </p:clrMapOvr>
 </p:sld>
 </file>
 
@@ -6925,6 +13707,405 @@
       <p:bldP spid="5" grpId="0" animBg="1"/>
       <p:bldP spid="7" grpId="0" animBg="1"/>
     </p:bldLst>
+  </p:timing>
+</p:sld>
+</file>
+
+<file path=ppt/slides/slide20.xml><?xml version="1.0" encoding="utf-8"?>
+<p:sld xmlns:a="http://schemas.openxmlformats.org/drawingml/2006/main" xmlns:r="http://schemas.openxmlformats.org/officeDocument/2006/relationships" xmlns:p="http://schemas.openxmlformats.org/presentationml/2006/main">
+  <p:cSld>
+    <p:spTree>
+      <p:nvGrpSpPr>
+        <p:cNvPr id="1" name=""/>
+        <p:cNvGrpSpPr/>
+        <p:nvPr/>
+      </p:nvGrpSpPr>
+      <p:grpSpPr>
+        <a:xfrm>
+          <a:off x="0" y="0"/>
+          <a:ext cx="0" cy="0"/>
+          <a:chOff x="0" y="0"/>
+          <a:chExt cx="0" cy="0"/>
+        </a:xfrm>
+      </p:grpSpPr>
+      <p:sp>
+        <p:nvSpPr>
+          <p:cNvPr id="2" name="Заголовок 1"/>
+          <p:cNvSpPr>
+            <a:spLocks noGrp="1"/>
+          </p:cNvSpPr>
+          <p:nvPr>
+            <p:ph type="title"/>
+          </p:nvPr>
+        </p:nvSpPr>
+        <p:spPr/>
+        <p:txBody>
+          <a:bodyPr/>
+          <a:lstStyle/>
+          <a:p>
+            <a:r>
+              <a:rPr lang="ru-RU" dirty="0" smtClean="0"/>
+              <a:t>Критерии оптимальности</a:t>
+            </a:r>
+            <a:endParaRPr lang="ru-RU" dirty="0"/>
+          </a:p>
+        </p:txBody>
+      </p:sp>
+      <p:graphicFrame>
+        <p:nvGraphicFramePr>
+          <p:cNvPr id="15" name="Объект 14"/>
+          <p:cNvGraphicFramePr>
+            <a:graphicFrameLocks noGrp="1"/>
+          </p:cNvGraphicFramePr>
+          <p:nvPr>
+            <p:ph idx="1"/>
+            <p:extLst>
+              <p:ext uri="{D42A27DB-BD31-4B8C-83A1-F6EECF244321}">
+                <p14:modId xmlns:p14="http://schemas.microsoft.com/office/powerpoint/2010/main" val="1378729835"/>
+              </p:ext>
+            </p:extLst>
+          </p:nvPr>
+        </p:nvGraphicFramePr>
+        <p:xfrm>
+          <a:off x="609600" y="1417638"/>
+          <a:ext cx="10972800" cy="5251722"/>
+        </p:xfrm>
+        <a:graphic>
+          <a:graphicData uri="http://schemas.openxmlformats.org/drawingml/2006/chart">
+            <c:chart xmlns:c="http://schemas.openxmlformats.org/drawingml/2006/chart" xmlns:r="http://schemas.openxmlformats.org/officeDocument/2006/relationships" r:id="rId2"/>
+          </a:graphicData>
+        </a:graphic>
+      </p:graphicFrame>
+    </p:spTree>
+    <p:extLst>
+      <p:ext uri="{BB962C8B-B14F-4D97-AF65-F5344CB8AC3E}">
+        <p14:creationId xmlns:p14="http://schemas.microsoft.com/office/powerpoint/2010/main" val="3713758963"/>
+      </p:ext>
+    </p:extLst>
+  </p:cSld>
+  <p:clrMapOvr>
+    <a:masterClrMapping/>
+  </p:clrMapOvr>
+</p:sld>
+</file>
+
+<file path=ppt/slides/slide21.xml><?xml version="1.0" encoding="utf-8"?>
+<p:sld xmlns:a="http://schemas.openxmlformats.org/drawingml/2006/main" xmlns:r="http://schemas.openxmlformats.org/officeDocument/2006/relationships" xmlns:p="http://schemas.openxmlformats.org/presentationml/2006/main">
+  <p:cSld>
+    <p:spTree>
+      <p:nvGrpSpPr>
+        <p:cNvPr id="1" name=""/>
+        <p:cNvGrpSpPr/>
+        <p:nvPr/>
+      </p:nvGrpSpPr>
+      <p:grpSpPr>
+        <a:xfrm>
+          <a:off x="0" y="0"/>
+          <a:ext cx="0" cy="0"/>
+          <a:chOff x="0" y="0"/>
+          <a:chExt cx="0" cy="0"/>
+        </a:xfrm>
+      </p:grpSpPr>
+      <p:sp>
+        <p:nvSpPr>
+          <p:cNvPr id="2" name="Заголовок 1"/>
+          <p:cNvSpPr>
+            <a:spLocks noGrp="1"/>
+          </p:cNvSpPr>
+          <p:nvPr>
+            <p:ph type="title"/>
+          </p:nvPr>
+        </p:nvSpPr>
+        <p:spPr/>
+        <p:txBody>
+          <a:bodyPr/>
+          <a:lstStyle/>
+          <a:p>
+            <a:r>
+              <a:rPr lang="ru-RU" dirty="0" smtClean="0"/>
+              <a:t>Критерии оптимальности</a:t>
+            </a:r>
+            <a:endParaRPr lang="ru-RU" dirty="0"/>
+          </a:p>
+        </p:txBody>
+      </p:sp>
+      <p:graphicFrame>
+        <p:nvGraphicFramePr>
+          <p:cNvPr id="15" name="Объект 14"/>
+          <p:cNvGraphicFramePr>
+            <a:graphicFrameLocks noGrp="1"/>
+          </p:cNvGraphicFramePr>
+          <p:nvPr>
+            <p:ph idx="1"/>
+            <p:extLst>
+              <p:ext uri="{D42A27DB-BD31-4B8C-83A1-F6EECF244321}">
+                <p14:modId xmlns:p14="http://schemas.microsoft.com/office/powerpoint/2010/main" val="2292482469"/>
+              </p:ext>
+            </p:extLst>
+          </p:nvPr>
+        </p:nvGraphicFramePr>
+        <p:xfrm>
+          <a:off x="609600" y="1417638"/>
+          <a:ext cx="10972800" cy="5251722"/>
+        </p:xfrm>
+        <a:graphic>
+          <a:graphicData uri="http://schemas.openxmlformats.org/drawingml/2006/chart">
+            <c:chart xmlns:c="http://schemas.openxmlformats.org/drawingml/2006/chart" xmlns:r="http://schemas.openxmlformats.org/officeDocument/2006/relationships" r:id="rId2"/>
+          </a:graphicData>
+        </a:graphic>
+      </p:graphicFrame>
+    </p:spTree>
+    <p:extLst>
+      <p:ext uri="{BB962C8B-B14F-4D97-AF65-F5344CB8AC3E}">
+        <p14:creationId xmlns:p14="http://schemas.microsoft.com/office/powerpoint/2010/main" val="1159692990"/>
+      </p:ext>
+    </p:extLst>
+  </p:cSld>
+  <p:clrMapOvr>
+    <a:masterClrMapping/>
+  </p:clrMapOvr>
+</p:sld>
+</file>
+
+<file path=ppt/slides/slide22.xml><?xml version="1.0" encoding="utf-8"?>
+<p:sld xmlns:a="http://schemas.openxmlformats.org/drawingml/2006/main" xmlns:r="http://schemas.openxmlformats.org/officeDocument/2006/relationships" xmlns:p="http://schemas.openxmlformats.org/presentationml/2006/main">
+  <p:cSld>
+    <p:spTree>
+      <p:nvGrpSpPr>
+        <p:cNvPr id="1" name=""/>
+        <p:cNvGrpSpPr/>
+        <p:nvPr/>
+      </p:nvGrpSpPr>
+      <p:grpSpPr>
+        <a:xfrm>
+          <a:off x="0" y="0"/>
+          <a:ext cx="0" cy="0"/>
+          <a:chOff x="0" y="0"/>
+          <a:chExt cx="0" cy="0"/>
+        </a:xfrm>
+      </p:grpSpPr>
+      <p:sp>
+        <p:nvSpPr>
+          <p:cNvPr id="2" name="Заголовок 1"/>
+          <p:cNvSpPr>
+            <a:spLocks noGrp="1"/>
+          </p:cNvSpPr>
+          <p:nvPr>
+            <p:ph type="title"/>
+          </p:nvPr>
+        </p:nvSpPr>
+        <p:spPr/>
+        <p:txBody>
+          <a:bodyPr/>
+          <a:lstStyle/>
+          <a:p>
+            <a:r>
+              <a:rPr lang="ru-RU" dirty="0" smtClean="0"/>
+              <a:t>Подведение итогов</a:t>
+            </a:r>
+            <a:endParaRPr lang="ru-RU" dirty="0"/>
+          </a:p>
+        </p:txBody>
+      </p:sp>
+      <p:graphicFrame>
+        <p:nvGraphicFramePr>
+          <p:cNvPr id="6" name="Объект 5"/>
+          <p:cNvGraphicFramePr>
+            <a:graphicFrameLocks noGrp="1"/>
+          </p:cNvGraphicFramePr>
+          <p:nvPr>
+            <p:ph idx="1"/>
+            <p:extLst>
+              <p:ext uri="{D42A27DB-BD31-4B8C-83A1-F6EECF244321}">
+                <p14:modId xmlns:p14="http://schemas.microsoft.com/office/powerpoint/2010/main" val="3651848897"/>
+              </p:ext>
+            </p:extLst>
+          </p:nvPr>
+        </p:nvGraphicFramePr>
+        <p:xfrm>
+          <a:off x="609600" y="1600200"/>
+          <a:ext cx="10972800" cy="4525963"/>
+        </p:xfrm>
+        <a:graphic>
+          <a:graphicData uri="http://schemas.openxmlformats.org/drawingml/2006/chart">
+            <c:chart xmlns:c="http://schemas.openxmlformats.org/drawingml/2006/chart" xmlns:r="http://schemas.openxmlformats.org/officeDocument/2006/relationships" r:id="rId2"/>
+          </a:graphicData>
+        </a:graphic>
+      </p:graphicFrame>
+    </p:spTree>
+    <p:extLst>
+      <p:ext uri="{BB962C8B-B14F-4D97-AF65-F5344CB8AC3E}">
+        <p14:creationId xmlns:p14="http://schemas.microsoft.com/office/powerpoint/2010/main" val="1918153285"/>
+      </p:ext>
+    </p:extLst>
+  </p:cSld>
+  <p:clrMapOvr>
+    <a:masterClrMapping/>
+  </p:clrMapOvr>
+</p:sld>
+</file>
+
+<file path=ppt/slides/slide23.xml><?xml version="1.0" encoding="utf-8"?>
+<p:sld xmlns:a="http://schemas.openxmlformats.org/drawingml/2006/main" xmlns:r="http://schemas.openxmlformats.org/officeDocument/2006/relationships" xmlns:p="http://schemas.openxmlformats.org/presentationml/2006/main">
+  <p:cSld>
+    <p:spTree>
+      <p:nvGrpSpPr>
+        <p:cNvPr id="1" name=""/>
+        <p:cNvGrpSpPr/>
+        <p:nvPr/>
+      </p:nvGrpSpPr>
+      <p:grpSpPr>
+        <a:xfrm>
+          <a:off x="0" y="0"/>
+          <a:ext cx="0" cy="0"/>
+          <a:chOff x="0" y="0"/>
+          <a:chExt cx="0" cy="0"/>
+        </a:xfrm>
+      </p:grpSpPr>
+      <p:sp>
+        <p:nvSpPr>
+          <p:cNvPr id="2" name="Заголовок 1"/>
+          <p:cNvSpPr>
+            <a:spLocks noGrp="1"/>
+          </p:cNvSpPr>
+          <p:nvPr>
+            <p:ph type="title"/>
+          </p:nvPr>
+        </p:nvSpPr>
+        <p:spPr/>
+        <p:txBody>
+          <a:bodyPr/>
+          <a:lstStyle/>
+          <a:p>
+            <a:r>
+              <a:rPr lang="ru-RU" dirty="0" smtClean="0"/>
+              <a:t>Основные источники и ссылки на проект*</a:t>
+            </a:r>
+            <a:endParaRPr lang="ru-RU" dirty="0"/>
+          </a:p>
+        </p:txBody>
+      </p:sp>
+      <p:sp>
+        <p:nvSpPr>
+          <p:cNvPr id="3" name="Объект 2"/>
+          <p:cNvSpPr>
+            <a:spLocks noGrp="1"/>
+          </p:cNvSpPr>
+          <p:nvPr>
+            <p:ph idx="1"/>
+          </p:nvPr>
+        </p:nvSpPr>
+        <p:spPr/>
+        <p:txBody>
+          <a:bodyPr/>
+          <a:lstStyle/>
+          <a:p>
+            <a:endParaRPr lang="ru-RU"/>
+          </a:p>
+        </p:txBody>
+      </p:sp>
+    </p:spTree>
+    <p:extLst>
+      <p:ext uri="{BB962C8B-B14F-4D97-AF65-F5344CB8AC3E}">
+        <p14:creationId xmlns:p14="http://schemas.microsoft.com/office/powerpoint/2010/main" val="676281798"/>
+      </p:ext>
+    </p:extLst>
+  </p:cSld>
+  <p:clrMapOvr>
+    <a:masterClrMapping/>
+  </p:clrMapOvr>
+</p:sld>
+</file>
+
+<file path=ppt/slides/slide24.xml><?xml version="1.0" encoding="utf-8"?>
+<p:sld xmlns:a="http://schemas.openxmlformats.org/drawingml/2006/main" xmlns:r="http://schemas.openxmlformats.org/officeDocument/2006/relationships" xmlns:p="http://schemas.openxmlformats.org/presentationml/2006/main">
+  <p:cSld>
+    <p:spTree>
+      <p:nvGrpSpPr>
+        <p:cNvPr id="1" name=""/>
+        <p:cNvGrpSpPr/>
+        <p:nvPr/>
+      </p:nvGrpSpPr>
+      <p:grpSpPr>
+        <a:xfrm>
+          <a:off x="0" y="0"/>
+          <a:ext cx="0" cy="0"/>
+          <a:chOff x="0" y="0"/>
+          <a:chExt cx="0" cy="0"/>
+        </a:xfrm>
+      </p:grpSpPr>
+      <p:sp>
+        <p:nvSpPr>
+          <p:cNvPr id="2" name="Заголовок 1"/>
+          <p:cNvSpPr>
+            <a:spLocks noGrp="1"/>
+          </p:cNvSpPr>
+          <p:nvPr>
+            <p:ph type="title"/>
+          </p:nvPr>
+        </p:nvSpPr>
+        <p:spPr/>
+        <p:txBody>
+          <a:bodyPr/>
+          <a:lstStyle/>
+          <a:p>
+            <a:endParaRPr lang="ru-RU"/>
+          </a:p>
+        </p:txBody>
+      </p:sp>
+      <p:sp>
+        <p:nvSpPr>
+          <p:cNvPr id="3" name="Объект 2"/>
+          <p:cNvSpPr>
+            <a:spLocks noGrp="1"/>
+          </p:cNvSpPr>
+          <p:nvPr>
+            <p:ph idx="1"/>
+          </p:nvPr>
+        </p:nvSpPr>
+        <p:spPr/>
+        <p:txBody>
+          <a:bodyPr/>
+          <a:lstStyle/>
+          <a:p>
+            <a:pPr marL="0" indent="0" algn="ctr">
+              <a:buNone/>
+            </a:pPr>
+            <a:endParaRPr lang="ru-RU" dirty="0" smtClean="0"/>
+          </a:p>
+          <a:p>
+            <a:pPr marL="0" indent="0" algn="ctr">
+              <a:buNone/>
+            </a:pPr>
+            <a:r>
+              <a:rPr lang="ru-RU" sz="8800" dirty="0" smtClean="0"/>
+              <a:t>Спасибо за внимание!</a:t>
+            </a:r>
+          </a:p>
+          <a:p>
+            <a:pPr marL="0" indent="0" algn="ctr">
+              <a:buNone/>
+            </a:pPr>
+            <a:endParaRPr lang="ru-RU" dirty="0"/>
+          </a:p>
+        </p:txBody>
+      </p:sp>
+    </p:spTree>
+    <p:extLst>
+      <p:ext uri="{BB962C8B-B14F-4D97-AF65-F5344CB8AC3E}">
+        <p14:creationId xmlns:p14="http://schemas.microsoft.com/office/powerpoint/2010/main" val="3918940764"/>
+      </p:ext>
+    </p:extLst>
+  </p:cSld>
+  <p:clrMapOvr>
+    <a:masterClrMapping/>
+  </p:clrMapOvr>
+  <p:timing>
+    <p:tnLst>
+      <p:par>
+        <p:cTn id="1" dur="indefinite" restart="never" nodeType="tmRoot"/>
+      </p:par>
+    </p:tnLst>
   </p:timing>
 </p:sld>
 </file>
